--- a/ppt/chap7.pptx
+++ b/ppt/chap7.pptx
@@ -104,6 +104,11 @@
       </a:defRPr>
     </a:lvl9pPr>
   </p:defaultTextStyle>
+  <p:extLst>
+    <p:ext uri="{EFAFB233-063F-42B5-8137-9DF3F51BA10A}">
+      <p15:sldGuideLst xmlns:p15="http://schemas.microsoft.com/office/powerpoint/2012/main"/>
+    </p:ext>
+  </p:extLst>
 </p:presentation>
 </file>
 
@@ -256,7 +261,7 @@
           <a:p>
             <a:fld id="{C2D125DA-E291-458D-ABC4-9A2869F84746}" type="datetimeFigureOut">
               <a:rPr lang="en-GB" smtClean="0"/>
-              <a:t>19/11/2023</a:t>
+              <a:t>20/11/2023</a:t>
             </a:fld>
             <a:endParaRPr lang="en-GB"/>
           </a:p>
@@ -456,7 +461,7 @@
           <a:p>
             <a:fld id="{C2D125DA-E291-458D-ABC4-9A2869F84746}" type="datetimeFigureOut">
               <a:rPr lang="en-GB" smtClean="0"/>
-              <a:t>19/11/2023</a:t>
+              <a:t>20/11/2023</a:t>
             </a:fld>
             <a:endParaRPr lang="en-GB"/>
           </a:p>
@@ -666,7 +671,7 @@
           <a:p>
             <a:fld id="{C2D125DA-E291-458D-ABC4-9A2869F84746}" type="datetimeFigureOut">
               <a:rPr lang="en-GB" smtClean="0"/>
-              <a:t>19/11/2023</a:t>
+              <a:t>20/11/2023</a:t>
             </a:fld>
             <a:endParaRPr lang="en-GB"/>
           </a:p>
@@ -866,7 +871,7 @@
           <a:p>
             <a:fld id="{C2D125DA-E291-458D-ABC4-9A2869F84746}" type="datetimeFigureOut">
               <a:rPr lang="en-GB" smtClean="0"/>
-              <a:t>19/11/2023</a:t>
+              <a:t>20/11/2023</a:t>
             </a:fld>
             <a:endParaRPr lang="en-GB"/>
           </a:p>
@@ -1142,7 +1147,7 @@
           <a:p>
             <a:fld id="{C2D125DA-E291-458D-ABC4-9A2869F84746}" type="datetimeFigureOut">
               <a:rPr lang="en-GB" smtClean="0"/>
-              <a:t>19/11/2023</a:t>
+              <a:t>20/11/2023</a:t>
             </a:fld>
             <a:endParaRPr lang="en-GB"/>
           </a:p>
@@ -1410,7 +1415,7 @@
           <a:p>
             <a:fld id="{C2D125DA-E291-458D-ABC4-9A2869F84746}" type="datetimeFigureOut">
               <a:rPr lang="en-GB" smtClean="0"/>
-              <a:t>19/11/2023</a:t>
+              <a:t>20/11/2023</a:t>
             </a:fld>
             <a:endParaRPr lang="en-GB"/>
           </a:p>
@@ -1825,7 +1830,7 @@
           <a:p>
             <a:fld id="{C2D125DA-E291-458D-ABC4-9A2869F84746}" type="datetimeFigureOut">
               <a:rPr lang="en-GB" smtClean="0"/>
-              <a:t>19/11/2023</a:t>
+              <a:t>20/11/2023</a:t>
             </a:fld>
             <a:endParaRPr lang="en-GB"/>
           </a:p>
@@ -1967,7 +1972,7 @@
           <a:p>
             <a:fld id="{C2D125DA-E291-458D-ABC4-9A2869F84746}" type="datetimeFigureOut">
               <a:rPr lang="en-GB" smtClean="0"/>
-              <a:t>19/11/2023</a:t>
+              <a:t>20/11/2023</a:t>
             </a:fld>
             <a:endParaRPr lang="en-GB"/>
           </a:p>
@@ -2080,7 +2085,7 @@
           <a:p>
             <a:fld id="{C2D125DA-E291-458D-ABC4-9A2869F84746}" type="datetimeFigureOut">
               <a:rPr lang="en-GB" smtClean="0"/>
-              <a:t>19/11/2023</a:t>
+              <a:t>20/11/2023</a:t>
             </a:fld>
             <a:endParaRPr lang="en-GB"/>
           </a:p>
@@ -2393,7 +2398,7 @@
           <a:p>
             <a:fld id="{C2D125DA-E291-458D-ABC4-9A2869F84746}" type="datetimeFigureOut">
               <a:rPr lang="en-GB" smtClean="0"/>
-              <a:t>19/11/2023</a:t>
+              <a:t>20/11/2023</a:t>
             </a:fld>
             <a:endParaRPr lang="en-GB"/>
           </a:p>
@@ -2682,7 +2687,7 @@
           <a:p>
             <a:fld id="{C2D125DA-E291-458D-ABC4-9A2869F84746}" type="datetimeFigureOut">
               <a:rPr lang="en-GB" smtClean="0"/>
-              <a:t>19/11/2023</a:t>
+              <a:t>20/11/2023</a:t>
             </a:fld>
             <a:endParaRPr lang="en-GB"/>
           </a:p>
@@ -2925,7 +2930,7 @@
           <a:p>
             <a:fld id="{C2D125DA-E291-458D-ABC4-9A2869F84746}" type="datetimeFigureOut">
               <a:rPr lang="en-GB" smtClean="0"/>
-              <a:t>19/11/2023</a:t>
+              <a:t>20/11/2023</a:t>
             </a:fld>
             <a:endParaRPr lang="en-GB"/>
           </a:p>
@@ -3344,10 +3349,10 @@
       </p:grpSpPr>
       <p:grpSp>
         <p:nvGrpSpPr>
-          <p:cNvPr id="157" name="Group 156">
+          <p:cNvPr id="4" name="Group 3">
             <a:extLst>
               <a:ext uri="{FF2B5EF4-FFF2-40B4-BE49-F238E27FC236}">
-                <a16:creationId xmlns:a16="http://schemas.microsoft.com/office/drawing/2014/main" id="{C15796D6-3572-D6B9-B30D-1B79AC694C6D}"/>
+                <a16:creationId xmlns:a16="http://schemas.microsoft.com/office/drawing/2014/main" id="{7682DD0A-3056-4741-90BF-409C359EE339}"/>
               </a:ext>
             </a:extLst>
           </p:cNvPr>
@@ -3356,10 +3361,10 @@
         </p:nvGrpSpPr>
         <p:grpSpPr>
           <a:xfrm>
-            <a:off x="1340308" y="992720"/>
-            <a:ext cx="7079792" cy="3668180"/>
-            <a:chOff x="1340308" y="992720"/>
-            <a:chExt cx="6854383" cy="3537683"/>
+            <a:off x="1856775" y="823611"/>
+            <a:ext cx="7546350" cy="5102997"/>
+            <a:chOff x="1856775" y="823611"/>
+            <a:chExt cx="7546350" cy="5102997"/>
           </a:xfrm>
         </p:grpSpPr>
         <p:sp>
@@ -3376,8 +3381,8 @@
           </p:nvSpPr>
           <p:spPr>
             <a:xfrm>
-              <a:off x="5397171" y="2759653"/>
-              <a:ext cx="422992" cy="312967"/>
+              <a:off x="6047049" y="3425964"/>
+              <a:ext cx="436902" cy="324512"/>
             </a:xfrm>
             <a:prstGeom prst="rightArrow">
               <a:avLst/>
@@ -3430,8 +3435,8 @@
           </p:nvSpPr>
           <p:spPr>
             <a:xfrm>
-              <a:off x="5898601" y="1362052"/>
-              <a:ext cx="2296090" cy="3156656"/>
+              <a:off x="6564968" y="1235926"/>
+              <a:ext cx="2760927" cy="4690681"/>
             </a:xfrm>
             <a:prstGeom prst="rect">
               <a:avLst/>
@@ -3485,8 +3490,8 @@
           </p:nvSpPr>
           <p:spPr>
             <a:xfrm>
-              <a:off x="6470430" y="992720"/>
-              <a:ext cx="1152431" cy="470147"/>
+              <a:off x="7110444" y="830996"/>
+              <a:ext cx="1190329" cy="487490"/>
             </a:xfrm>
             <a:prstGeom prst="rect">
               <a:avLst/>
@@ -3520,8 +3525,8 @@
           </p:nvSpPr>
           <p:spPr>
             <a:xfrm>
-              <a:off x="6055478" y="2989731"/>
-              <a:ext cx="2091726" cy="928117"/>
+              <a:off x="6674473" y="3862658"/>
+              <a:ext cx="2524246" cy="694547"/>
             </a:xfrm>
             <a:prstGeom prst="roundRect">
               <a:avLst/>
@@ -3562,9 +3567,17 @@
                     <a:schemeClr val="tx1"/>
                   </a:solidFill>
                 </a:rPr>
-                <a:t>Seasonality validation</a:t>
+                <a:t>Solar Induced Fluorescence</a:t>
               </a:r>
-              <a:endParaRPr lang="en-GB" sz="1400" dirty="0">
+              <a:r>
+                <a:rPr lang="ja-JP" altLang="en-US" sz="1600" dirty="0">
+                  <a:solidFill>
+                    <a:schemeClr val="tx1"/>
+                  </a:solidFill>
+                </a:rPr>
+                <a:t>　</a:t>
+              </a:r>
+              <a:endParaRPr lang="en-GB" altLang="ja-JP" sz="1600" dirty="0">
                 <a:solidFill>
                   <a:schemeClr val="tx1"/>
                 </a:solidFill>
@@ -3581,7 +3594,7 @@
                     <a:schemeClr val="tx1"/>
                   </a:solidFill>
                 </a:rPr>
-                <a:t>FLUXNET 2015</a:t>
+                <a:t>CSIF</a:t>
               </a:r>
             </a:p>
             <a:p>
@@ -3595,7 +3608,7 @@
                     <a:schemeClr val="tx1"/>
                   </a:solidFill>
                 </a:rPr>
-                <a:t>CSIF, TROPOMI SIF</a:t>
+                <a:t>TROPOMI SIF</a:t>
               </a:r>
             </a:p>
           </p:txBody>
@@ -3614,8 +3627,8 @@
           </p:nvSpPr>
           <p:spPr>
             <a:xfrm>
-              <a:off x="6059696" y="4021262"/>
-              <a:ext cx="2091726" cy="400088"/>
+              <a:off x="6674473" y="4663207"/>
+              <a:ext cx="2513661" cy="1132981"/>
             </a:xfrm>
             <a:prstGeom prst="roundRect">
               <a:avLst/>
@@ -3649,9 +3662,64 @@
             <a:bodyPr rtlCol="0" anchor="ctr"/>
             <a:lstStyle/>
             <a:p>
-              <a:pPr algn="ctr"/>
               <a:r>
                 <a:rPr lang="en-GB" sz="1600" dirty="0">
+                  <a:solidFill>
+                    <a:schemeClr val="tx1"/>
+                  </a:solidFill>
+                </a:rPr>
+                <a:t>Satellite-based products</a:t>
+              </a:r>
+            </a:p>
+            <a:p>
+              <a:pPr marL="285750" indent="-285750">
+                <a:buFont typeface="Arial" panose="020B0604020202020204" pitchFamily="34" charset="0"/>
+                <a:buChar char="•"/>
+              </a:pPr>
+              <a:r>
+                <a:rPr lang="en-GB" sz="1400" dirty="0">
+                  <a:solidFill>
+                    <a:schemeClr val="tx1"/>
+                  </a:solidFill>
+                </a:rPr>
+                <a:t>Annual trend</a:t>
+              </a:r>
+            </a:p>
+            <a:p>
+              <a:pPr marL="285750" indent="-285750">
+                <a:buFont typeface="Arial" panose="020B0604020202020204" pitchFamily="34" charset="0"/>
+                <a:buChar char="•"/>
+              </a:pPr>
+              <a:r>
+                <a:rPr lang="en-GB" sz="1400" dirty="0">
+                  <a:solidFill>
+                    <a:schemeClr val="tx1"/>
+                  </a:solidFill>
+                </a:rPr>
+                <a:t>Seasonal trend</a:t>
+              </a:r>
+            </a:p>
+            <a:p>
+              <a:pPr marL="285750" indent="-285750">
+                <a:buFont typeface="Arial" panose="020B0604020202020204" pitchFamily="34" charset="0"/>
+                <a:buChar char="•"/>
+              </a:pPr>
+              <a:r>
+                <a:rPr lang="en-GB" sz="1400" dirty="0">
+                  <a:solidFill>
+                    <a:schemeClr val="tx1"/>
+                  </a:solidFill>
+                </a:rPr>
+                <a:t>Latitudinal variations</a:t>
+              </a:r>
+            </a:p>
+            <a:p>
+              <a:pPr marL="285750" indent="-285750">
+                <a:buFont typeface="Arial" panose="020B0604020202020204" pitchFamily="34" charset="0"/>
+                <a:buChar char="•"/>
+              </a:pPr>
+              <a:r>
+                <a:rPr lang="en-GB" sz="1400" dirty="0">
                   <a:solidFill>
                     <a:schemeClr val="tx1"/>
                   </a:solidFill>
@@ -3675,8 +3743,8 @@
           </p:nvSpPr>
           <p:spPr>
             <a:xfrm>
-              <a:off x="6000783" y="1460140"/>
-              <a:ext cx="1881169" cy="1068579"/>
+              <a:off x="6564968" y="1350725"/>
+              <a:ext cx="2838157" cy="1323439"/>
             </a:xfrm>
             <a:prstGeom prst="rect">
               <a:avLst/>
@@ -3684,28 +3752,15 @@
             <a:noFill/>
           </p:spPr>
           <p:txBody>
-            <a:bodyPr wrap="none" rtlCol="0">
+            <a:bodyPr wrap="square" rtlCol="0">
               <a:spAutoFit/>
             </a:bodyPr>
             <a:lstStyle/>
             <a:p>
               <a:r>
-                <a:rPr lang="en-GB" dirty="0"/>
-                <a:t>With </a:t>
+                <a:rPr lang="en-GB" sz="1600" dirty="0"/>
+                <a:t>Comparative analysis of satellite-based products</a:t>
               </a:r>
-              <a:r>
-                <a:rPr lang="en-GB" sz="1600" dirty="0"/>
-                <a:t>other</a:t>
-              </a:r>
-              <a:r>
-                <a:rPr lang="en-GB" dirty="0"/>
-                <a:t> </a:t>
-              </a:r>
-              <a:r>
-                <a:rPr lang="en-GB" sz="1600" dirty="0"/>
-                <a:t>products</a:t>
-              </a:r>
-              <a:endParaRPr lang="en-GB" dirty="0"/>
             </a:p>
             <a:p>
               <a:pPr marL="285750" indent="-285750">
@@ -3753,8 +3808,8 @@
           </p:nvSpPr>
           <p:spPr>
             <a:xfrm>
-              <a:off x="1400952" y="1362052"/>
-              <a:ext cx="3895193" cy="1201857"/>
+              <a:off x="1919413" y="1976809"/>
+              <a:ext cx="4023288" cy="1246191"/>
             </a:xfrm>
             <a:prstGeom prst="rect">
               <a:avLst/>
@@ -3808,8 +3863,8 @@
           </p:nvSpPr>
           <p:spPr>
             <a:xfrm>
-              <a:off x="3035868" y="2106802"/>
-              <a:ext cx="2076548" cy="281419"/>
+              <a:off x="3751090" y="2749031"/>
+              <a:ext cx="2001840" cy="291800"/>
             </a:xfrm>
             <a:prstGeom prst="roundRect">
               <a:avLst/>
@@ -3869,8 +3924,8 @@
           </p:nvSpPr>
           <p:spPr>
             <a:xfrm>
-              <a:off x="3035868" y="1401589"/>
-              <a:ext cx="2109344" cy="327742"/>
+              <a:off x="3762065" y="2017804"/>
+              <a:ext cx="2024740" cy="339832"/>
             </a:xfrm>
             <a:prstGeom prst="roundRect">
               <a:avLst/>
@@ -3938,8 +3993,8 @@
           </p:nvSpPr>
           <p:spPr>
             <a:xfrm>
-              <a:off x="1373682" y="1390368"/>
-              <a:ext cx="1369007" cy="584775"/>
+              <a:off x="1891247" y="2006169"/>
+              <a:ext cx="1831677" cy="338554"/>
             </a:xfrm>
             <a:prstGeom prst="rect">
               <a:avLst/>
@@ -3954,13 +4009,7 @@
             <a:p>
               <a:r>
                 <a:rPr lang="en-GB" sz="1600" dirty="0"/>
-                <a:t>MVTS </a:t>
-              </a:r>
-            </a:p>
-            <a:p>
-              <a:r>
-                <a:rPr lang="en-GB" sz="1600" dirty="0"/>
-                <a:t>Transformer</a:t>
+                <a:t>MVTS Transformer</a:t>
               </a:r>
             </a:p>
           </p:txBody>
@@ -3979,8 +4028,8 @@
           </p:nvSpPr>
           <p:spPr>
             <a:xfrm flipH="1">
-              <a:off x="1407479" y="2759653"/>
-              <a:ext cx="3883250" cy="1759055"/>
+              <a:off x="1926155" y="3425964"/>
+              <a:ext cx="4010952" cy="1823942"/>
             </a:xfrm>
             <a:prstGeom prst="rect">
               <a:avLst/>
@@ -4034,8 +4083,8 @@
           </p:nvSpPr>
           <p:spPr>
             <a:xfrm>
-              <a:off x="2473780" y="3068615"/>
-              <a:ext cx="537818" cy="738664"/>
+              <a:off x="3266847" y="3613358"/>
+              <a:ext cx="566181" cy="1169551"/>
             </a:xfrm>
             <a:prstGeom prst="rect">
               <a:avLst/>
@@ -4052,6 +4101,20 @@
               <a:r>
                 <a:rPr lang="en-GB" sz="1400" dirty="0"/>
                 <a:t>RS </a:t>
+              </a:r>
+            </a:p>
+            <a:p>
+              <a:pPr algn="ctr"/>
+              <a:r>
+                <a:rPr lang="en-GB" sz="1400" dirty="0"/>
+                <a:t>+</a:t>
+              </a:r>
+            </a:p>
+            <a:p>
+              <a:pPr algn="ctr"/>
+              <a:r>
+                <a:rPr lang="en-GB" sz="1400" dirty="0"/>
+                <a:t>ERA5</a:t>
               </a:r>
             </a:p>
             <a:p>
@@ -4084,8 +4147,8 @@
           </p:nvSpPr>
           <p:spPr>
             <a:xfrm rot="5400000">
-              <a:off x="4034212" y="3065596"/>
-              <a:ext cx="80773" cy="1839410"/>
+              <a:off x="4706984" y="3806797"/>
+              <a:ext cx="75798" cy="1772102"/>
             </a:xfrm>
             <a:prstGeom prst="rightBrace">
               <a:avLst/>
@@ -4133,8 +4196,8 @@
           </p:nvSpPr>
           <p:spPr>
             <a:xfrm rot="10800000">
-              <a:off x="3037384" y="2973595"/>
-              <a:ext cx="67469" cy="992863"/>
+              <a:off x="3762066" y="3647798"/>
+              <a:ext cx="69688" cy="1029487"/>
             </a:xfrm>
             <a:prstGeom prst="rightBrace">
               <a:avLst/>
@@ -4168,8 +4231,8 @@
             </a:p>
           </p:txBody>
         </p:sp>
-        <mc:AlternateContent xmlns:mc="http://schemas.openxmlformats.org/markup-compatibility/2006">
-          <mc:Choice xmlns:a14="http://schemas.microsoft.com/office/drawing/2010/main" Requires="a14">
+        <mc:AlternateContent xmlns:mc="http://schemas.openxmlformats.org/markup-compatibility/2006" xmlns:a14="http://schemas.microsoft.com/office/drawing/2010/main">
+          <mc:Choice Requires="a14">
             <p:sp>
               <p:nvSpPr>
                 <p:cNvPr id="132" name="TextBox 131">
@@ -4184,8 +4247,8 @@
               </p:nvSpPr>
               <p:spPr>
                 <a:xfrm>
-                  <a:off x="3012719" y="3944426"/>
-                  <a:ext cx="642634" cy="430887"/>
+                  <a:off x="3584184" y="4654441"/>
+                  <a:ext cx="663767" cy="446781"/>
                 </a:xfrm>
                 <a:prstGeom prst="rect">
                   <a:avLst/>
@@ -4198,6 +4261,7 @@
                 </a:bodyPr>
                 <a:lstStyle/>
                 <a:p>
+                  <a:pPr/>
                   <a14:m>
                     <m:oMathPara xmlns:m="http://schemas.openxmlformats.org/officeDocument/2006/math">
                       <m:oMathParaPr>
@@ -4237,6 +4301,7 @@
                   </a:endParaRPr>
                 </a:p>
                 <a:p>
+                  <a:pPr/>
                   <a14:m>
                     <m:oMathPara xmlns:m="http://schemas.openxmlformats.org/officeDocument/2006/math">
                       <m:oMathParaPr>
@@ -4265,7 +4330,7 @@
               </p:txBody>
             </p:sp>
           </mc:Choice>
-          <mc:Fallback>
+          <mc:Fallback xmlns="">
             <p:sp>
               <p:nvSpPr>
                 <p:cNvPr id="132" name="TextBox 131">
@@ -4282,8 +4347,8 @@
               </p:nvSpPr>
               <p:spPr>
                 <a:xfrm>
-                  <a:off x="3012719" y="3944426"/>
-                  <a:ext cx="642634" cy="430887"/>
+                  <a:off x="3584184" y="4654441"/>
+                  <a:ext cx="663767" cy="446781"/>
                 </a:xfrm>
                 <a:prstGeom prst="rect">
                   <a:avLst/>
@@ -4310,8 +4375,8 @@
             </p:sp>
           </mc:Fallback>
         </mc:AlternateContent>
-        <mc:AlternateContent xmlns:mc="http://schemas.openxmlformats.org/markup-compatibility/2006">
-          <mc:Choice xmlns:a14="http://schemas.microsoft.com/office/drawing/2010/main" Requires="a14">
+        <mc:AlternateContent xmlns:mc="http://schemas.openxmlformats.org/markup-compatibility/2006" xmlns:a14="http://schemas.microsoft.com/office/drawing/2010/main">
+          <mc:Choice Requires="a14">
             <p:sp>
               <p:nvSpPr>
                 <p:cNvPr id="133" name="TextBox 132">
@@ -4326,8 +4391,8 @@
               </p:nvSpPr>
               <p:spPr>
                 <a:xfrm>
-                  <a:off x="3550759" y="3964112"/>
-                  <a:ext cx="598221" cy="400110"/>
+                  <a:off x="4139918" y="4674853"/>
+                  <a:ext cx="617894" cy="414869"/>
                 </a:xfrm>
                 <a:prstGeom prst="rect">
                   <a:avLst/>
@@ -4340,6 +4405,7 @@
                 </a:bodyPr>
                 <a:lstStyle/>
                 <a:p>
+                  <a:pPr/>
                   <a14:m>
                     <m:oMathPara xmlns:m="http://schemas.openxmlformats.org/officeDocument/2006/math">
                       <m:oMathParaPr>
@@ -4379,6 +4445,7 @@
                   </a:endParaRPr>
                 </a:p>
                 <a:p>
+                  <a:pPr/>
                   <a14:m>
                     <m:oMathPara xmlns:m="http://schemas.openxmlformats.org/officeDocument/2006/math">
                       <m:oMathParaPr>
@@ -4401,7 +4468,7 @@
               </p:txBody>
             </p:sp>
           </mc:Choice>
-          <mc:Fallback>
+          <mc:Fallback xmlns="">
             <p:sp>
               <p:nvSpPr>
                 <p:cNvPr id="133" name="TextBox 132">
@@ -4418,8 +4485,8 @@
               </p:nvSpPr>
               <p:spPr>
                 <a:xfrm>
-                  <a:off x="3550759" y="3964112"/>
-                  <a:ext cx="598221" cy="400110"/>
+                  <a:off x="4139918" y="4674853"/>
+                  <a:ext cx="617894" cy="414869"/>
                 </a:xfrm>
                 <a:prstGeom prst="rect">
                   <a:avLst/>
@@ -4446,8 +4513,8 @@
             </p:sp>
           </mc:Fallback>
         </mc:AlternateContent>
-        <mc:AlternateContent xmlns:mc="http://schemas.openxmlformats.org/markup-compatibility/2006">
-          <mc:Choice xmlns:a14="http://schemas.microsoft.com/office/drawing/2010/main" Requires="a14">
+        <mc:AlternateContent xmlns:mc="http://schemas.openxmlformats.org/markup-compatibility/2006" xmlns:a14="http://schemas.microsoft.com/office/drawing/2010/main">
+          <mc:Choice Requires="a14">
             <p:sp>
               <p:nvSpPr>
                 <p:cNvPr id="134" name="TextBox 133">
@@ -4462,8 +4529,8 @@
               </p:nvSpPr>
               <p:spPr>
                 <a:xfrm>
-                  <a:off x="4147168" y="3940721"/>
-                  <a:ext cx="1208536" cy="400110"/>
+                  <a:off x="4756851" y="4641186"/>
+                  <a:ext cx="1248279" cy="414869"/>
                 </a:xfrm>
                 <a:prstGeom prst="rect">
                   <a:avLst/>
@@ -4476,6 +4543,7 @@
                 </a:bodyPr>
                 <a:lstStyle/>
                 <a:p>
+                  <a:pPr/>
                   <a14:m>
                     <m:oMathPara xmlns:m="http://schemas.openxmlformats.org/officeDocument/2006/math">
                       <m:oMathParaPr>
@@ -4515,6 +4583,7 @@
                   </a:endParaRPr>
                 </a:p>
                 <a:p>
+                  <a:pPr/>
                   <a14:m>
                     <m:oMathPara xmlns:m="http://schemas.openxmlformats.org/officeDocument/2006/math">
                       <m:oMathParaPr>
@@ -4585,7 +4654,7 @@
               </p:txBody>
             </p:sp>
           </mc:Choice>
-          <mc:Fallback>
+          <mc:Fallback xmlns="">
             <p:sp>
               <p:nvSpPr>
                 <p:cNvPr id="134" name="TextBox 133">
@@ -4602,8 +4671,8 @@
               </p:nvSpPr>
               <p:spPr>
                 <a:xfrm>
-                  <a:off x="4147168" y="3940721"/>
-                  <a:ext cx="1208536" cy="400110"/>
+                  <a:off x="4756851" y="4641186"/>
+                  <a:ext cx="1248279" cy="414869"/>
                 </a:xfrm>
                 <a:prstGeom prst="rect">
                   <a:avLst/>
@@ -4630,8 +4699,8 @@
             </p:sp>
           </mc:Fallback>
         </mc:AlternateContent>
-        <mc:AlternateContent xmlns:mc="http://schemas.openxmlformats.org/markup-compatibility/2006">
-          <mc:Choice xmlns:a14="http://schemas.microsoft.com/office/drawing/2010/main" Requires="a14">
+        <mc:AlternateContent xmlns:mc="http://schemas.openxmlformats.org/markup-compatibility/2006" xmlns:a14="http://schemas.microsoft.com/office/drawing/2010/main">
+          <mc:Choice Requires="a14">
             <p:sp>
               <p:nvSpPr>
                 <p:cNvPr id="135" name="TextBox 134">
@@ -4646,8 +4715,8 @@
               </p:nvSpPr>
               <p:spPr>
                 <a:xfrm>
-                  <a:off x="3174311" y="2856633"/>
-                  <a:ext cx="1792612" cy="276999"/>
+                  <a:off x="3751090" y="3526521"/>
+                  <a:ext cx="1851563" cy="287217"/>
                 </a:xfrm>
                 <a:prstGeom prst="rect">
                   <a:avLst/>
@@ -4660,6 +4729,7 @@
                 </a:bodyPr>
                 <a:lstStyle/>
                 <a:p>
+                  <a:pPr/>
                   <a14:m>
                     <m:oMathPara xmlns:m="http://schemas.openxmlformats.org/officeDocument/2006/math">
                       <m:oMathParaPr>
@@ -4779,7 +4849,7 @@
               </p:txBody>
             </p:sp>
           </mc:Choice>
-          <mc:Fallback>
+          <mc:Fallback xmlns="">
             <p:sp>
               <p:nvSpPr>
                 <p:cNvPr id="135" name="TextBox 134">
@@ -4796,8 +4866,8 @@
               </p:nvSpPr>
               <p:spPr>
                 <a:xfrm>
-                  <a:off x="3174311" y="2856633"/>
-                  <a:ext cx="1792612" cy="276999"/>
+                  <a:off x="3751090" y="3526521"/>
+                  <a:ext cx="1851563" cy="287217"/>
                 </a:xfrm>
                 <a:prstGeom prst="rect">
                   <a:avLst/>
@@ -4805,7 +4875,7 @@
                 <a:blipFill>
                   <a:blip r:embed="rId5"/>
                   <a:stretch>
-                    <a:fillRect b="-10638"/>
+                    <a:fillRect b="-10417"/>
                   </a:stretch>
                 </a:blipFill>
               </p:spPr>
@@ -4838,8 +4908,8 @@
           </p:nvSpPr>
           <p:spPr>
             <a:xfrm>
-              <a:off x="3309585" y="3515731"/>
-              <a:ext cx="93960" cy="276999"/>
+              <a:off x="3890812" y="4209932"/>
+              <a:ext cx="97050" cy="287217"/>
             </a:xfrm>
             <a:prstGeom prst="rect">
               <a:avLst/>
@@ -4856,8 +4926,8 @@
             </a:p>
           </p:txBody>
         </p:sp>
-        <mc:AlternateContent xmlns:mc="http://schemas.openxmlformats.org/markup-compatibility/2006">
-          <mc:Choice xmlns:a14="http://schemas.microsoft.com/office/drawing/2010/main" Requires="a14">
+        <mc:AlternateContent xmlns:mc="http://schemas.openxmlformats.org/markup-compatibility/2006" xmlns:a14="http://schemas.microsoft.com/office/drawing/2010/main">
+          <mc:Choice Requires="a14">
             <p:sp>
               <p:nvSpPr>
                 <p:cNvPr id="137" name="TextBox 136">
@@ -4872,8 +4942,8 @@
               </p:nvSpPr>
               <p:spPr>
                 <a:xfrm>
-                  <a:off x="1835697" y="4030446"/>
-                  <a:ext cx="1243707" cy="228029"/>
+                  <a:off x="1899077" y="4864782"/>
+                  <a:ext cx="1284607" cy="236440"/>
                 </a:xfrm>
                 <a:prstGeom prst="rect">
                   <a:avLst/>
@@ -4886,6 +4956,7 @@
                 </a:bodyPr>
                 <a:lstStyle/>
                 <a:p>
+                  <a:pPr/>
                   <a14:m>
                     <m:oMathPara xmlns:m="http://schemas.openxmlformats.org/officeDocument/2006/math">
                       <m:oMathParaPr>
@@ -4895,7 +4966,7 @@
                         <m:sSub>
                           <m:sSubPr>
                             <m:ctrlPr>
-                              <a:rPr lang="en-GB" sz="2000" smtClean="0">
+                              <a:rPr lang="en-GB" sz="2000" i="1" smtClean="0">
                                 <a:solidFill>
                                   <a:srgbClr val="FF0000"/>
                                 </a:solidFill>
@@ -4905,7 +4976,7 @@
                           </m:sSubPr>
                           <m:e>
                             <m:r>
-                              <a:rPr lang="en-GB" sz="2000" i="1">
+                              <a:rPr lang="en-GB" sz="2000" i="1" smtClean="0">
                                 <a:solidFill>
                                   <a:srgbClr val="FF0000"/>
                                 </a:solidFill>
@@ -4981,7 +5052,7 @@
               </p:txBody>
             </p:sp>
           </mc:Choice>
-          <mc:Fallback>
+          <mc:Fallback xmlns="">
             <p:sp>
               <p:nvSpPr>
                 <p:cNvPr id="137" name="TextBox 136">
@@ -4998,8 +5069,8 @@
               </p:nvSpPr>
               <p:spPr>
                 <a:xfrm>
-                  <a:off x="1835697" y="4030446"/>
-                  <a:ext cx="1243707" cy="228029"/>
+                  <a:off x="1899077" y="4864782"/>
+                  <a:ext cx="1284607" cy="236440"/>
                 </a:xfrm>
                 <a:prstGeom prst="rect">
                   <a:avLst/>
@@ -5007,7 +5078,7 @@
                 <a:blipFill>
                   <a:blip r:embed="rId6"/>
                   <a:stretch>
-                    <a:fillRect b="-52632"/>
+                    <a:fillRect b="-48718"/>
                   </a:stretch>
                 </a:blipFill>
               </p:spPr>
@@ -5040,8 +5111,8 @@
           </p:nvSpPr>
           <p:spPr>
             <a:xfrm>
-              <a:off x="3787897" y="4253404"/>
-              <a:ext cx="790715" cy="276999"/>
+              <a:off x="4384854" y="4974816"/>
+              <a:ext cx="816718" cy="287217"/>
             </a:xfrm>
             <a:prstGeom prst="rect">
               <a:avLst/>
@@ -5061,8 +5132,8 @@
             </a:p>
           </p:txBody>
         </p:sp>
-        <mc:AlternateContent xmlns:mc="http://schemas.openxmlformats.org/markup-compatibility/2006">
-          <mc:Choice xmlns:a14="http://schemas.microsoft.com/office/drawing/2010/main" Requires="a14">
+        <mc:AlternateContent xmlns:mc="http://schemas.openxmlformats.org/markup-compatibility/2006" xmlns:a14="http://schemas.microsoft.com/office/drawing/2010/main">
+          <mc:Choice Requires="a14">
             <p:sp>
               <p:nvSpPr>
                 <p:cNvPr id="139" name="TextBox 138">
@@ -5077,8 +5148,8 @@
               </p:nvSpPr>
               <p:spPr>
                 <a:xfrm>
-                  <a:off x="3208781" y="3116046"/>
-                  <a:ext cx="1754962" cy="276999"/>
+                  <a:off x="3786693" y="3795504"/>
+                  <a:ext cx="1812675" cy="287217"/>
                 </a:xfrm>
                 <a:prstGeom prst="rect">
                   <a:avLst/>
@@ -5091,6 +5162,7 @@
                 </a:bodyPr>
                 <a:lstStyle/>
                 <a:p>
+                  <a:pPr/>
                   <a14:m>
                     <m:oMathPara xmlns:m="http://schemas.openxmlformats.org/officeDocument/2006/math">
                       <m:oMathParaPr>
@@ -5210,7 +5282,7 @@
               </p:txBody>
             </p:sp>
           </mc:Choice>
-          <mc:Fallback>
+          <mc:Fallback xmlns="">
             <p:sp>
               <p:nvSpPr>
                 <p:cNvPr id="139" name="TextBox 138">
@@ -5227,8 +5299,8 @@
               </p:nvSpPr>
               <p:spPr>
                 <a:xfrm>
-                  <a:off x="3208781" y="3116046"/>
-                  <a:ext cx="1754962" cy="276999"/>
+                  <a:off x="3786693" y="3795504"/>
+                  <a:ext cx="1812675" cy="287217"/>
                 </a:xfrm>
                 <a:prstGeom prst="rect">
                   <a:avLst/>
@@ -5236,7 +5308,7 @@
                 <a:blipFill>
                   <a:blip r:embed="rId7"/>
                   <a:stretch>
-                    <a:fillRect b="-12766"/>
+                    <a:fillRect b="-10638"/>
                   </a:stretch>
                 </a:blipFill>
               </p:spPr>
@@ -5255,8 +5327,8 @@
             </p:sp>
           </mc:Fallback>
         </mc:AlternateContent>
-        <mc:AlternateContent xmlns:mc="http://schemas.openxmlformats.org/markup-compatibility/2006">
-          <mc:Choice xmlns:a14="http://schemas.microsoft.com/office/drawing/2010/main" Requires="a14">
+        <mc:AlternateContent xmlns:mc="http://schemas.openxmlformats.org/markup-compatibility/2006" xmlns:a14="http://schemas.microsoft.com/office/drawing/2010/main">
+          <mc:Choice Requires="a14">
             <p:sp>
               <p:nvSpPr>
                 <p:cNvPr id="140" name="TextBox 139">
@@ -5271,8 +5343,8 @@
               </p:nvSpPr>
               <p:spPr>
                 <a:xfrm>
-                  <a:off x="3304533" y="3428162"/>
-                  <a:ext cx="188838" cy="288649"/>
+                  <a:off x="3885594" y="4119133"/>
+                  <a:ext cx="195048" cy="299297"/>
                 </a:xfrm>
                 <a:prstGeom prst="rect">
                   <a:avLst/>
@@ -5285,6 +5357,7 @@
                 </a:bodyPr>
                 <a:lstStyle/>
                 <a:p>
+                  <a:pPr/>
                   <a14:m>
                     <m:oMathPara xmlns:m="http://schemas.openxmlformats.org/officeDocument/2006/math">
                       <m:oMathParaPr>
@@ -5305,7 +5378,7 @@
               </p:txBody>
             </p:sp>
           </mc:Choice>
-          <mc:Fallback>
+          <mc:Fallback xmlns="">
             <p:sp>
               <p:nvSpPr>
                 <p:cNvPr id="140" name="TextBox 139">
@@ -5322,8 +5395,8 @@
               </p:nvSpPr>
               <p:spPr>
                 <a:xfrm>
-                  <a:off x="3304533" y="3428162"/>
-                  <a:ext cx="188838" cy="288649"/>
+                  <a:off x="3885594" y="4119133"/>
+                  <a:ext cx="195048" cy="299297"/>
                 </a:xfrm>
                 <a:prstGeom prst="rect">
                   <a:avLst/>
@@ -5350,8 +5423,8 @@
             </p:sp>
           </mc:Fallback>
         </mc:AlternateContent>
-        <mc:AlternateContent xmlns:mc="http://schemas.openxmlformats.org/markup-compatibility/2006">
-          <mc:Choice xmlns:a14="http://schemas.microsoft.com/office/drawing/2010/main" Requires="a14">
+        <mc:AlternateContent xmlns:mc="http://schemas.openxmlformats.org/markup-compatibility/2006" xmlns:a14="http://schemas.microsoft.com/office/drawing/2010/main">
+          <mc:Choice Requires="a14">
             <p:sp>
               <p:nvSpPr>
                 <p:cNvPr id="141" name="TextBox 140">
@@ -5366,8 +5439,8 @@
               </p:nvSpPr>
               <p:spPr>
                 <a:xfrm>
-                  <a:off x="3135141" y="3635556"/>
-                  <a:ext cx="1859164" cy="276999"/>
+                  <a:off x="3710632" y="4334177"/>
+                  <a:ext cx="1920303" cy="287217"/>
                 </a:xfrm>
                 <a:prstGeom prst="rect">
                   <a:avLst/>
@@ -5380,6 +5453,7 @@
                 </a:bodyPr>
                 <a:lstStyle/>
                 <a:p>
+                  <a:pPr/>
                   <a14:m>
                     <m:oMathPara xmlns:m="http://schemas.openxmlformats.org/officeDocument/2006/math">
                       <m:oMathParaPr>
@@ -5499,7 +5573,7 @@
               </p:txBody>
             </p:sp>
           </mc:Choice>
-          <mc:Fallback>
+          <mc:Fallback xmlns="">
             <p:sp>
               <p:nvSpPr>
                 <p:cNvPr id="141" name="TextBox 140">
@@ -5516,8 +5590,8 @@
               </p:nvSpPr>
               <p:spPr>
                 <a:xfrm>
-                  <a:off x="3135141" y="3635556"/>
-                  <a:ext cx="1859164" cy="276999"/>
+                  <a:off x="3710632" y="4334177"/>
+                  <a:ext cx="1920303" cy="287217"/>
                 </a:xfrm>
                 <a:prstGeom prst="rect">
                   <a:avLst/>
@@ -5525,7 +5599,7 @@
                 <a:blipFill>
                   <a:blip r:embed="rId9"/>
                   <a:stretch>
-                    <a:fillRect b="-12766"/>
+                    <a:fillRect b="-10638"/>
                   </a:stretch>
                 </a:blipFill>
               </p:spPr>
@@ -5544,8 +5618,8 @@
             </p:sp>
           </mc:Fallback>
         </mc:AlternateContent>
-        <mc:AlternateContent xmlns:mc="http://schemas.openxmlformats.org/markup-compatibility/2006">
-          <mc:Choice xmlns:a14="http://schemas.microsoft.com/office/drawing/2010/main" Requires="a14">
+        <mc:AlternateContent xmlns:mc="http://schemas.openxmlformats.org/markup-compatibility/2006" xmlns:a14="http://schemas.microsoft.com/office/drawing/2010/main">
+          <mc:Choice Requires="a14">
             <p:sp>
               <p:nvSpPr>
                 <p:cNvPr id="142" name="TextBox 141">
@@ -5560,8 +5634,8 @@
               </p:nvSpPr>
               <p:spPr>
                 <a:xfrm>
-                  <a:off x="4083473" y="3403316"/>
-                  <a:ext cx="229595" cy="276999"/>
+                  <a:off x="4690150" y="4093370"/>
+                  <a:ext cx="237145" cy="287217"/>
                 </a:xfrm>
                 <a:prstGeom prst="rect">
                   <a:avLst/>
@@ -5574,6 +5648,7 @@
                 </a:bodyPr>
                 <a:lstStyle/>
                 <a:p>
+                  <a:pPr/>
                   <a14:m>
                     <m:oMathPara xmlns:m="http://schemas.openxmlformats.org/officeDocument/2006/math">
                       <m:oMathParaPr>
@@ -5600,7 +5675,7 @@
               </p:txBody>
             </p:sp>
           </mc:Choice>
-          <mc:Fallback>
+          <mc:Fallback xmlns="">
             <p:sp>
               <p:nvSpPr>
                 <p:cNvPr id="142" name="TextBox 141">
@@ -5617,8 +5692,8 @@
               </p:nvSpPr>
               <p:spPr>
                 <a:xfrm>
-                  <a:off x="4083473" y="3403316"/>
-                  <a:ext cx="229595" cy="276999"/>
+                  <a:off x="4690150" y="4093370"/>
+                  <a:ext cx="237145" cy="287217"/>
                 </a:xfrm>
                 <a:prstGeom prst="rect">
                   <a:avLst/>
@@ -5626,7 +5701,7 @@
                 <a:blipFill>
                   <a:blip r:embed="rId10"/>
                   <a:stretch>
-                    <a:fillRect r="-5128"/>
+                    <a:fillRect r="-7692"/>
                   </a:stretch>
                 </a:blipFill>
               </p:spPr>
@@ -5645,8 +5720,8 @@
             </p:sp>
           </mc:Fallback>
         </mc:AlternateContent>
-        <mc:AlternateContent xmlns:mc="http://schemas.openxmlformats.org/markup-compatibility/2006">
-          <mc:Choice xmlns:a14="http://schemas.microsoft.com/office/drawing/2010/main" Requires="a14">
+        <mc:AlternateContent xmlns:mc="http://schemas.openxmlformats.org/markup-compatibility/2006" xmlns:a14="http://schemas.microsoft.com/office/drawing/2010/main">
+          <mc:Choice Requires="a14">
             <p:sp>
               <p:nvSpPr>
                 <p:cNvPr id="143" name="TextBox 142">
@@ -5661,8 +5736,8 @@
               </p:nvSpPr>
               <p:spPr>
                 <a:xfrm>
-                  <a:off x="4585106" y="3473938"/>
-                  <a:ext cx="229595" cy="288649"/>
+                  <a:off x="5208279" y="4166597"/>
+                  <a:ext cx="237145" cy="299297"/>
                 </a:xfrm>
                 <a:prstGeom prst="rect">
                   <a:avLst/>
@@ -5675,6 +5750,7 @@
                 </a:bodyPr>
                 <a:lstStyle/>
                 <a:p>
+                  <a:pPr/>
                   <a14:m>
                     <m:oMathPara xmlns:m="http://schemas.openxmlformats.org/officeDocument/2006/math">
                       <m:oMathParaPr>
@@ -5695,7 +5771,7 @@
               </p:txBody>
             </p:sp>
           </mc:Choice>
-          <mc:Fallback>
+          <mc:Fallback xmlns="">
             <p:sp>
               <p:nvSpPr>
                 <p:cNvPr id="143" name="TextBox 142">
@@ -5712,8 +5788,8 @@
               </p:nvSpPr>
               <p:spPr>
                 <a:xfrm>
-                  <a:off x="4585106" y="3473938"/>
-                  <a:ext cx="229595" cy="288649"/>
+                  <a:off x="5208279" y="4166597"/>
+                  <a:ext cx="237145" cy="299297"/>
                 </a:xfrm>
                 <a:prstGeom prst="rect">
                   <a:avLst/>
@@ -5740,8 +5816,8 @@
             </p:sp>
           </mc:Fallback>
         </mc:AlternateContent>
-        <mc:AlternateContent xmlns:mc="http://schemas.openxmlformats.org/markup-compatibility/2006">
-          <mc:Choice xmlns:a14="http://schemas.microsoft.com/office/drawing/2010/main" Requires="a14">
+        <mc:AlternateContent xmlns:mc="http://schemas.openxmlformats.org/markup-compatibility/2006" xmlns:a14="http://schemas.microsoft.com/office/drawing/2010/main">
+          <mc:Choice Requires="a14">
             <p:sp>
               <p:nvSpPr>
                 <p:cNvPr id="144" name="TextBox 143">
@@ -5756,8 +5832,8 @@
               </p:nvSpPr>
               <p:spPr>
                 <a:xfrm>
-                  <a:off x="3754266" y="3428162"/>
-                  <a:ext cx="188838" cy="288649"/>
+                  <a:off x="4350117" y="4119133"/>
+                  <a:ext cx="195048" cy="299297"/>
                 </a:xfrm>
                 <a:prstGeom prst="rect">
                   <a:avLst/>
@@ -5770,6 +5846,7 @@
                 </a:bodyPr>
                 <a:lstStyle/>
                 <a:p>
+                  <a:pPr/>
                   <a14:m>
                     <m:oMathPara xmlns:m="http://schemas.openxmlformats.org/officeDocument/2006/math">
                       <m:oMathParaPr>
@@ -5790,7 +5867,7 @@
               </p:txBody>
             </p:sp>
           </mc:Choice>
-          <mc:Fallback>
+          <mc:Fallback xmlns="">
             <p:sp>
               <p:nvSpPr>
                 <p:cNvPr id="144" name="TextBox 143">
@@ -5807,8 +5884,8 @@
               </p:nvSpPr>
               <p:spPr>
                 <a:xfrm>
-                  <a:off x="3754266" y="3428162"/>
-                  <a:ext cx="188838" cy="288649"/>
+                  <a:off x="4350117" y="4119133"/>
+                  <a:ext cx="195048" cy="299297"/>
                 </a:xfrm>
                 <a:prstGeom prst="rect">
                   <a:avLst/>
@@ -5835,8 +5912,8 @@
             </p:sp>
           </mc:Fallback>
         </mc:AlternateContent>
-        <mc:AlternateContent xmlns:mc="http://schemas.openxmlformats.org/markup-compatibility/2006">
-          <mc:Choice xmlns:a14="http://schemas.microsoft.com/office/drawing/2010/main" Requires="a14">
+        <mc:AlternateContent xmlns:mc="http://schemas.openxmlformats.org/markup-compatibility/2006" xmlns:a14="http://schemas.microsoft.com/office/drawing/2010/main">
+          <mc:Choice Requires="a14">
             <p:sp>
               <p:nvSpPr>
                 <p:cNvPr id="145" name="TextBox 144">
@@ -5851,8 +5928,8 @@
               </p:nvSpPr>
               <p:spPr>
                 <a:xfrm>
-                  <a:off x="4097602" y="3876783"/>
-                  <a:ext cx="229595" cy="276999"/>
+                  <a:off x="4704744" y="4584302"/>
+                  <a:ext cx="237145" cy="287217"/>
                 </a:xfrm>
                 <a:prstGeom prst="rect">
                   <a:avLst/>
@@ -5865,6 +5942,7 @@
                 </a:bodyPr>
                 <a:lstStyle/>
                 <a:p>
+                  <a:pPr/>
                   <a14:m>
                     <m:oMathPara xmlns:m="http://schemas.openxmlformats.org/officeDocument/2006/math">
                       <m:oMathParaPr>
@@ -5891,7 +5969,7 @@
               </p:txBody>
             </p:sp>
           </mc:Choice>
-          <mc:Fallback>
+          <mc:Fallback xmlns="">
             <p:sp>
               <p:nvSpPr>
                 <p:cNvPr id="145" name="TextBox 144">
@@ -5908,8 +5986,8 @@
               </p:nvSpPr>
               <p:spPr>
                 <a:xfrm>
-                  <a:off x="4097602" y="3876783"/>
-                  <a:ext cx="229595" cy="276999"/>
+                  <a:off x="4704744" y="4584302"/>
+                  <a:ext cx="237145" cy="287217"/>
                 </a:xfrm>
                 <a:prstGeom prst="rect">
                   <a:avLst/>
@@ -5917,7 +5995,7 @@
                 <a:blipFill>
                   <a:blip r:embed="rId13"/>
                   <a:stretch>
-                    <a:fillRect r="-7692"/>
+                    <a:fillRect r="-5128"/>
                   </a:stretch>
                 </a:blipFill>
               </p:spPr>
@@ -5950,8 +6028,8 @@
           </p:nvSpPr>
           <p:spPr>
             <a:xfrm rot="16200000">
-              <a:off x="3158571" y="2556181"/>
-              <a:ext cx="519400" cy="183477"/>
+              <a:off x="3733793" y="3215354"/>
+              <a:ext cx="538559" cy="189511"/>
             </a:xfrm>
             <a:prstGeom prst="rightArrow">
               <a:avLst/>
@@ -6004,8 +6082,8 @@
           </p:nvSpPr>
           <p:spPr>
             <a:xfrm rot="16200000">
-              <a:off x="3630928" y="2556179"/>
-              <a:ext cx="519400" cy="183477"/>
+              <a:off x="4221684" y="3215352"/>
+              <a:ext cx="538559" cy="189511"/>
             </a:xfrm>
             <a:prstGeom prst="rightArrow">
               <a:avLst/>
@@ -6058,8 +6136,8 @@
           </p:nvSpPr>
           <p:spPr>
             <a:xfrm rot="16200000">
-              <a:off x="4410216" y="2556178"/>
-              <a:ext cx="519400" cy="183477"/>
+              <a:off x="5026599" y="3215351"/>
+              <a:ext cx="538559" cy="189511"/>
             </a:xfrm>
             <a:prstGeom prst="rightArrow">
               <a:avLst/>
@@ -6112,8 +6190,8 @@
           </p:nvSpPr>
           <p:spPr>
             <a:xfrm>
-              <a:off x="1340308" y="2707170"/>
-              <a:ext cx="1774653" cy="338554"/>
+              <a:off x="1856775" y="3371545"/>
+              <a:ext cx="1757276" cy="584775"/>
             </a:xfrm>
             <a:prstGeom prst="rect">
               <a:avLst/>
@@ -6128,10 +6206,20 @@
             <a:p>
               <a:r>
                 <a:rPr lang="en-GB" sz="1600" dirty="0"/>
-                <a:t>Input for month </a:t>
+                <a:t>Feature extraction </a:t>
+              </a:r>
+            </a:p>
+            <a:p>
+              <a:r>
+                <a:rPr lang="en-GB" sz="1600" dirty="0"/>
+                <a:t>for </a:t>
               </a:r>
               <a:r>
-                <a:rPr lang="en-GB" sz="1600" dirty="0">
+                <a:rPr lang="en-GB" sz="1600" b="1" dirty="0"/>
+                <a:t>month </a:t>
+              </a:r>
+              <a:r>
+                <a:rPr lang="en-GB" sz="1600" b="1" dirty="0">
                   <a:solidFill>
                     <a:srgbClr val="FF0000"/>
                   </a:solidFill>
@@ -6155,8 +6243,8 @@
           </p:nvSpPr>
           <p:spPr>
             <a:xfrm rot="16200000">
-              <a:off x="3287366" y="1824287"/>
-              <a:ext cx="261809" cy="183477"/>
+              <a:off x="3867339" y="2456462"/>
+              <a:ext cx="271467" cy="189511"/>
             </a:xfrm>
             <a:prstGeom prst="rightArrow">
               <a:avLst/>
@@ -6209,8 +6297,8 @@
           </p:nvSpPr>
           <p:spPr>
             <a:xfrm rot="16200000">
-              <a:off x="3759723" y="1817315"/>
-              <a:ext cx="261809" cy="183477"/>
+              <a:off x="4355229" y="2449233"/>
+              <a:ext cx="271467" cy="189511"/>
             </a:xfrm>
             <a:prstGeom prst="rightArrow">
               <a:avLst/>
@@ -6263,8 +6351,8 @@
           </p:nvSpPr>
           <p:spPr>
             <a:xfrm rot="16200000">
-              <a:off x="4539010" y="1811954"/>
-              <a:ext cx="261809" cy="183477"/>
+              <a:off x="5160144" y="2443674"/>
+              <a:ext cx="271467" cy="189511"/>
             </a:xfrm>
             <a:prstGeom prst="rightArrow">
               <a:avLst/>
@@ -6317,8 +6405,8 @@
           </p:nvSpPr>
           <p:spPr>
             <a:xfrm>
-              <a:off x="2231412" y="992720"/>
-              <a:ext cx="2366097" cy="369332"/>
+              <a:off x="2764372" y="823611"/>
+              <a:ext cx="2443907" cy="382956"/>
             </a:xfrm>
             <a:prstGeom prst="rect">
               <a:avLst/>
@@ -6361,8 +6449,8 @@
           </p:nvSpPr>
           <p:spPr>
             <a:xfrm rot="16200000">
-              <a:off x="6847884" y="2621404"/>
-              <a:ext cx="330835" cy="241597"/>
+              <a:off x="7739969" y="2750112"/>
+              <a:ext cx="284000" cy="259634"/>
             </a:xfrm>
             <a:prstGeom prst="rightArrow">
               <a:avLst/>
@@ -6398,6 +6486,645 @@
             <a:p>
               <a:pPr algn="ctr"/>
               <a:endParaRPr lang="en-GB"/>
+            </a:p>
+          </p:txBody>
+        </p:sp>
+        <p:sp>
+          <p:nvSpPr>
+            <p:cNvPr id="41" name="Rectangle 40">
+              <a:extLst>
+                <a:ext uri="{FF2B5EF4-FFF2-40B4-BE49-F238E27FC236}">
+                  <a16:creationId xmlns:a16="http://schemas.microsoft.com/office/drawing/2014/main" id="{B6995BAF-0DC2-4C73-A0A0-7196B0CBFE39}"/>
+                </a:ext>
+              </a:extLst>
+            </p:cNvPr>
+            <p:cNvSpPr/>
+            <p:nvPr/>
+          </p:nvSpPr>
+          <p:spPr>
+            <a:xfrm flipH="1">
+              <a:off x="1933861" y="5529607"/>
+              <a:ext cx="2054001" cy="397001"/>
+            </a:xfrm>
+            <a:prstGeom prst="rect">
+              <a:avLst/>
+            </a:prstGeom>
+            <a:solidFill>
+              <a:schemeClr val="bg1"/>
+            </a:solidFill>
+            <a:ln>
+              <a:solidFill>
+                <a:schemeClr val="tx1"/>
+              </a:solidFill>
+              <a:prstDash val="dash"/>
+            </a:ln>
+          </p:spPr>
+          <p:style>
+            <a:lnRef idx="2">
+              <a:schemeClr val="accent1">
+                <a:shade val="15000"/>
+              </a:schemeClr>
+            </a:lnRef>
+            <a:fillRef idx="1">
+              <a:schemeClr val="accent1"/>
+            </a:fillRef>
+            <a:effectRef idx="0">
+              <a:schemeClr val="accent1"/>
+            </a:effectRef>
+            <a:fontRef idx="minor">
+              <a:schemeClr val="lt1"/>
+            </a:fontRef>
+          </p:style>
+          <p:txBody>
+            <a:bodyPr rtlCol="0" anchor="ctr"/>
+            <a:lstStyle/>
+            <a:p>
+              <a:pPr algn="ctr"/>
+              <a:r>
+                <a:rPr lang="en-GB" sz="1600" dirty="0">
+                  <a:solidFill>
+                    <a:schemeClr val="tx1"/>
+                  </a:solidFill>
+                </a:rPr>
+                <a:t>RS + ERA5 + PFTs</a:t>
+              </a:r>
+            </a:p>
+          </p:txBody>
+        </p:sp>
+        <p:sp>
+          <p:nvSpPr>
+            <p:cNvPr id="42" name="Rectangle 41">
+              <a:extLst>
+                <a:ext uri="{FF2B5EF4-FFF2-40B4-BE49-F238E27FC236}">
+                  <a16:creationId xmlns:a16="http://schemas.microsoft.com/office/drawing/2014/main" id="{2D208F82-55EA-4AD3-A058-E7A85AF70B14}"/>
+                </a:ext>
+              </a:extLst>
+            </p:cNvPr>
+            <p:cNvSpPr/>
+            <p:nvPr/>
+          </p:nvSpPr>
+          <p:spPr>
+            <a:xfrm flipH="1">
+              <a:off x="4139917" y="5518889"/>
+              <a:ext cx="1797189" cy="397001"/>
+            </a:xfrm>
+            <a:prstGeom prst="rect">
+              <a:avLst/>
+            </a:prstGeom>
+            <a:solidFill>
+              <a:schemeClr val="bg1"/>
+            </a:solidFill>
+            <a:ln>
+              <a:solidFill>
+                <a:schemeClr val="tx1"/>
+              </a:solidFill>
+              <a:prstDash val="dash"/>
+            </a:ln>
+          </p:spPr>
+          <p:style>
+            <a:lnRef idx="2">
+              <a:schemeClr val="accent1">
+                <a:shade val="15000"/>
+              </a:schemeClr>
+            </a:lnRef>
+            <a:fillRef idx="1">
+              <a:schemeClr val="accent1"/>
+            </a:fillRef>
+            <a:effectRef idx="0">
+              <a:schemeClr val="accent1"/>
+            </a:effectRef>
+            <a:fontRef idx="minor">
+              <a:schemeClr val="lt1"/>
+            </a:fontRef>
+          </p:style>
+          <p:txBody>
+            <a:bodyPr rtlCol="0" anchor="ctr"/>
+            <a:lstStyle/>
+            <a:p>
+              <a:pPr algn="ctr"/>
+              <a:r>
+                <a:rPr lang="en-GB" sz="1600" dirty="0">
+                  <a:solidFill>
+                    <a:schemeClr val="tx1"/>
+                  </a:solidFill>
+                </a:rPr>
+                <a:t>FLUXNET 2015</a:t>
+              </a:r>
+            </a:p>
+          </p:txBody>
+        </p:sp>
+        <p:sp>
+          <p:nvSpPr>
+            <p:cNvPr id="44" name="Arrow: Right 43">
+              <a:extLst>
+                <a:ext uri="{FF2B5EF4-FFF2-40B4-BE49-F238E27FC236}">
+                  <a16:creationId xmlns:a16="http://schemas.microsoft.com/office/drawing/2014/main" id="{F846857D-2D60-43CF-BC21-D0FD2FCE5561}"/>
+                </a:ext>
+              </a:extLst>
+            </p:cNvPr>
+            <p:cNvSpPr/>
+            <p:nvPr/>
+          </p:nvSpPr>
+          <p:spPr>
+            <a:xfrm rot="16200000">
+              <a:off x="2825127" y="5286167"/>
+              <a:ext cx="271467" cy="189511"/>
+            </a:xfrm>
+            <a:prstGeom prst="rightArrow">
+              <a:avLst/>
+            </a:prstGeom>
+            <a:solidFill>
+              <a:schemeClr val="bg1"/>
+            </a:solidFill>
+            <a:ln>
+              <a:solidFill>
+                <a:schemeClr val="tx1"/>
+              </a:solidFill>
+            </a:ln>
+          </p:spPr>
+          <p:style>
+            <a:lnRef idx="2">
+              <a:schemeClr val="accent1">
+                <a:shade val="15000"/>
+              </a:schemeClr>
+            </a:lnRef>
+            <a:fillRef idx="1">
+              <a:schemeClr val="accent1"/>
+            </a:fillRef>
+            <a:effectRef idx="0">
+              <a:schemeClr val="accent1"/>
+            </a:effectRef>
+            <a:fontRef idx="minor">
+              <a:schemeClr val="lt1"/>
+            </a:fontRef>
+          </p:style>
+          <p:txBody>
+            <a:bodyPr rtlCol="0" anchor="ctr"/>
+            <a:lstStyle/>
+            <a:p>
+              <a:pPr algn="ctr"/>
+              <a:endParaRPr lang="en-GB"/>
+            </a:p>
+          </p:txBody>
+        </p:sp>
+        <p:sp>
+          <p:nvSpPr>
+            <p:cNvPr id="45" name="Arrow: Right 44">
+              <a:extLst>
+                <a:ext uri="{FF2B5EF4-FFF2-40B4-BE49-F238E27FC236}">
+                  <a16:creationId xmlns:a16="http://schemas.microsoft.com/office/drawing/2014/main" id="{C8A9F593-ED30-4138-B096-34C49B074AB8}"/>
+                </a:ext>
+              </a:extLst>
+            </p:cNvPr>
+            <p:cNvSpPr/>
+            <p:nvPr/>
+          </p:nvSpPr>
+          <p:spPr>
+            <a:xfrm rot="16200000">
+              <a:off x="4931299" y="5270677"/>
+              <a:ext cx="271467" cy="189511"/>
+            </a:xfrm>
+            <a:prstGeom prst="rightArrow">
+              <a:avLst/>
+            </a:prstGeom>
+            <a:solidFill>
+              <a:schemeClr val="bg1"/>
+            </a:solidFill>
+            <a:ln>
+              <a:solidFill>
+                <a:schemeClr val="tx1"/>
+              </a:solidFill>
+            </a:ln>
+          </p:spPr>
+          <p:style>
+            <a:lnRef idx="2">
+              <a:schemeClr val="accent1">
+                <a:shade val="15000"/>
+              </a:schemeClr>
+            </a:lnRef>
+            <a:fillRef idx="1">
+              <a:schemeClr val="accent1"/>
+            </a:fillRef>
+            <a:effectRef idx="0">
+              <a:schemeClr val="accent1"/>
+            </a:effectRef>
+            <a:fontRef idx="minor">
+              <a:schemeClr val="lt1"/>
+            </a:fontRef>
+          </p:style>
+          <p:txBody>
+            <a:bodyPr rtlCol="0" anchor="ctr"/>
+            <a:lstStyle/>
+            <a:p>
+              <a:pPr algn="ctr"/>
+              <a:endParaRPr lang="en-GB"/>
+            </a:p>
+          </p:txBody>
+        </p:sp>
+        <p:sp>
+          <p:nvSpPr>
+            <p:cNvPr id="46" name="Rectangle 45">
+              <a:extLst>
+                <a:ext uri="{FF2B5EF4-FFF2-40B4-BE49-F238E27FC236}">
+                  <a16:creationId xmlns:a16="http://schemas.microsoft.com/office/drawing/2014/main" id="{B9021F93-DBCC-482B-85EF-82A6E7619ED3}"/>
+                </a:ext>
+              </a:extLst>
+            </p:cNvPr>
+            <p:cNvSpPr/>
+            <p:nvPr/>
+          </p:nvSpPr>
+          <p:spPr>
+            <a:xfrm>
+              <a:off x="1934597" y="1235927"/>
+              <a:ext cx="4023288" cy="451464"/>
+            </a:xfrm>
+            <a:prstGeom prst="rect">
+              <a:avLst/>
+            </a:prstGeom>
+            <a:solidFill>
+              <a:schemeClr val="bg1"/>
+            </a:solidFill>
+            <a:ln>
+              <a:solidFill>
+                <a:schemeClr val="tx1"/>
+              </a:solidFill>
+              <a:prstDash val="dash"/>
+            </a:ln>
+          </p:spPr>
+          <p:style>
+            <a:lnRef idx="2">
+              <a:schemeClr val="accent1">
+                <a:shade val="15000"/>
+              </a:schemeClr>
+            </a:lnRef>
+            <a:fillRef idx="1">
+              <a:schemeClr val="accent1"/>
+            </a:fillRef>
+            <a:effectRef idx="0">
+              <a:schemeClr val="accent1"/>
+            </a:effectRef>
+            <a:fontRef idx="minor">
+              <a:schemeClr val="lt1"/>
+            </a:fontRef>
+          </p:style>
+          <p:txBody>
+            <a:bodyPr rtlCol="0" anchor="ctr"/>
+            <a:lstStyle/>
+            <a:p>
+              <a:pPr algn="ctr"/>
+              <a:endParaRPr lang="en-GB" dirty="0"/>
+            </a:p>
+          </p:txBody>
+        </p:sp>
+        <p:sp>
+          <p:nvSpPr>
+            <p:cNvPr id="47" name="Rectangle: Rounded Corners 46">
+              <a:extLst>
+                <a:ext uri="{FF2B5EF4-FFF2-40B4-BE49-F238E27FC236}">
+                  <a16:creationId xmlns:a16="http://schemas.microsoft.com/office/drawing/2014/main" id="{25834277-1A22-414E-8704-22177F8BF5C0}"/>
+                </a:ext>
+              </a:extLst>
+            </p:cNvPr>
+            <p:cNvSpPr/>
+            <p:nvPr/>
+          </p:nvSpPr>
+          <p:spPr>
+            <a:xfrm>
+              <a:off x="3796909" y="1304683"/>
+              <a:ext cx="866352" cy="339832"/>
+            </a:xfrm>
+            <a:prstGeom prst="roundRect">
+              <a:avLst/>
+            </a:prstGeom>
+            <a:solidFill>
+              <a:schemeClr val="bg1"/>
+            </a:solidFill>
+            <a:ln>
+              <a:solidFill>
+                <a:schemeClr val="tx1"/>
+              </a:solidFill>
+            </a:ln>
+          </p:spPr>
+          <p:style>
+            <a:lnRef idx="2">
+              <a:schemeClr val="accent1">
+                <a:shade val="15000"/>
+              </a:schemeClr>
+            </a:lnRef>
+            <a:fillRef idx="1">
+              <a:schemeClr val="accent1"/>
+            </a:fillRef>
+            <a:effectRef idx="0">
+              <a:schemeClr val="accent1"/>
+            </a:effectRef>
+            <a:fontRef idx="minor">
+              <a:schemeClr val="lt1"/>
+            </a:fontRef>
+          </p:style>
+          <p:txBody>
+            <a:bodyPr rtlCol="0" anchor="ctr"/>
+            <a:lstStyle/>
+            <a:p>
+              <a:pPr algn="ctr"/>
+              <a:r>
+                <a:rPr lang="en-GB" sz="1400" dirty="0">
+                  <a:solidFill>
+                    <a:schemeClr val="tx1"/>
+                  </a:solidFill>
+                </a:rPr>
+                <a:t>GPP</a:t>
+              </a:r>
+              <a:endParaRPr lang="en-GB" sz="1400" dirty="0">
+                <a:ln w="0"/>
+                <a:solidFill>
+                  <a:schemeClr val="tx1"/>
+                </a:solidFill>
+                <a:effectLst>
+                  <a:outerShdw blurRad="38100" dist="19050" dir="2700000" algn="tl" rotWithShape="0">
+                    <a:schemeClr val="dk1">
+                      <a:alpha val="40000"/>
+                    </a:schemeClr>
+                  </a:outerShdw>
+                </a:effectLst>
+              </a:endParaRPr>
+            </a:p>
+          </p:txBody>
+        </p:sp>
+        <p:sp>
+          <p:nvSpPr>
+            <p:cNvPr id="48" name="Rectangle: Rounded Corners 47">
+              <a:extLst>
+                <a:ext uri="{FF2B5EF4-FFF2-40B4-BE49-F238E27FC236}">
+                  <a16:creationId xmlns:a16="http://schemas.microsoft.com/office/drawing/2014/main" id="{B3F58CB9-EC85-40F7-9B60-AE6D06B1BD13}"/>
+                </a:ext>
+              </a:extLst>
+            </p:cNvPr>
+            <p:cNvSpPr/>
+            <p:nvPr/>
+          </p:nvSpPr>
+          <p:spPr>
+            <a:xfrm>
+              <a:off x="4893675" y="1289058"/>
+              <a:ext cx="866352" cy="339832"/>
+            </a:xfrm>
+            <a:prstGeom prst="roundRect">
+              <a:avLst/>
+            </a:prstGeom>
+            <a:solidFill>
+              <a:schemeClr val="bg1"/>
+            </a:solidFill>
+            <a:ln>
+              <a:solidFill>
+                <a:schemeClr val="tx1"/>
+              </a:solidFill>
+            </a:ln>
+          </p:spPr>
+          <p:style>
+            <a:lnRef idx="2">
+              <a:schemeClr val="accent1">
+                <a:shade val="15000"/>
+              </a:schemeClr>
+            </a:lnRef>
+            <a:fillRef idx="1">
+              <a:schemeClr val="accent1"/>
+            </a:fillRef>
+            <a:effectRef idx="0">
+              <a:schemeClr val="accent1"/>
+            </a:effectRef>
+            <a:fontRef idx="minor">
+              <a:schemeClr val="lt1"/>
+            </a:fontRef>
+          </p:style>
+          <p:txBody>
+            <a:bodyPr rtlCol="0" anchor="ctr"/>
+            <a:lstStyle/>
+            <a:p>
+              <a:pPr algn="ctr"/>
+              <a:r>
+                <a:rPr lang="en-GB" sz="1400" dirty="0" err="1">
+                  <a:solidFill>
+                    <a:schemeClr val="tx1"/>
+                  </a:solidFill>
+                </a:rPr>
+                <a:t>R</a:t>
+              </a:r>
+              <a:r>
+                <a:rPr lang="en-GB" sz="1400" baseline="-25000" dirty="0" err="1">
+                  <a:solidFill>
+                    <a:schemeClr val="tx1"/>
+                  </a:solidFill>
+                </a:rPr>
+                <a:t>eco</a:t>
+              </a:r>
+              <a:endParaRPr lang="en-GB" sz="1400" dirty="0">
+                <a:ln w="0"/>
+                <a:solidFill>
+                  <a:schemeClr val="tx1"/>
+                </a:solidFill>
+                <a:effectLst>
+                  <a:outerShdw blurRad="38100" dist="19050" dir="2700000" algn="tl" rotWithShape="0">
+                    <a:schemeClr val="dk1">
+                      <a:alpha val="40000"/>
+                    </a:schemeClr>
+                  </a:outerShdw>
+                </a:effectLst>
+              </a:endParaRPr>
+            </a:p>
+          </p:txBody>
+        </p:sp>
+        <p:sp>
+          <p:nvSpPr>
+            <p:cNvPr id="49" name="TextBox 48">
+              <a:extLst>
+                <a:ext uri="{FF2B5EF4-FFF2-40B4-BE49-F238E27FC236}">
+                  <a16:creationId xmlns:a16="http://schemas.microsoft.com/office/drawing/2014/main" id="{73E75DE2-3394-4C83-9745-3DA5B21DC81E}"/>
+                </a:ext>
+              </a:extLst>
+            </p:cNvPr>
+            <p:cNvSpPr txBox="1"/>
+            <p:nvPr/>
+          </p:nvSpPr>
+          <p:spPr>
+            <a:xfrm>
+              <a:off x="1909439" y="1181257"/>
+              <a:ext cx="1831677" cy="584775"/>
+            </a:xfrm>
+            <a:prstGeom prst="rect">
+              <a:avLst/>
+            </a:prstGeom>
+            <a:noFill/>
+          </p:spPr>
+          <p:txBody>
+            <a:bodyPr wrap="square" rtlCol="0">
+              <a:spAutoFit/>
+            </a:bodyPr>
+            <a:lstStyle/>
+            <a:p>
+              <a:r>
+                <a:rPr lang="en-GB" sz="1600" dirty="0"/>
+                <a:t>Monthly global 0.25</a:t>
+              </a:r>
+              <a:r>
+                <a:rPr lang="en-GB" sz="1600" dirty="0">
+                  <a:latin typeface="Times" panose="02020603050405020304" pitchFamily="18" charset="0"/>
+                  <a:cs typeface="Times" panose="02020603050405020304" pitchFamily="18" charset="0"/>
+                </a:rPr>
+                <a:t>°×</a:t>
+              </a:r>
+              <a:r>
+                <a:rPr lang="en-GB" sz="1600" dirty="0"/>
+                <a:t>0.25</a:t>
+              </a:r>
+              <a:r>
+                <a:rPr lang="en-GB" sz="1600" dirty="0">
+                  <a:latin typeface="Times" panose="02020603050405020304" pitchFamily="18" charset="0"/>
+                  <a:cs typeface="Times" panose="02020603050405020304" pitchFamily="18" charset="0"/>
+                </a:rPr>
+                <a:t>°</a:t>
+              </a:r>
+              <a:endParaRPr lang="en-GB" sz="1600" dirty="0"/>
+            </a:p>
+          </p:txBody>
+        </p:sp>
+        <p:sp>
+          <p:nvSpPr>
+            <p:cNvPr id="50" name="Arrow: Right 49">
+              <a:extLst>
+                <a:ext uri="{FF2B5EF4-FFF2-40B4-BE49-F238E27FC236}">
+                  <a16:creationId xmlns:a16="http://schemas.microsoft.com/office/drawing/2014/main" id="{28E8BE34-FF78-4AE3-9671-C08469FC38A4}"/>
+                </a:ext>
+              </a:extLst>
+            </p:cNvPr>
+            <p:cNvSpPr/>
+            <p:nvPr/>
+          </p:nvSpPr>
+          <p:spPr>
+            <a:xfrm rot="16200000">
+              <a:off x="4663186" y="1721869"/>
+              <a:ext cx="271467" cy="189511"/>
+            </a:xfrm>
+            <a:prstGeom prst="rightArrow">
+              <a:avLst/>
+            </a:prstGeom>
+            <a:solidFill>
+              <a:schemeClr val="bg1"/>
+            </a:solidFill>
+            <a:ln>
+              <a:solidFill>
+                <a:schemeClr val="tx1"/>
+              </a:solidFill>
+            </a:ln>
+          </p:spPr>
+          <p:style>
+            <a:lnRef idx="2">
+              <a:schemeClr val="accent1">
+                <a:shade val="15000"/>
+              </a:schemeClr>
+            </a:lnRef>
+            <a:fillRef idx="1">
+              <a:schemeClr val="accent1"/>
+            </a:fillRef>
+            <a:effectRef idx="0">
+              <a:schemeClr val="accent1"/>
+            </a:effectRef>
+            <a:fontRef idx="minor">
+              <a:schemeClr val="lt1"/>
+            </a:fontRef>
+          </p:style>
+          <p:txBody>
+            <a:bodyPr rtlCol="0" anchor="ctr"/>
+            <a:lstStyle/>
+            <a:p>
+              <a:pPr algn="ctr"/>
+              <a:endParaRPr lang="en-GB"/>
+            </a:p>
+          </p:txBody>
+        </p:sp>
+        <p:sp>
+          <p:nvSpPr>
+            <p:cNvPr id="51" name="Rectangle: Rounded Corners 50">
+              <a:extLst>
+                <a:ext uri="{FF2B5EF4-FFF2-40B4-BE49-F238E27FC236}">
+                  <a16:creationId xmlns:a16="http://schemas.microsoft.com/office/drawing/2014/main" id="{BB3014A9-EE2D-4AC9-BCAD-565B87E52CF8}"/>
+                </a:ext>
+              </a:extLst>
+            </p:cNvPr>
+            <p:cNvSpPr/>
+            <p:nvPr/>
+          </p:nvSpPr>
+          <p:spPr>
+            <a:xfrm>
+              <a:off x="6674473" y="3100956"/>
+              <a:ext cx="2524246" cy="694548"/>
+            </a:xfrm>
+            <a:prstGeom prst="roundRect">
+              <a:avLst/>
+            </a:prstGeom>
+            <a:solidFill>
+              <a:schemeClr val="bg1"/>
+            </a:solidFill>
+            <a:ln>
+              <a:solidFill>
+                <a:schemeClr val="tx1"/>
+              </a:solidFill>
+            </a:ln>
+          </p:spPr>
+          <p:style>
+            <a:lnRef idx="2">
+              <a:schemeClr val="accent1">
+                <a:shade val="15000"/>
+              </a:schemeClr>
+            </a:lnRef>
+            <a:fillRef idx="1">
+              <a:schemeClr val="accent1"/>
+            </a:fillRef>
+            <a:effectRef idx="0">
+              <a:schemeClr val="accent1"/>
+            </a:effectRef>
+            <a:fontRef idx="minor">
+              <a:schemeClr val="lt1"/>
+            </a:fontRef>
+          </p:style>
+          <p:txBody>
+            <a:bodyPr rtlCol="0" anchor="ctr"/>
+            <a:lstStyle/>
+            <a:p>
+              <a:r>
+                <a:rPr lang="en-GB" sz="1600" dirty="0">
+                  <a:solidFill>
+                    <a:schemeClr val="tx1"/>
+                  </a:solidFill>
+                </a:rPr>
+                <a:t>FLUXNET 2015</a:t>
+              </a:r>
+            </a:p>
+            <a:p>
+              <a:pPr marL="285750" indent="-285750">
+                <a:buFont typeface="Arial" panose="020B0604020202020204" pitchFamily="34" charset="0"/>
+                <a:buChar char="•"/>
+              </a:pPr>
+              <a:r>
+                <a:rPr lang="en-GB" sz="1400" dirty="0">
+                  <a:solidFill>
+                    <a:schemeClr val="tx1"/>
+                  </a:solidFill>
+                </a:rPr>
+                <a:t>Site-level validation</a:t>
+              </a:r>
+            </a:p>
+            <a:p>
+              <a:pPr marL="285750" indent="-285750">
+                <a:buFont typeface="Arial" panose="020B0604020202020204" pitchFamily="34" charset="0"/>
+                <a:buChar char="•"/>
+              </a:pPr>
+              <a:r>
+                <a:rPr lang="en-GB" sz="1400" dirty="0">
+                  <a:solidFill>
+                    <a:schemeClr val="tx1"/>
+                  </a:solidFill>
+                </a:rPr>
+                <a:t>Seasonality validation</a:t>
+              </a:r>
             </a:p>
           </p:txBody>
         </p:sp>

--- a/ppt/chap7.pptx
+++ b/ppt/chap7.pptx
@@ -261,7 +261,7 @@
           <a:p>
             <a:fld id="{C2D125DA-E291-458D-ABC4-9A2869F84746}" type="datetimeFigureOut">
               <a:rPr lang="en-GB" smtClean="0"/>
-              <a:t>20/11/2023</a:t>
+              <a:t>23/11/2023</a:t>
             </a:fld>
             <a:endParaRPr lang="en-GB"/>
           </a:p>
@@ -461,7 +461,7 @@
           <a:p>
             <a:fld id="{C2D125DA-E291-458D-ABC4-9A2869F84746}" type="datetimeFigureOut">
               <a:rPr lang="en-GB" smtClean="0"/>
-              <a:t>20/11/2023</a:t>
+              <a:t>23/11/2023</a:t>
             </a:fld>
             <a:endParaRPr lang="en-GB"/>
           </a:p>
@@ -671,7 +671,7 @@
           <a:p>
             <a:fld id="{C2D125DA-E291-458D-ABC4-9A2869F84746}" type="datetimeFigureOut">
               <a:rPr lang="en-GB" smtClean="0"/>
-              <a:t>20/11/2023</a:t>
+              <a:t>23/11/2023</a:t>
             </a:fld>
             <a:endParaRPr lang="en-GB"/>
           </a:p>
@@ -871,7 +871,7 @@
           <a:p>
             <a:fld id="{C2D125DA-E291-458D-ABC4-9A2869F84746}" type="datetimeFigureOut">
               <a:rPr lang="en-GB" smtClean="0"/>
-              <a:t>20/11/2023</a:t>
+              <a:t>23/11/2023</a:t>
             </a:fld>
             <a:endParaRPr lang="en-GB"/>
           </a:p>
@@ -1147,7 +1147,7 @@
           <a:p>
             <a:fld id="{C2D125DA-E291-458D-ABC4-9A2869F84746}" type="datetimeFigureOut">
               <a:rPr lang="en-GB" smtClean="0"/>
-              <a:t>20/11/2023</a:t>
+              <a:t>23/11/2023</a:t>
             </a:fld>
             <a:endParaRPr lang="en-GB"/>
           </a:p>
@@ -1415,7 +1415,7 @@
           <a:p>
             <a:fld id="{C2D125DA-E291-458D-ABC4-9A2869F84746}" type="datetimeFigureOut">
               <a:rPr lang="en-GB" smtClean="0"/>
-              <a:t>20/11/2023</a:t>
+              <a:t>23/11/2023</a:t>
             </a:fld>
             <a:endParaRPr lang="en-GB"/>
           </a:p>
@@ -1830,7 +1830,7 @@
           <a:p>
             <a:fld id="{C2D125DA-E291-458D-ABC4-9A2869F84746}" type="datetimeFigureOut">
               <a:rPr lang="en-GB" smtClean="0"/>
-              <a:t>20/11/2023</a:t>
+              <a:t>23/11/2023</a:t>
             </a:fld>
             <a:endParaRPr lang="en-GB"/>
           </a:p>
@@ -1972,7 +1972,7 @@
           <a:p>
             <a:fld id="{C2D125DA-E291-458D-ABC4-9A2869F84746}" type="datetimeFigureOut">
               <a:rPr lang="en-GB" smtClean="0"/>
-              <a:t>20/11/2023</a:t>
+              <a:t>23/11/2023</a:t>
             </a:fld>
             <a:endParaRPr lang="en-GB"/>
           </a:p>
@@ -2085,7 +2085,7 @@
           <a:p>
             <a:fld id="{C2D125DA-E291-458D-ABC4-9A2869F84746}" type="datetimeFigureOut">
               <a:rPr lang="en-GB" smtClean="0"/>
-              <a:t>20/11/2023</a:t>
+              <a:t>23/11/2023</a:t>
             </a:fld>
             <a:endParaRPr lang="en-GB"/>
           </a:p>
@@ -2398,7 +2398,7 @@
           <a:p>
             <a:fld id="{C2D125DA-E291-458D-ABC4-9A2869F84746}" type="datetimeFigureOut">
               <a:rPr lang="en-GB" smtClean="0"/>
-              <a:t>20/11/2023</a:t>
+              <a:t>23/11/2023</a:t>
             </a:fld>
             <a:endParaRPr lang="en-GB"/>
           </a:p>
@@ -2687,7 +2687,7 @@
           <a:p>
             <a:fld id="{C2D125DA-E291-458D-ABC4-9A2869F84746}" type="datetimeFigureOut">
               <a:rPr lang="en-GB" smtClean="0"/>
-              <a:t>20/11/2023</a:t>
+              <a:t>23/11/2023</a:t>
             </a:fld>
             <a:endParaRPr lang="en-GB"/>
           </a:p>
@@ -2930,7 +2930,7 @@
           <a:p>
             <a:fld id="{C2D125DA-E291-458D-ABC4-9A2869F84746}" type="datetimeFigureOut">
               <a:rPr lang="en-GB" smtClean="0"/>
-              <a:t>20/11/2023</a:t>
+              <a:t>23/11/2023</a:t>
             </a:fld>
             <a:endParaRPr lang="en-GB"/>
           </a:p>
@@ -3683,20 +3683,6 @@
                   </a:solidFill>
                 </a:rPr>
                 <a:t>Annual trend</a:t>
-              </a:r>
-            </a:p>
-            <a:p>
-              <a:pPr marL="285750" indent="-285750">
-                <a:buFont typeface="Arial" panose="020B0604020202020204" pitchFamily="34" charset="0"/>
-                <a:buChar char="•"/>
-              </a:pPr>
-              <a:r>
-                <a:rPr lang="en-GB" sz="1400" dirty="0">
-                  <a:solidFill>
-                    <a:schemeClr val="tx1"/>
-                  </a:solidFill>
-                </a:rPr>
-                <a:t>Seasonal trend</a:t>
               </a:r>
             </a:p>
             <a:p>

--- a/ppt/chap7.pptx
+++ b/ppt/chap7.pptx
@@ -1,19 +1,19 @@
 
 <file path=ppt/presentation.xml><?xml version="1.0" encoding="utf-8"?>
-<p:presentation xmlns:a="http://schemas.openxmlformats.org/drawingml/2006/main" xmlns:r="http://schemas.openxmlformats.org/officeDocument/2006/relationships" xmlns:p="http://schemas.openxmlformats.org/presentationml/2006/main" saveSubsetFonts="1">
+<p:presentation xmlns:a="http://schemas.openxmlformats.org/drawingml/2006/main" xmlns:r="http://schemas.openxmlformats.org/officeDocument/2006/relationships" xmlns:p="http://schemas.openxmlformats.org/presentationml/2006/main" saveSubsetFonts="1" autoCompressPictures="0">
   <p:sldMasterIdLst>
-    <p:sldMasterId id="2147483648" r:id="rId1"/>
+    <p:sldMasterId id="2147483660" r:id="rId1"/>
   </p:sldMasterIdLst>
   <p:sldIdLst>
     <p:sldId id="256" r:id="rId2"/>
   </p:sldIdLst>
-  <p:sldSz cx="12192000" cy="6858000"/>
+  <p:sldSz cx="9144000" cy="6858000" type="screen4x3"/>
   <p:notesSz cx="6858000" cy="9144000"/>
   <p:defaultTextStyle>
     <a:defPPr>
       <a:defRPr lang="en-US"/>
     </a:defPPr>
-    <a:lvl1pPr marL="0" algn="l" defTabSz="914400" rtl="0" eaLnBrk="1" latinLnBrk="0" hangingPunct="1">
+    <a:lvl1pPr marL="0" algn="l" defTabSz="457200" rtl="0" eaLnBrk="1" latinLnBrk="0" hangingPunct="1">
       <a:defRPr sz="1800" kern="1200">
         <a:solidFill>
           <a:schemeClr val="tx1"/>
@@ -23,7 +23,7 @@
         <a:cs typeface="+mn-cs"/>
       </a:defRPr>
     </a:lvl1pPr>
-    <a:lvl2pPr marL="457200" algn="l" defTabSz="914400" rtl="0" eaLnBrk="1" latinLnBrk="0" hangingPunct="1">
+    <a:lvl2pPr marL="457200" algn="l" defTabSz="457200" rtl="0" eaLnBrk="1" latinLnBrk="0" hangingPunct="1">
       <a:defRPr sz="1800" kern="1200">
         <a:solidFill>
           <a:schemeClr val="tx1"/>
@@ -33,7 +33,7 @@
         <a:cs typeface="+mn-cs"/>
       </a:defRPr>
     </a:lvl2pPr>
-    <a:lvl3pPr marL="914400" algn="l" defTabSz="914400" rtl="0" eaLnBrk="1" latinLnBrk="0" hangingPunct="1">
+    <a:lvl3pPr marL="914400" algn="l" defTabSz="457200" rtl="0" eaLnBrk="1" latinLnBrk="0" hangingPunct="1">
       <a:defRPr sz="1800" kern="1200">
         <a:solidFill>
           <a:schemeClr val="tx1"/>
@@ -43,7 +43,7 @@
         <a:cs typeface="+mn-cs"/>
       </a:defRPr>
     </a:lvl3pPr>
-    <a:lvl4pPr marL="1371600" algn="l" defTabSz="914400" rtl="0" eaLnBrk="1" latinLnBrk="0" hangingPunct="1">
+    <a:lvl4pPr marL="1371600" algn="l" defTabSz="457200" rtl="0" eaLnBrk="1" latinLnBrk="0" hangingPunct="1">
       <a:defRPr sz="1800" kern="1200">
         <a:solidFill>
           <a:schemeClr val="tx1"/>
@@ -53,7 +53,7 @@
         <a:cs typeface="+mn-cs"/>
       </a:defRPr>
     </a:lvl4pPr>
-    <a:lvl5pPr marL="1828800" algn="l" defTabSz="914400" rtl="0" eaLnBrk="1" latinLnBrk="0" hangingPunct="1">
+    <a:lvl5pPr marL="1828800" algn="l" defTabSz="457200" rtl="0" eaLnBrk="1" latinLnBrk="0" hangingPunct="1">
       <a:defRPr sz="1800" kern="1200">
         <a:solidFill>
           <a:schemeClr val="tx1"/>
@@ -63,7 +63,7 @@
         <a:cs typeface="+mn-cs"/>
       </a:defRPr>
     </a:lvl5pPr>
-    <a:lvl6pPr marL="2286000" algn="l" defTabSz="914400" rtl="0" eaLnBrk="1" latinLnBrk="0" hangingPunct="1">
+    <a:lvl6pPr marL="2286000" algn="l" defTabSz="457200" rtl="0" eaLnBrk="1" latinLnBrk="0" hangingPunct="1">
       <a:defRPr sz="1800" kern="1200">
         <a:solidFill>
           <a:schemeClr val="tx1"/>
@@ -73,7 +73,7 @@
         <a:cs typeface="+mn-cs"/>
       </a:defRPr>
     </a:lvl6pPr>
-    <a:lvl7pPr marL="2743200" algn="l" defTabSz="914400" rtl="0" eaLnBrk="1" latinLnBrk="0" hangingPunct="1">
+    <a:lvl7pPr marL="2743200" algn="l" defTabSz="457200" rtl="0" eaLnBrk="1" latinLnBrk="0" hangingPunct="1">
       <a:defRPr sz="1800" kern="1200">
         <a:solidFill>
           <a:schemeClr val="tx1"/>
@@ -83,7 +83,7 @@
         <a:cs typeface="+mn-cs"/>
       </a:defRPr>
     </a:lvl7pPr>
-    <a:lvl8pPr marL="3200400" algn="l" defTabSz="914400" rtl="0" eaLnBrk="1" latinLnBrk="0" hangingPunct="1">
+    <a:lvl8pPr marL="3200400" algn="l" defTabSz="457200" rtl="0" eaLnBrk="1" latinLnBrk="0" hangingPunct="1">
       <a:defRPr sz="1800" kern="1200">
         <a:solidFill>
           <a:schemeClr val="tx1"/>
@@ -93,7 +93,7 @@
         <a:cs typeface="+mn-cs"/>
       </a:defRPr>
     </a:lvl8pPr>
-    <a:lvl9pPr marL="3657600" algn="l" defTabSz="914400" rtl="0" eaLnBrk="1" latinLnBrk="0" hangingPunct="1">
+    <a:lvl9pPr marL="3657600" algn="l" defTabSz="457200" rtl="0" eaLnBrk="1" latinLnBrk="0" hangingPunct="1">
       <a:defRPr sz="1800" kern="1200">
         <a:solidFill>
           <a:schemeClr val="tx1"/>
@@ -131,13 +131,7 @@
       </p:grpSpPr>
       <p:sp>
         <p:nvSpPr>
-          <p:cNvPr id="2" name="Title 1">
-            <a:extLst>
-              <a:ext uri="{FF2B5EF4-FFF2-40B4-BE49-F238E27FC236}">
-                <a16:creationId xmlns:a16="http://schemas.microsoft.com/office/drawing/2014/main" id="{C554481D-E605-83BA-7DF8-414DCD71C3EF}"/>
-              </a:ext>
-            </a:extLst>
-          </p:cNvPr>
+          <p:cNvPr id="2" name="Title 1"/>
           <p:cNvSpPr>
             <a:spLocks noGrp="1"/>
           </p:cNvSpPr>
@@ -147,8 +141,8 @@
         </p:nvSpPr>
         <p:spPr>
           <a:xfrm>
-            <a:off x="1524000" y="1122363"/>
-            <a:ext cx="9144000" cy="2387600"/>
+            <a:off x="685800" y="1122363"/>
+            <a:ext cx="7772400" cy="2387600"/>
           </a:xfrm>
         </p:spPr>
         <p:txBody>
@@ -163,19 +157,13 @@
               <a:rPr lang="en-US"/>
               <a:t>Click to edit Master title style</a:t>
             </a:r>
-            <a:endParaRPr lang="en-GB"/>
+            <a:endParaRPr lang="en-US" dirty="0"/>
           </a:p>
         </p:txBody>
       </p:sp>
       <p:sp>
         <p:nvSpPr>
-          <p:cNvPr id="3" name="Subtitle 2">
-            <a:extLst>
-              <a:ext uri="{FF2B5EF4-FFF2-40B4-BE49-F238E27FC236}">
-                <a16:creationId xmlns:a16="http://schemas.microsoft.com/office/drawing/2014/main" id="{75AB6F62-F737-A606-BE3F-FAA4EB0995B8}"/>
-              </a:ext>
-            </a:extLst>
-          </p:cNvPr>
+          <p:cNvPr id="3" name="Subtitle 2"/>
           <p:cNvSpPr>
             <a:spLocks noGrp="1"/>
           </p:cNvSpPr>
@@ -185,8 +173,8 @@
         </p:nvSpPr>
         <p:spPr>
           <a:xfrm>
-            <a:off x="1524000" y="3602038"/>
-            <a:ext cx="9144000" cy="1655762"/>
+            <a:off x="1143000" y="3602038"/>
+            <a:ext cx="6858000" cy="1655762"/>
           </a:xfrm>
         </p:spPr>
         <p:txBody>
@@ -234,19 +222,13 @@
               <a:rPr lang="en-US"/>
               <a:t>Click to edit Master subtitle style</a:t>
             </a:r>
-            <a:endParaRPr lang="en-GB"/>
+            <a:endParaRPr lang="en-US" dirty="0"/>
           </a:p>
         </p:txBody>
       </p:sp>
       <p:sp>
         <p:nvSpPr>
-          <p:cNvPr id="4" name="Date Placeholder 3">
-            <a:extLst>
-              <a:ext uri="{FF2B5EF4-FFF2-40B4-BE49-F238E27FC236}">
-                <a16:creationId xmlns:a16="http://schemas.microsoft.com/office/drawing/2014/main" id="{6EB85368-00D3-6B0D-3FDE-355D9F720BEA}"/>
-              </a:ext>
-            </a:extLst>
-          </p:cNvPr>
+          <p:cNvPr id="4" name="Date Placeholder 3"/>
           <p:cNvSpPr>
             <a:spLocks noGrp="1"/>
           </p:cNvSpPr>
@@ -261,7 +243,7 @@
           <a:p>
             <a:fld id="{C2D125DA-E291-458D-ABC4-9A2869F84746}" type="datetimeFigureOut">
               <a:rPr lang="en-GB" smtClean="0"/>
-              <a:t>23/11/2023</a:t>
+              <a:t>31/01/2024</a:t>
             </a:fld>
             <a:endParaRPr lang="en-GB"/>
           </a:p>
@@ -269,13 +251,7 @@
       </p:sp>
       <p:sp>
         <p:nvSpPr>
-          <p:cNvPr id="5" name="Footer Placeholder 4">
-            <a:extLst>
-              <a:ext uri="{FF2B5EF4-FFF2-40B4-BE49-F238E27FC236}">
-                <a16:creationId xmlns:a16="http://schemas.microsoft.com/office/drawing/2014/main" id="{7A3F36E6-6FA8-B92A-E7B0-E064727264A4}"/>
-              </a:ext>
-            </a:extLst>
-          </p:cNvPr>
+          <p:cNvPr id="5" name="Footer Placeholder 4"/>
           <p:cNvSpPr>
             <a:spLocks noGrp="1"/>
           </p:cNvSpPr>
@@ -294,13 +270,7 @@
       </p:sp>
       <p:sp>
         <p:nvSpPr>
-          <p:cNvPr id="6" name="Slide Number Placeholder 5">
-            <a:extLst>
-              <a:ext uri="{FF2B5EF4-FFF2-40B4-BE49-F238E27FC236}">
-                <a16:creationId xmlns:a16="http://schemas.microsoft.com/office/drawing/2014/main" id="{610D9ECA-9DF9-E856-C438-20B8B5205E97}"/>
-              </a:ext>
-            </a:extLst>
-          </p:cNvPr>
+          <p:cNvPr id="6" name="Slide Number Placeholder 5"/>
           <p:cNvSpPr>
             <a:spLocks noGrp="1"/>
           </p:cNvSpPr>
@@ -324,7 +294,7 @@
     </p:spTree>
     <p:extLst>
       <p:ext uri="{BB962C8B-B14F-4D97-AF65-F5344CB8AC3E}">
-        <p14:creationId xmlns:p14="http://schemas.microsoft.com/office/powerpoint/2010/main" val="202084618"/>
+        <p14:creationId xmlns:p14="http://schemas.microsoft.com/office/powerpoint/2010/main" val="1294773147"/>
       </p:ext>
     </p:extLst>
   </p:cSld>
@@ -353,13 +323,7 @@
       </p:grpSpPr>
       <p:sp>
         <p:nvSpPr>
-          <p:cNvPr id="2" name="Title 1">
-            <a:extLst>
-              <a:ext uri="{FF2B5EF4-FFF2-40B4-BE49-F238E27FC236}">
-                <a16:creationId xmlns:a16="http://schemas.microsoft.com/office/drawing/2014/main" id="{1BD95A7E-56B5-8F46-9279-3B0267052EBB}"/>
-              </a:ext>
-            </a:extLst>
-          </p:cNvPr>
+          <p:cNvPr id="2" name="Title 1"/>
           <p:cNvSpPr>
             <a:spLocks noGrp="1"/>
           </p:cNvSpPr>
@@ -376,19 +340,13 @@
               <a:rPr lang="en-US"/>
               <a:t>Click to edit Master title style</a:t>
             </a:r>
-            <a:endParaRPr lang="en-GB"/>
+            <a:endParaRPr lang="en-US" dirty="0"/>
           </a:p>
         </p:txBody>
       </p:sp>
       <p:sp>
         <p:nvSpPr>
-          <p:cNvPr id="3" name="Vertical Text Placeholder 2">
-            <a:extLst>
-              <a:ext uri="{FF2B5EF4-FFF2-40B4-BE49-F238E27FC236}">
-                <a16:creationId xmlns:a16="http://schemas.microsoft.com/office/drawing/2014/main" id="{F9B3BAFF-EA56-0618-037A-46A7A566CF10}"/>
-              </a:ext>
-            </a:extLst>
-          </p:cNvPr>
+          <p:cNvPr id="3" name="Vertical Text Placeholder 2"/>
           <p:cNvSpPr>
             <a:spLocks noGrp="1"/>
           </p:cNvSpPr>
@@ -434,19 +392,13 @@
               <a:rPr lang="en-US"/>
               <a:t>Fifth level</a:t>
             </a:r>
-            <a:endParaRPr lang="en-GB"/>
+            <a:endParaRPr lang="en-US" dirty="0"/>
           </a:p>
         </p:txBody>
       </p:sp>
       <p:sp>
         <p:nvSpPr>
-          <p:cNvPr id="4" name="Date Placeholder 3">
-            <a:extLst>
-              <a:ext uri="{FF2B5EF4-FFF2-40B4-BE49-F238E27FC236}">
-                <a16:creationId xmlns:a16="http://schemas.microsoft.com/office/drawing/2014/main" id="{C210D5D6-D3CD-99A9-890C-AF5B45111AF0}"/>
-              </a:ext>
-            </a:extLst>
-          </p:cNvPr>
+          <p:cNvPr id="4" name="Date Placeholder 3"/>
           <p:cNvSpPr>
             <a:spLocks noGrp="1"/>
           </p:cNvSpPr>
@@ -461,7 +413,7 @@
           <a:p>
             <a:fld id="{C2D125DA-E291-458D-ABC4-9A2869F84746}" type="datetimeFigureOut">
               <a:rPr lang="en-GB" smtClean="0"/>
-              <a:t>23/11/2023</a:t>
+              <a:t>31/01/2024</a:t>
             </a:fld>
             <a:endParaRPr lang="en-GB"/>
           </a:p>
@@ -469,13 +421,7 @@
       </p:sp>
       <p:sp>
         <p:nvSpPr>
-          <p:cNvPr id="5" name="Footer Placeholder 4">
-            <a:extLst>
-              <a:ext uri="{FF2B5EF4-FFF2-40B4-BE49-F238E27FC236}">
-                <a16:creationId xmlns:a16="http://schemas.microsoft.com/office/drawing/2014/main" id="{1DAA7A4A-5381-D7EF-81B8-88583112C04D}"/>
-              </a:ext>
-            </a:extLst>
-          </p:cNvPr>
+          <p:cNvPr id="5" name="Footer Placeholder 4"/>
           <p:cNvSpPr>
             <a:spLocks noGrp="1"/>
           </p:cNvSpPr>
@@ -494,13 +440,7 @@
       </p:sp>
       <p:sp>
         <p:nvSpPr>
-          <p:cNvPr id="6" name="Slide Number Placeholder 5">
-            <a:extLst>
-              <a:ext uri="{FF2B5EF4-FFF2-40B4-BE49-F238E27FC236}">
-                <a16:creationId xmlns:a16="http://schemas.microsoft.com/office/drawing/2014/main" id="{73DBFCA2-F7D7-0874-51B3-DF0B8019D60A}"/>
-              </a:ext>
-            </a:extLst>
-          </p:cNvPr>
+          <p:cNvPr id="6" name="Slide Number Placeholder 5"/>
           <p:cNvSpPr>
             <a:spLocks noGrp="1"/>
           </p:cNvSpPr>
@@ -524,7 +464,7 @@
     </p:spTree>
     <p:extLst>
       <p:ext uri="{BB962C8B-B14F-4D97-AF65-F5344CB8AC3E}">
-        <p14:creationId xmlns:p14="http://schemas.microsoft.com/office/powerpoint/2010/main" val="900325425"/>
+        <p14:creationId xmlns:p14="http://schemas.microsoft.com/office/powerpoint/2010/main" val="4232581947"/>
       </p:ext>
     </p:extLst>
   </p:cSld>
@@ -553,13 +493,7 @@
       </p:grpSpPr>
       <p:sp>
         <p:nvSpPr>
-          <p:cNvPr id="2" name="Vertical Title 1">
-            <a:extLst>
-              <a:ext uri="{FF2B5EF4-FFF2-40B4-BE49-F238E27FC236}">
-                <a16:creationId xmlns:a16="http://schemas.microsoft.com/office/drawing/2014/main" id="{710239ED-8BF0-ADAA-F5DA-49516926923F}"/>
-              </a:ext>
-            </a:extLst>
-          </p:cNvPr>
+          <p:cNvPr id="2" name="Vertical Title 1"/>
           <p:cNvSpPr>
             <a:spLocks noGrp="1"/>
           </p:cNvSpPr>
@@ -569,8 +503,8 @@
         </p:nvSpPr>
         <p:spPr>
           <a:xfrm>
-            <a:off x="8724900" y="365125"/>
-            <a:ext cx="2628900" cy="5811838"/>
+            <a:off x="6543675" y="365125"/>
+            <a:ext cx="1971675" cy="5811838"/>
           </a:xfrm>
         </p:spPr>
         <p:txBody>
@@ -581,19 +515,13 @@
               <a:rPr lang="en-US"/>
               <a:t>Click to edit Master title style</a:t>
             </a:r>
-            <a:endParaRPr lang="en-GB"/>
+            <a:endParaRPr lang="en-US" dirty="0"/>
           </a:p>
         </p:txBody>
       </p:sp>
       <p:sp>
         <p:nvSpPr>
-          <p:cNvPr id="3" name="Vertical Text Placeholder 2">
-            <a:extLst>
-              <a:ext uri="{FF2B5EF4-FFF2-40B4-BE49-F238E27FC236}">
-                <a16:creationId xmlns:a16="http://schemas.microsoft.com/office/drawing/2014/main" id="{A5016BDB-52E9-D77E-3B3B-33D65BFD1BE5}"/>
-              </a:ext>
-            </a:extLst>
-          </p:cNvPr>
+          <p:cNvPr id="3" name="Vertical Text Placeholder 2"/>
           <p:cNvSpPr>
             <a:spLocks noGrp="1"/>
           </p:cNvSpPr>
@@ -603,8 +531,8 @@
         </p:nvSpPr>
         <p:spPr>
           <a:xfrm>
-            <a:off x="838200" y="365125"/>
-            <a:ext cx="7734300" cy="5811838"/>
+            <a:off x="628650" y="365125"/>
+            <a:ext cx="5800725" cy="5811838"/>
           </a:xfrm>
         </p:spPr>
         <p:txBody>
@@ -644,19 +572,13 @@
               <a:rPr lang="en-US"/>
               <a:t>Fifth level</a:t>
             </a:r>
-            <a:endParaRPr lang="en-GB"/>
+            <a:endParaRPr lang="en-US" dirty="0"/>
           </a:p>
         </p:txBody>
       </p:sp>
       <p:sp>
         <p:nvSpPr>
-          <p:cNvPr id="4" name="Date Placeholder 3">
-            <a:extLst>
-              <a:ext uri="{FF2B5EF4-FFF2-40B4-BE49-F238E27FC236}">
-                <a16:creationId xmlns:a16="http://schemas.microsoft.com/office/drawing/2014/main" id="{FD218C96-0875-639C-5A1C-6A7DD59007F3}"/>
-              </a:ext>
-            </a:extLst>
-          </p:cNvPr>
+          <p:cNvPr id="4" name="Date Placeholder 3"/>
           <p:cNvSpPr>
             <a:spLocks noGrp="1"/>
           </p:cNvSpPr>
@@ -671,7 +593,7 @@
           <a:p>
             <a:fld id="{C2D125DA-E291-458D-ABC4-9A2869F84746}" type="datetimeFigureOut">
               <a:rPr lang="en-GB" smtClean="0"/>
-              <a:t>23/11/2023</a:t>
+              <a:t>31/01/2024</a:t>
             </a:fld>
             <a:endParaRPr lang="en-GB"/>
           </a:p>
@@ -679,13 +601,7 @@
       </p:sp>
       <p:sp>
         <p:nvSpPr>
-          <p:cNvPr id="5" name="Footer Placeholder 4">
-            <a:extLst>
-              <a:ext uri="{FF2B5EF4-FFF2-40B4-BE49-F238E27FC236}">
-                <a16:creationId xmlns:a16="http://schemas.microsoft.com/office/drawing/2014/main" id="{19600A45-74CC-CCCA-C91E-9E1B97EBB607}"/>
-              </a:ext>
-            </a:extLst>
-          </p:cNvPr>
+          <p:cNvPr id="5" name="Footer Placeholder 4"/>
           <p:cNvSpPr>
             <a:spLocks noGrp="1"/>
           </p:cNvSpPr>
@@ -704,13 +620,7 @@
       </p:sp>
       <p:sp>
         <p:nvSpPr>
-          <p:cNvPr id="6" name="Slide Number Placeholder 5">
-            <a:extLst>
-              <a:ext uri="{FF2B5EF4-FFF2-40B4-BE49-F238E27FC236}">
-                <a16:creationId xmlns:a16="http://schemas.microsoft.com/office/drawing/2014/main" id="{22518C0A-84CA-59AC-814F-C51D52B00016}"/>
-              </a:ext>
-            </a:extLst>
-          </p:cNvPr>
+          <p:cNvPr id="6" name="Slide Number Placeholder 5"/>
           <p:cNvSpPr>
             <a:spLocks noGrp="1"/>
           </p:cNvSpPr>
@@ -734,7 +644,7 @@
     </p:spTree>
     <p:extLst>
       <p:ext uri="{BB962C8B-B14F-4D97-AF65-F5344CB8AC3E}">
-        <p14:creationId xmlns:p14="http://schemas.microsoft.com/office/powerpoint/2010/main" val="1486639508"/>
+        <p14:creationId xmlns:p14="http://schemas.microsoft.com/office/powerpoint/2010/main" val="4546145"/>
       </p:ext>
     </p:extLst>
   </p:cSld>
@@ -763,13 +673,7 @@
       </p:grpSpPr>
       <p:sp>
         <p:nvSpPr>
-          <p:cNvPr id="2" name="Title 1">
-            <a:extLst>
-              <a:ext uri="{FF2B5EF4-FFF2-40B4-BE49-F238E27FC236}">
-                <a16:creationId xmlns:a16="http://schemas.microsoft.com/office/drawing/2014/main" id="{B3818A27-FBFC-B382-BB6B-F10F66271FD3}"/>
-              </a:ext>
-            </a:extLst>
-          </p:cNvPr>
+          <p:cNvPr id="2" name="Title 1"/>
           <p:cNvSpPr>
             <a:spLocks noGrp="1"/>
           </p:cNvSpPr>
@@ -786,19 +690,13 @@
               <a:rPr lang="en-US"/>
               <a:t>Click to edit Master title style</a:t>
             </a:r>
-            <a:endParaRPr lang="en-GB"/>
+            <a:endParaRPr lang="en-US" dirty="0"/>
           </a:p>
         </p:txBody>
       </p:sp>
       <p:sp>
         <p:nvSpPr>
-          <p:cNvPr id="3" name="Content Placeholder 2">
-            <a:extLst>
-              <a:ext uri="{FF2B5EF4-FFF2-40B4-BE49-F238E27FC236}">
-                <a16:creationId xmlns:a16="http://schemas.microsoft.com/office/drawing/2014/main" id="{9FE569F2-02F5-6439-57BB-8B6E29280924}"/>
-              </a:ext>
-            </a:extLst>
-          </p:cNvPr>
+          <p:cNvPr id="3" name="Content Placeholder 2"/>
           <p:cNvSpPr>
             <a:spLocks noGrp="1"/>
           </p:cNvSpPr>
@@ -844,19 +742,13 @@
               <a:rPr lang="en-US"/>
               <a:t>Fifth level</a:t>
             </a:r>
-            <a:endParaRPr lang="en-GB"/>
+            <a:endParaRPr lang="en-US" dirty="0"/>
           </a:p>
         </p:txBody>
       </p:sp>
       <p:sp>
         <p:nvSpPr>
-          <p:cNvPr id="4" name="Date Placeholder 3">
-            <a:extLst>
-              <a:ext uri="{FF2B5EF4-FFF2-40B4-BE49-F238E27FC236}">
-                <a16:creationId xmlns:a16="http://schemas.microsoft.com/office/drawing/2014/main" id="{146938F9-CD5A-01CD-A04D-F051D14B8389}"/>
-              </a:ext>
-            </a:extLst>
-          </p:cNvPr>
+          <p:cNvPr id="4" name="Date Placeholder 3"/>
           <p:cNvSpPr>
             <a:spLocks noGrp="1"/>
           </p:cNvSpPr>
@@ -871,7 +763,7 @@
           <a:p>
             <a:fld id="{C2D125DA-E291-458D-ABC4-9A2869F84746}" type="datetimeFigureOut">
               <a:rPr lang="en-GB" smtClean="0"/>
-              <a:t>23/11/2023</a:t>
+              <a:t>31/01/2024</a:t>
             </a:fld>
             <a:endParaRPr lang="en-GB"/>
           </a:p>
@@ -879,13 +771,7 @@
       </p:sp>
       <p:sp>
         <p:nvSpPr>
-          <p:cNvPr id="5" name="Footer Placeholder 4">
-            <a:extLst>
-              <a:ext uri="{FF2B5EF4-FFF2-40B4-BE49-F238E27FC236}">
-                <a16:creationId xmlns:a16="http://schemas.microsoft.com/office/drawing/2014/main" id="{2E107E9E-8238-B185-97DE-AA6F91B0A42C}"/>
-              </a:ext>
-            </a:extLst>
-          </p:cNvPr>
+          <p:cNvPr id="5" name="Footer Placeholder 4"/>
           <p:cNvSpPr>
             <a:spLocks noGrp="1"/>
           </p:cNvSpPr>
@@ -904,13 +790,7 @@
       </p:sp>
       <p:sp>
         <p:nvSpPr>
-          <p:cNvPr id="6" name="Slide Number Placeholder 5">
-            <a:extLst>
-              <a:ext uri="{FF2B5EF4-FFF2-40B4-BE49-F238E27FC236}">
-                <a16:creationId xmlns:a16="http://schemas.microsoft.com/office/drawing/2014/main" id="{6D3C3C61-FB09-FF04-B5D6-23FFC95D6A95}"/>
-              </a:ext>
-            </a:extLst>
-          </p:cNvPr>
+          <p:cNvPr id="6" name="Slide Number Placeholder 5"/>
           <p:cNvSpPr>
             <a:spLocks noGrp="1"/>
           </p:cNvSpPr>
@@ -934,7 +814,7 @@
     </p:spTree>
     <p:extLst>
       <p:ext uri="{BB962C8B-B14F-4D97-AF65-F5344CB8AC3E}">
-        <p14:creationId xmlns:p14="http://schemas.microsoft.com/office/powerpoint/2010/main" val="3498347858"/>
+        <p14:creationId xmlns:p14="http://schemas.microsoft.com/office/powerpoint/2010/main" val="4261444453"/>
       </p:ext>
     </p:extLst>
   </p:cSld>
@@ -963,13 +843,7 @@
       </p:grpSpPr>
       <p:sp>
         <p:nvSpPr>
-          <p:cNvPr id="2" name="Title 1">
-            <a:extLst>
-              <a:ext uri="{FF2B5EF4-FFF2-40B4-BE49-F238E27FC236}">
-                <a16:creationId xmlns:a16="http://schemas.microsoft.com/office/drawing/2014/main" id="{FD16F316-7295-A379-8003-5702A1003AE5}"/>
-              </a:ext>
-            </a:extLst>
-          </p:cNvPr>
+          <p:cNvPr id="2" name="Title 1"/>
           <p:cNvSpPr>
             <a:spLocks noGrp="1"/>
           </p:cNvSpPr>
@@ -979,8 +853,8 @@
         </p:nvSpPr>
         <p:spPr>
           <a:xfrm>
-            <a:off x="831850" y="1709738"/>
-            <a:ext cx="10515600" cy="2852737"/>
+            <a:off x="623888" y="1709739"/>
+            <a:ext cx="7886700" cy="2852737"/>
           </a:xfrm>
         </p:spPr>
         <p:txBody>
@@ -995,19 +869,13 @@
               <a:rPr lang="en-US"/>
               <a:t>Click to edit Master title style</a:t>
             </a:r>
-            <a:endParaRPr lang="en-GB"/>
+            <a:endParaRPr lang="en-US" dirty="0"/>
           </a:p>
         </p:txBody>
       </p:sp>
       <p:sp>
         <p:nvSpPr>
-          <p:cNvPr id="3" name="Text Placeholder 2">
-            <a:extLst>
-              <a:ext uri="{FF2B5EF4-FFF2-40B4-BE49-F238E27FC236}">
-                <a16:creationId xmlns:a16="http://schemas.microsoft.com/office/drawing/2014/main" id="{EC95BD1D-716A-6B3B-CD09-2691DB6685BA}"/>
-              </a:ext>
-            </a:extLst>
-          </p:cNvPr>
+          <p:cNvPr id="3" name="Text Placeholder 2"/>
           <p:cNvSpPr>
             <a:spLocks noGrp="1"/>
           </p:cNvSpPr>
@@ -1017,8 +885,8 @@
         </p:nvSpPr>
         <p:spPr>
           <a:xfrm>
-            <a:off x="831850" y="4589463"/>
-            <a:ext cx="10515600" cy="1500187"/>
+            <a:off x="623888" y="4589464"/>
+            <a:ext cx="7886700" cy="1500187"/>
           </a:xfrm>
         </p:spPr>
         <p:txBody>
@@ -1028,9 +896,7 @@
               <a:buNone/>
               <a:defRPr sz="2400">
                 <a:solidFill>
-                  <a:schemeClr val="tx1">
-                    <a:tint val="75000"/>
-                  </a:schemeClr>
+                  <a:schemeClr val="tx1"/>
                 </a:solidFill>
               </a:defRPr>
             </a:lvl1pPr>
@@ -1126,13 +992,7 @@
       </p:sp>
       <p:sp>
         <p:nvSpPr>
-          <p:cNvPr id="4" name="Date Placeholder 3">
-            <a:extLst>
-              <a:ext uri="{FF2B5EF4-FFF2-40B4-BE49-F238E27FC236}">
-                <a16:creationId xmlns:a16="http://schemas.microsoft.com/office/drawing/2014/main" id="{A00C7D95-121F-3909-176D-A232EFF718BC}"/>
-              </a:ext>
-            </a:extLst>
-          </p:cNvPr>
+          <p:cNvPr id="4" name="Date Placeholder 3"/>
           <p:cNvSpPr>
             <a:spLocks noGrp="1"/>
           </p:cNvSpPr>
@@ -1147,7 +1007,7 @@
           <a:p>
             <a:fld id="{C2D125DA-E291-458D-ABC4-9A2869F84746}" type="datetimeFigureOut">
               <a:rPr lang="en-GB" smtClean="0"/>
-              <a:t>23/11/2023</a:t>
+              <a:t>31/01/2024</a:t>
             </a:fld>
             <a:endParaRPr lang="en-GB"/>
           </a:p>
@@ -1155,13 +1015,7 @@
       </p:sp>
       <p:sp>
         <p:nvSpPr>
-          <p:cNvPr id="5" name="Footer Placeholder 4">
-            <a:extLst>
-              <a:ext uri="{FF2B5EF4-FFF2-40B4-BE49-F238E27FC236}">
-                <a16:creationId xmlns:a16="http://schemas.microsoft.com/office/drawing/2014/main" id="{98E7D190-E649-AD79-121E-4A6636ED25D1}"/>
-              </a:ext>
-            </a:extLst>
-          </p:cNvPr>
+          <p:cNvPr id="5" name="Footer Placeholder 4"/>
           <p:cNvSpPr>
             <a:spLocks noGrp="1"/>
           </p:cNvSpPr>
@@ -1180,13 +1034,7 @@
       </p:sp>
       <p:sp>
         <p:nvSpPr>
-          <p:cNvPr id="6" name="Slide Number Placeholder 5">
-            <a:extLst>
-              <a:ext uri="{FF2B5EF4-FFF2-40B4-BE49-F238E27FC236}">
-                <a16:creationId xmlns:a16="http://schemas.microsoft.com/office/drawing/2014/main" id="{5C4F26AC-776A-A574-CBE6-7380CE9E6611}"/>
-              </a:ext>
-            </a:extLst>
-          </p:cNvPr>
+          <p:cNvPr id="6" name="Slide Number Placeholder 5"/>
           <p:cNvSpPr>
             <a:spLocks noGrp="1"/>
           </p:cNvSpPr>
@@ -1210,7 +1058,7 @@
     </p:spTree>
     <p:extLst>
       <p:ext uri="{BB962C8B-B14F-4D97-AF65-F5344CB8AC3E}">
-        <p14:creationId xmlns:p14="http://schemas.microsoft.com/office/powerpoint/2010/main" val="1020259676"/>
+        <p14:creationId xmlns:p14="http://schemas.microsoft.com/office/powerpoint/2010/main" val="968578460"/>
       </p:ext>
     </p:extLst>
   </p:cSld>
@@ -1239,13 +1087,7 @@
       </p:grpSpPr>
       <p:sp>
         <p:nvSpPr>
-          <p:cNvPr id="2" name="Title 1">
-            <a:extLst>
-              <a:ext uri="{FF2B5EF4-FFF2-40B4-BE49-F238E27FC236}">
-                <a16:creationId xmlns:a16="http://schemas.microsoft.com/office/drawing/2014/main" id="{5D2C1700-3E1C-C0A5-386F-C55C243C82DF}"/>
-              </a:ext>
-            </a:extLst>
-          </p:cNvPr>
+          <p:cNvPr id="2" name="Title 1"/>
           <p:cNvSpPr>
             <a:spLocks noGrp="1"/>
           </p:cNvSpPr>
@@ -1262,19 +1104,13 @@
               <a:rPr lang="en-US"/>
               <a:t>Click to edit Master title style</a:t>
             </a:r>
-            <a:endParaRPr lang="en-GB"/>
+            <a:endParaRPr lang="en-US" dirty="0"/>
           </a:p>
         </p:txBody>
       </p:sp>
       <p:sp>
         <p:nvSpPr>
-          <p:cNvPr id="3" name="Content Placeholder 2">
-            <a:extLst>
-              <a:ext uri="{FF2B5EF4-FFF2-40B4-BE49-F238E27FC236}">
-                <a16:creationId xmlns:a16="http://schemas.microsoft.com/office/drawing/2014/main" id="{6C16B098-2E33-A543-A93F-1F457FBF0C5B}"/>
-              </a:ext>
-            </a:extLst>
-          </p:cNvPr>
+          <p:cNvPr id="3" name="Content Placeholder 2"/>
           <p:cNvSpPr>
             <a:spLocks noGrp="1"/>
           </p:cNvSpPr>
@@ -1284,8 +1120,8 @@
         </p:nvSpPr>
         <p:spPr>
           <a:xfrm>
-            <a:off x="838200" y="1825625"/>
-            <a:ext cx="5181600" cy="4351338"/>
+            <a:off x="628650" y="1825625"/>
+            <a:ext cx="3886200" cy="4351338"/>
           </a:xfrm>
         </p:spPr>
         <p:txBody>
@@ -1325,19 +1161,13 @@
               <a:rPr lang="en-US"/>
               <a:t>Fifth level</a:t>
             </a:r>
-            <a:endParaRPr lang="en-GB"/>
+            <a:endParaRPr lang="en-US" dirty="0"/>
           </a:p>
         </p:txBody>
       </p:sp>
       <p:sp>
         <p:nvSpPr>
-          <p:cNvPr id="4" name="Content Placeholder 3">
-            <a:extLst>
-              <a:ext uri="{FF2B5EF4-FFF2-40B4-BE49-F238E27FC236}">
-                <a16:creationId xmlns:a16="http://schemas.microsoft.com/office/drawing/2014/main" id="{1FCAE3E8-58CE-6556-64EA-36C785065486}"/>
-              </a:ext>
-            </a:extLst>
-          </p:cNvPr>
+          <p:cNvPr id="4" name="Content Placeholder 3"/>
           <p:cNvSpPr>
             <a:spLocks noGrp="1"/>
           </p:cNvSpPr>
@@ -1347,8 +1177,8 @@
         </p:nvSpPr>
         <p:spPr>
           <a:xfrm>
-            <a:off x="6172200" y="1825625"/>
-            <a:ext cx="5181600" cy="4351338"/>
+            <a:off x="4629150" y="1825625"/>
+            <a:ext cx="3886200" cy="4351338"/>
           </a:xfrm>
         </p:spPr>
         <p:txBody>
@@ -1388,19 +1218,13 @@
               <a:rPr lang="en-US"/>
               <a:t>Fifth level</a:t>
             </a:r>
-            <a:endParaRPr lang="en-GB"/>
+            <a:endParaRPr lang="en-US" dirty="0"/>
           </a:p>
         </p:txBody>
       </p:sp>
       <p:sp>
         <p:nvSpPr>
-          <p:cNvPr id="5" name="Date Placeholder 4">
-            <a:extLst>
-              <a:ext uri="{FF2B5EF4-FFF2-40B4-BE49-F238E27FC236}">
-                <a16:creationId xmlns:a16="http://schemas.microsoft.com/office/drawing/2014/main" id="{683FF5B3-738F-2ECF-4077-D93625872D3E}"/>
-              </a:ext>
-            </a:extLst>
-          </p:cNvPr>
+          <p:cNvPr id="5" name="Date Placeholder 4"/>
           <p:cNvSpPr>
             <a:spLocks noGrp="1"/>
           </p:cNvSpPr>
@@ -1415,7 +1239,7 @@
           <a:p>
             <a:fld id="{C2D125DA-E291-458D-ABC4-9A2869F84746}" type="datetimeFigureOut">
               <a:rPr lang="en-GB" smtClean="0"/>
-              <a:t>23/11/2023</a:t>
+              <a:t>31/01/2024</a:t>
             </a:fld>
             <a:endParaRPr lang="en-GB"/>
           </a:p>
@@ -1423,13 +1247,7 @@
       </p:sp>
       <p:sp>
         <p:nvSpPr>
-          <p:cNvPr id="6" name="Footer Placeholder 5">
-            <a:extLst>
-              <a:ext uri="{FF2B5EF4-FFF2-40B4-BE49-F238E27FC236}">
-                <a16:creationId xmlns:a16="http://schemas.microsoft.com/office/drawing/2014/main" id="{C08B555F-A120-C961-5F39-31B9E351CC33}"/>
-              </a:ext>
-            </a:extLst>
-          </p:cNvPr>
+          <p:cNvPr id="6" name="Footer Placeholder 5"/>
           <p:cNvSpPr>
             <a:spLocks noGrp="1"/>
           </p:cNvSpPr>
@@ -1448,13 +1266,7 @@
       </p:sp>
       <p:sp>
         <p:nvSpPr>
-          <p:cNvPr id="7" name="Slide Number Placeholder 6">
-            <a:extLst>
-              <a:ext uri="{FF2B5EF4-FFF2-40B4-BE49-F238E27FC236}">
-                <a16:creationId xmlns:a16="http://schemas.microsoft.com/office/drawing/2014/main" id="{B7CE68E5-1810-CC9E-32C7-CED47D89E823}"/>
-              </a:ext>
-            </a:extLst>
-          </p:cNvPr>
+          <p:cNvPr id="7" name="Slide Number Placeholder 6"/>
           <p:cNvSpPr>
             <a:spLocks noGrp="1"/>
           </p:cNvSpPr>
@@ -1478,7 +1290,7 @@
     </p:spTree>
     <p:extLst>
       <p:ext uri="{BB962C8B-B14F-4D97-AF65-F5344CB8AC3E}">
-        <p14:creationId xmlns:p14="http://schemas.microsoft.com/office/powerpoint/2010/main" val="1796865116"/>
+        <p14:creationId xmlns:p14="http://schemas.microsoft.com/office/powerpoint/2010/main" val="2462539916"/>
       </p:ext>
     </p:extLst>
   </p:cSld>
@@ -1507,13 +1319,7 @@
       </p:grpSpPr>
       <p:sp>
         <p:nvSpPr>
-          <p:cNvPr id="2" name="Title 1">
-            <a:extLst>
-              <a:ext uri="{FF2B5EF4-FFF2-40B4-BE49-F238E27FC236}">
-                <a16:creationId xmlns:a16="http://schemas.microsoft.com/office/drawing/2014/main" id="{843D813C-7185-E2DD-62BD-AF3D56BA4784}"/>
-              </a:ext>
-            </a:extLst>
-          </p:cNvPr>
+          <p:cNvPr id="2" name="Title 1"/>
           <p:cNvSpPr>
             <a:spLocks noGrp="1"/>
           </p:cNvSpPr>
@@ -1523,8 +1329,8 @@
         </p:nvSpPr>
         <p:spPr>
           <a:xfrm>
-            <a:off x="839788" y="365125"/>
-            <a:ext cx="10515600" cy="1325563"/>
+            <a:off x="629841" y="365126"/>
+            <a:ext cx="7886700" cy="1325563"/>
           </a:xfrm>
         </p:spPr>
         <p:txBody>
@@ -1535,19 +1341,13 @@
               <a:rPr lang="en-US"/>
               <a:t>Click to edit Master title style</a:t>
             </a:r>
-            <a:endParaRPr lang="en-GB"/>
+            <a:endParaRPr lang="en-US" dirty="0"/>
           </a:p>
         </p:txBody>
       </p:sp>
       <p:sp>
         <p:nvSpPr>
-          <p:cNvPr id="3" name="Text Placeholder 2">
-            <a:extLst>
-              <a:ext uri="{FF2B5EF4-FFF2-40B4-BE49-F238E27FC236}">
-                <a16:creationId xmlns:a16="http://schemas.microsoft.com/office/drawing/2014/main" id="{522A7E6C-12A6-8E40-01F8-301143A673CC}"/>
-              </a:ext>
-            </a:extLst>
-          </p:cNvPr>
+          <p:cNvPr id="3" name="Text Placeholder 2"/>
           <p:cNvSpPr>
             <a:spLocks noGrp="1"/>
           </p:cNvSpPr>
@@ -1557,8 +1357,8 @@
         </p:nvSpPr>
         <p:spPr>
           <a:xfrm>
-            <a:off x="839788" y="1681163"/>
-            <a:ext cx="5157787" cy="823912"/>
+            <a:off x="629842" y="1681163"/>
+            <a:ext cx="3868340" cy="823912"/>
           </a:xfrm>
         </p:spPr>
         <p:txBody>
@@ -1612,13 +1412,7 @@
       </p:sp>
       <p:sp>
         <p:nvSpPr>
-          <p:cNvPr id="4" name="Content Placeholder 3">
-            <a:extLst>
-              <a:ext uri="{FF2B5EF4-FFF2-40B4-BE49-F238E27FC236}">
-                <a16:creationId xmlns:a16="http://schemas.microsoft.com/office/drawing/2014/main" id="{CBA09226-315F-5A08-34C4-A07A3F9AC417}"/>
-              </a:ext>
-            </a:extLst>
-          </p:cNvPr>
+          <p:cNvPr id="4" name="Content Placeholder 3"/>
           <p:cNvSpPr>
             <a:spLocks noGrp="1"/>
           </p:cNvSpPr>
@@ -1628,8 +1422,8 @@
         </p:nvSpPr>
         <p:spPr>
           <a:xfrm>
-            <a:off x="839788" y="2505075"/>
-            <a:ext cx="5157787" cy="3684588"/>
+            <a:off x="629842" y="2505075"/>
+            <a:ext cx="3868340" cy="3684588"/>
           </a:xfrm>
         </p:spPr>
         <p:txBody>
@@ -1669,19 +1463,13 @@
               <a:rPr lang="en-US"/>
               <a:t>Fifth level</a:t>
             </a:r>
-            <a:endParaRPr lang="en-GB"/>
+            <a:endParaRPr lang="en-US" dirty="0"/>
           </a:p>
         </p:txBody>
       </p:sp>
       <p:sp>
         <p:nvSpPr>
-          <p:cNvPr id="5" name="Text Placeholder 4">
-            <a:extLst>
-              <a:ext uri="{FF2B5EF4-FFF2-40B4-BE49-F238E27FC236}">
-                <a16:creationId xmlns:a16="http://schemas.microsoft.com/office/drawing/2014/main" id="{63F2335D-27ED-8C17-A138-7458C79D790D}"/>
-              </a:ext>
-            </a:extLst>
-          </p:cNvPr>
+          <p:cNvPr id="5" name="Text Placeholder 4"/>
           <p:cNvSpPr>
             <a:spLocks noGrp="1"/>
           </p:cNvSpPr>
@@ -1691,8 +1479,8 @@
         </p:nvSpPr>
         <p:spPr>
           <a:xfrm>
-            <a:off x="6172200" y="1681163"/>
-            <a:ext cx="5183188" cy="823912"/>
+            <a:off x="4629150" y="1681163"/>
+            <a:ext cx="3887391" cy="823912"/>
           </a:xfrm>
         </p:spPr>
         <p:txBody>
@@ -1746,13 +1534,7 @@
       </p:sp>
       <p:sp>
         <p:nvSpPr>
-          <p:cNvPr id="6" name="Content Placeholder 5">
-            <a:extLst>
-              <a:ext uri="{FF2B5EF4-FFF2-40B4-BE49-F238E27FC236}">
-                <a16:creationId xmlns:a16="http://schemas.microsoft.com/office/drawing/2014/main" id="{179C6744-2054-96F4-5807-200D3AB65EF8}"/>
-              </a:ext>
-            </a:extLst>
-          </p:cNvPr>
+          <p:cNvPr id="6" name="Content Placeholder 5"/>
           <p:cNvSpPr>
             <a:spLocks noGrp="1"/>
           </p:cNvSpPr>
@@ -1762,8 +1544,8 @@
         </p:nvSpPr>
         <p:spPr>
           <a:xfrm>
-            <a:off x="6172200" y="2505075"/>
-            <a:ext cx="5183188" cy="3684588"/>
+            <a:off x="4629150" y="2505075"/>
+            <a:ext cx="3887391" cy="3684588"/>
           </a:xfrm>
         </p:spPr>
         <p:txBody>
@@ -1803,19 +1585,13 @@
               <a:rPr lang="en-US"/>
               <a:t>Fifth level</a:t>
             </a:r>
-            <a:endParaRPr lang="en-GB"/>
+            <a:endParaRPr lang="en-US" dirty="0"/>
           </a:p>
         </p:txBody>
       </p:sp>
       <p:sp>
         <p:nvSpPr>
-          <p:cNvPr id="7" name="Date Placeholder 6">
-            <a:extLst>
-              <a:ext uri="{FF2B5EF4-FFF2-40B4-BE49-F238E27FC236}">
-                <a16:creationId xmlns:a16="http://schemas.microsoft.com/office/drawing/2014/main" id="{C466A808-68A2-F928-77FE-83A89EA178F7}"/>
-              </a:ext>
-            </a:extLst>
-          </p:cNvPr>
+          <p:cNvPr id="7" name="Date Placeholder 6"/>
           <p:cNvSpPr>
             <a:spLocks noGrp="1"/>
           </p:cNvSpPr>
@@ -1830,7 +1606,7 @@
           <a:p>
             <a:fld id="{C2D125DA-E291-458D-ABC4-9A2869F84746}" type="datetimeFigureOut">
               <a:rPr lang="en-GB" smtClean="0"/>
-              <a:t>23/11/2023</a:t>
+              <a:t>31/01/2024</a:t>
             </a:fld>
             <a:endParaRPr lang="en-GB"/>
           </a:p>
@@ -1838,13 +1614,7 @@
       </p:sp>
       <p:sp>
         <p:nvSpPr>
-          <p:cNvPr id="8" name="Footer Placeholder 7">
-            <a:extLst>
-              <a:ext uri="{FF2B5EF4-FFF2-40B4-BE49-F238E27FC236}">
-                <a16:creationId xmlns:a16="http://schemas.microsoft.com/office/drawing/2014/main" id="{069CB9A0-E1CD-3939-77BF-521A51501B9E}"/>
-              </a:ext>
-            </a:extLst>
-          </p:cNvPr>
+          <p:cNvPr id="8" name="Footer Placeholder 7"/>
           <p:cNvSpPr>
             <a:spLocks noGrp="1"/>
           </p:cNvSpPr>
@@ -1863,13 +1633,7 @@
       </p:sp>
       <p:sp>
         <p:nvSpPr>
-          <p:cNvPr id="9" name="Slide Number Placeholder 8">
-            <a:extLst>
-              <a:ext uri="{FF2B5EF4-FFF2-40B4-BE49-F238E27FC236}">
-                <a16:creationId xmlns:a16="http://schemas.microsoft.com/office/drawing/2014/main" id="{47BD9DBD-DAB8-1ABF-4232-E9621E96558E}"/>
-              </a:ext>
-            </a:extLst>
-          </p:cNvPr>
+          <p:cNvPr id="9" name="Slide Number Placeholder 8"/>
           <p:cNvSpPr>
             <a:spLocks noGrp="1"/>
           </p:cNvSpPr>
@@ -1893,7 +1657,7 @@
     </p:spTree>
     <p:extLst>
       <p:ext uri="{BB962C8B-B14F-4D97-AF65-F5344CB8AC3E}">
-        <p14:creationId xmlns:p14="http://schemas.microsoft.com/office/powerpoint/2010/main" val="1901765952"/>
+        <p14:creationId xmlns:p14="http://schemas.microsoft.com/office/powerpoint/2010/main" val="2158202155"/>
       </p:ext>
     </p:extLst>
   </p:cSld>
@@ -1922,13 +1686,7 @@
       </p:grpSpPr>
       <p:sp>
         <p:nvSpPr>
-          <p:cNvPr id="2" name="Title 1">
-            <a:extLst>
-              <a:ext uri="{FF2B5EF4-FFF2-40B4-BE49-F238E27FC236}">
-                <a16:creationId xmlns:a16="http://schemas.microsoft.com/office/drawing/2014/main" id="{4339DC23-1A0F-0547-7C27-932B9EBB225B}"/>
-              </a:ext>
-            </a:extLst>
-          </p:cNvPr>
+          <p:cNvPr id="2" name="Title 1"/>
           <p:cNvSpPr>
             <a:spLocks noGrp="1"/>
           </p:cNvSpPr>
@@ -1945,19 +1703,13 @@
               <a:rPr lang="en-US"/>
               <a:t>Click to edit Master title style</a:t>
             </a:r>
-            <a:endParaRPr lang="en-GB"/>
+            <a:endParaRPr lang="en-US" dirty="0"/>
           </a:p>
         </p:txBody>
       </p:sp>
       <p:sp>
         <p:nvSpPr>
-          <p:cNvPr id="3" name="Date Placeholder 2">
-            <a:extLst>
-              <a:ext uri="{FF2B5EF4-FFF2-40B4-BE49-F238E27FC236}">
-                <a16:creationId xmlns:a16="http://schemas.microsoft.com/office/drawing/2014/main" id="{37030B5A-1650-DF8A-B5E2-BA22CDE21FD0}"/>
-              </a:ext>
-            </a:extLst>
-          </p:cNvPr>
+          <p:cNvPr id="3" name="Date Placeholder 2"/>
           <p:cNvSpPr>
             <a:spLocks noGrp="1"/>
           </p:cNvSpPr>
@@ -1972,7 +1724,7 @@
           <a:p>
             <a:fld id="{C2D125DA-E291-458D-ABC4-9A2869F84746}" type="datetimeFigureOut">
               <a:rPr lang="en-GB" smtClean="0"/>
-              <a:t>23/11/2023</a:t>
+              <a:t>31/01/2024</a:t>
             </a:fld>
             <a:endParaRPr lang="en-GB"/>
           </a:p>
@@ -1980,13 +1732,7 @@
       </p:sp>
       <p:sp>
         <p:nvSpPr>
-          <p:cNvPr id="4" name="Footer Placeholder 3">
-            <a:extLst>
-              <a:ext uri="{FF2B5EF4-FFF2-40B4-BE49-F238E27FC236}">
-                <a16:creationId xmlns:a16="http://schemas.microsoft.com/office/drawing/2014/main" id="{68972DC4-9384-AEC5-5C72-CD91573162B4}"/>
-              </a:ext>
-            </a:extLst>
-          </p:cNvPr>
+          <p:cNvPr id="4" name="Footer Placeholder 3"/>
           <p:cNvSpPr>
             <a:spLocks noGrp="1"/>
           </p:cNvSpPr>
@@ -2005,13 +1751,7 @@
       </p:sp>
       <p:sp>
         <p:nvSpPr>
-          <p:cNvPr id="5" name="Slide Number Placeholder 4">
-            <a:extLst>
-              <a:ext uri="{FF2B5EF4-FFF2-40B4-BE49-F238E27FC236}">
-                <a16:creationId xmlns:a16="http://schemas.microsoft.com/office/drawing/2014/main" id="{B355FFAC-D98D-FA90-78BA-913372260682}"/>
-              </a:ext>
-            </a:extLst>
-          </p:cNvPr>
+          <p:cNvPr id="5" name="Slide Number Placeholder 4"/>
           <p:cNvSpPr>
             <a:spLocks noGrp="1"/>
           </p:cNvSpPr>
@@ -2035,7 +1775,7 @@
     </p:spTree>
     <p:extLst>
       <p:ext uri="{BB962C8B-B14F-4D97-AF65-F5344CB8AC3E}">
-        <p14:creationId xmlns:p14="http://schemas.microsoft.com/office/powerpoint/2010/main" val="1155778459"/>
+        <p14:creationId xmlns:p14="http://schemas.microsoft.com/office/powerpoint/2010/main" val="2420565332"/>
       </p:ext>
     </p:extLst>
   </p:cSld>
@@ -2064,13 +1804,7 @@
       </p:grpSpPr>
       <p:sp>
         <p:nvSpPr>
-          <p:cNvPr id="2" name="Date Placeholder 1">
-            <a:extLst>
-              <a:ext uri="{FF2B5EF4-FFF2-40B4-BE49-F238E27FC236}">
-                <a16:creationId xmlns:a16="http://schemas.microsoft.com/office/drawing/2014/main" id="{79F0B8C5-B717-C4BC-D446-AFB08926E132}"/>
-              </a:ext>
-            </a:extLst>
-          </p:cNvPr>
+          <p:cNvPr id="2" name="Date Placeholder 1"/>
           <p:cNvSpPr>
             <a:spLocks noGrp="1"/>
           </p:cNvSpPr>
@@ -2085,7 +1819,7 @@
           <a:p>
             <a:fld id="{C2D125DA-E291-458D-ABC4-9A2869F84746}" type="datetimeFigureOut">
               <a:rPr lang="en-GB" smtClean="0"/>
-              <a:t>23/11/2023</a:t>
+              <a:t>31/01/2024</a:t>
             </a:fld>
             <a:endParaRPr lang="en-GB"/>
           </a:p>
@@ -2093,13 +1827,7 @@
       </p:sp>
       <p:sp>
         <p:nvSpPr>
-          <p:cNvPr id="3" name="Footer Placeholder 2">
-            <a:extLst>
-              <a:ext uri="{FF2B5EF4-FFF2-40B4-BE49-F238E27FC236}">
-                <a16:creationId xmlns:a16="http://schemas.microsoft.com/office/drawing/2014/main" id="{147F978E-7B06-D3FB-3245-1E8C838EACC6}"/>
-              </a:ext>
-            </a:extLst>
-          </p:cNvPr>
+          <p:cNvPr id="3" name="Footer Placeholder 2"/>
           <p:cNvSpPr>
             <a:spLocks noGrp="1"/>
           </p:cNvSpPr>
@@ -2118,13 +1846,7 @@
       </p:sp>
       <p:sp>
         <p:nvSpPr>
-          <p:cNvPr id="4" name="Slide Number Placeholder 3">
-            <a:extLst>
-              <a:ext uri="{FF2B5EF4-FFF2-40B4-BE49-F238E27FC236}">
-                <a16:creationId xmlns:a16="http://schemas.microsoft.com/office/drawing/2014/main" id="{07A02A4F-28FA-49CC-8494-26AD89E7F45F}"/>
-              </a:ext>
-            </a:extLst>
-          </p:cNvPr>
+          <p:cNvPr id="4" name="Slide Number Placeholder 3"/>
           <p:cNvSpPr>
             <a:spLocks noGrp="1"/>
           </p:cNvSpPr>
@@ -2148,7 +1870,7 @@
     </p:spTree>
     <p:extLst>
       <p:ext uri="{BB962C8B-B14F-4D97-AF65-F5344CB8AC3E}">
-        <p14:creationId xmlns:p14="http://schemas.microsoft.com/office/powerpoint/2010/main" val="1338064525"/>
+        <p14:creationId xmlns:p14="http://schemas.microsoft.com/office/powerpoint/2010/main" val="2851380976"/>
       </p:ext>
     </p:extLst>
   </p:cSld>
@@ -2177,13 +1899,7 @@
       </p:grpSpPr>
       <p:sp>
         <p:nvSpPr>
-          <p:cNvPr id="2" name="Title 1">
-            <a:extLst>
-              <a:ext uri="{FF2B5EF4-FFF2-40B4-BE49-F238E27FC236}">
-                <a16:creationId xmlns:a16="http://schemas.microsoft.com/office/drawing/2014/main" id="{720EFD81-0383-7DC7-93E3-53EAC1D24313}"/>
-              </a:ext>
-            </a:extLst>
-          </p:cNvPr>
+          <p:cNvPr id="2" name="Title 1"/>
           <p:cNvSpPr>
             <a:spLocks noGrp="1"/>
           </p:cNvSpPr>
@@ -2193,8 +1909,8 @@
         </p:nvSpPr>
         <p:spPr>
           <a:xfrm>
-            <a:off x="839788" y="457200"/>
-            <a:ext cx="3932237" cy="1600200"/>
+            <a:off x="629841" y="457200"/>
+            <a:ext cx="2949178" cy="1600200"/>
           </a:xfrm>
         </p:spPr>
         <p:txBody>
@@ -2209,19 +1925,13 @@
               <a:rPr lang="en-US"/>
               <a:t>Click to edit Master title style</a:t>
             </a:r>
-            <a:endParaRPr lang="en-GB"/>
+            <a:endParaRPr lang="en-US" dirty="0"/>
           </a:p>
         </p:txBody>
       </p:sp>
       <p:sp>
         <p:nvSpPr>
-          <p:cNvPr id="3" name="Content Placeholder 2">
-            <a:extLst>
-              <a:ext uri="{FF2B5EF4-FFF2-40B4-BE49-F238E27FC236}">
-                <a16:creationId xmlns:a16="http://schemas.microsoft.com/office/drawing/2014/main" id="{6F419528-B25B-482D-2E93-AFCA944A8A2D}"/>
-              </a:ext>
-            </a:extLst>
-          </p:cNvPr>
+          <p:cNvPr id="3" name="Content Placeholder 2"/>
           <p:cNvSpPr>
             <a:spLocks noGrp="1"/>
           </p:cNvSpPr>
@@ -2231,8 +1941,8 @@
         </p:nvSpPr>
         <p:spPr>
           <a:xfrm>
-            <a:off x="5183188" y="987425"/>
-            <a:ext cx="6172200" cy="4873625"/>
+            <a:off x="3887391" y="987426"/>
+            <a:ext cx="4629150" cy="4873625"/>
           </a:xfrm>
         </p:spPr>
         <p:txBody>
@@ -2300,19 +2010,13 @@
               <a:rPr lang="en-US"/>
               <a:t>Fifth level</a:t>
             </a:r>
-            <a:endParaRPr lang="en-GB"/>
+            <a:endParaRPr lang="en-US" dirty="0"/>
           </a:p>
         </p:txBody>
       </p:sp>
       <p:sp>
         <p:nvSpPr>
-          <p:cNvPr id="4" name="Text Placeholder 3">
-            <a:extLst>
-              <a:ext uri="{FF2B5EF4-FFF2-40B4-BE49-F238E27FC236}">
-                <a16:creationId xmlns:a16="http://schemas.microsoft.com/office/drawing/2014/main" id="{5811A4C8-4B1C-FD93-D87A-8E9FB0892496}"/>
-              </a:ext>
-            </a:extLst>
-          </p:cNvPr>
+          <p:cNvPr id="4" name="Text Placeholder 3"/>
           <p:cNvSpPr>
             <a:spLocks noGrp="1"/>
           </p:cNvSpPr>
@@ -2322,8 +2026,8 @@
         </p:nvSpPr>
         <p:spPr>
           <a:xfrm>
-            <a:off x="839788" y="2057400"/>
-            <a:ext cx="3932237" cy="3811588"/>
+            <a:off x="629841" y="2057400"/>
+            <a:ext cx="2949178" cy="3811588"/>
           </a:xfrm>
         </p:spPr>
         <p:txBody>
@@ -2377,13 +2081,7 @@
       </p:sp>
       <p:sp>
         <p:nvSpPr>
-          <p:cNvPr id="5" name="Date Placeholder 4">
-            <a:extLst>
-              <a:ext uri="{FF2B5EF4-FFF2-40B4-BE49-F238E27FC236}">
-                <a16:creationId xmlns:a16="http://schemas.microsoft.com/office/drawing/2014/main" id="{3905C3A4-B3D3-D0E1-2027-9BEE7A6E2547}"/>
-              </a:ext>
-            </a:extLst>
-          </p:cNvPr>
+          <p:cNvPr id="5" name="Date Placeholder 4"/>
           <p:cNvSpPr>
             <a:spLocks noGrp="1"/>
           </p:cNvSpPr>
@@ -2398,7 +2096,7 @@
           <a:p>
             <a:fld id="{C2D125DA-E291-458D-ABC4-9A2869F84746}" type="datetimeFigureOut">
               <a:rPr lang="en-GB" smtClean="0"/>
-              <a:t>23/11/2023</a:t>
+              <a:t>31/01/2024</a:t>
             </a:fld>
             <a:endParaRPr lang="en-GB"/>
           </a:p>
@@ -2406,13 +2104,7 @@
       </p:sp>
       <p:sp>
         <p:nvSpPr>
-          <p:cNvPr id="6" name="Footer Placeholder 5">
-            <a:extLst>
-              <a:ext uri="{FF2B5EF4-FFF2-40B4-BE49-F238E27FC236}">
-                <a16:creationId xmlns:a16="http://schemas.microsoft.com/office/drawing/2014/main" id="{1BDC3143-AB34-C3F3-FAC4-7C430E03C17F}"/>
-              </a:ext>
-            </a:extLst>
-          </p:cNvPr>
+          <p:cNvPr id="6" name="Footer Placeholder 5"/>
           <p:cNvSpPr>
             <a:spLocks noGrp="1"/>
           </p:cNvSpPr>
@@ -2431,13 +2123,7 @@
       </p:sp>
       <p:sp>
         <p:nvSpPr>
-          <p:cNvPr id="7" name="Slide Number Placeholder 6">
-            <a:extLst>
-              <a:ext uri="{FF2B5EF4-FFF2-40B4-BE49-F238E27FC236}">
-                <a16:creationId xmlns:a16="http://schemas.microsoft.com/office/drawing/2014/main" id="{25217BB4-ED77-FFE6-5F32-B51550AD0140}"/>
-              </a:ext>
-            </a:extLst>
-          </p:cNvPr>
+          <p:cNvPr id="7" name="Slide Number Placeholder 6"/>
           <p:cNvSpPr>
             <a:spLocks noGrp="1"/>
           </p:cNvSpPr>
@@ -2461,7 +2147,7 @@
     </p:spTree>
     <p:extLst>
       <p:ext uri="{BB962C8B-B14F-4D97-AF65-F5344CB8AC3E}">
-        <p14:creationId xmlns:p14="http://schemas.microsoft.com/office/powerpoint/2010/main" val="1587738454"/>
+        <p14:creationId xmlns:p14="http://schemas.microsoft.com/office/powerpoint/2010/main" val="2198332887"/>
       </p:ext>
     </p:extLst>
   </p:cSld>
@@ -2490,13 +2176,7 @@
       </p:grpSpPr>
       <p:sp>
         <p:nvSpPr>
-          <p:cNvPr id="2" name="Title 1">
-            <a:extLst>
-              <a:ext uri="{FF2B5EF4-FFF2-40B4-BE49-F238E27FC236}">
-                <a16:creationId xmlns:a16="http://schemas.microsoft.com/office/drawing/2014/main" id="{AD1DD588-4D8C-7FA2-E2DB-91DCB8563093}"/>
-              </a:ext>
-            </a:extLst>
-          </p:cNvPr>
+          <p:cNvPr id="2" name="Title 1"/>
           <p:cNvSpPr>
             <a:spLocks noGrp="1"/>
           </p:cNvSpPr>
@@ -2506,8 +2186,8 @@
         </p:nvSpPr>
         <p:spPr>
           <a:xfrm>
-            <a:off x="839788" y="457200"/>
-            <a:ext cx="3932237" cy="1600200"/>
+            <a:off x="629841" y="457200"/>
+            <a:ext cx="2949178" cy="1600200"/>
           </a:xfrm>
         </p:spPr>
         <p:txBody>
@@ -2522,21 +2202,15 @@
               <a:rPr lang="en-US"/>
               <a:t>Click to edit Master title style</a:t>
             </a:r>
-            <a:endParaRPr lang="en-GB"/>
+            <a:endParaRPr lang="en-US" dirty="0"/>
           </a:p>
         </p:txBody>
       </p:sp>
       <p:sp>
         <p:nvSpPr>
-          <p:cNvPr id="3" name="Picture Placeholder 2">
-            <a:extLst>
-              <a:ext uri="{FF2B5EF4-FFF2-40B4-BE49-F238E27FC236}">
-                <a16:creationId xmlns:a16="http://schemas.microsoft.com/office/drawing/2014/main" id="{130D68AC-AF6E-39C0-5D32-A540933140FD}"/>
-              </a:ext>
-            </a:extLst>
-          </p:cNvPr>
+          <p:cNvPr id="3" name="Picture Placeholder 2"/>
           <p:cNvSpPr>
-            <a:spLocks noGrp="1"/>
+            <a:spLocks noGrp="1" noChangeAspect="1"/>
           </p:cNvSpPr>
           <p:nvPr>
             <p:ph type="pic" idx="1"/>
@@ -2544,12 +2218,12 @@
         </p:nvSpPr>
         <p:spPr>
           <a:xfrm>
-            <a:off x="5183188" y="987425"/>
-            <a:ext cx="6172200" cy="4873625"/>
+            <a:off x="3887391" y="987426"/>
+            <a:ext cx="4629150" cy="4873625"/>
           </a:xfrm>
         </p:spPr>
         <p:txBody>
-          <a:bodyPr/>
+          <a:bodyPr anchor="t"/>
           <a:lstStyle>
             <a:lvl1pPr marL="0" indent="0">
               <a:buNone/>
@@ -2589,19 +2263,17 @@
             </a:lvl9pPr>
           </a:lstStyle>
           <a:p>
-            <a:endParaRPr lang="en-GB"/>
+            <a:r>
+              <a:rPr lang="en-US"/>
+              <a:t>Click icon to add picture</a:t>
+            </a:r>
+            <a:endParaRPr lang="en-US" dirty="0"/>
           </a:p>
         </p:txBody>
       </p:sp>
       <p:sp>
         <p:nvSpPr>
-          <p:cNvPr id="4" name="Text Placeholder 3">
-            <a:extLst>
-              <a:ext uri="{FF2B5EF4-FFF2-40B4-BE49-F238E27FC236}">
-                <a16:creationId xmlns:a16="http://schemas.microsoft.com/office/drawing/2014/main" id="{A970398A-B22A-EFD3-96E5-50D732B1BE52}"/>
-              </a:ext>
-            </a:extLst>
-          </p:cNvPr>
+          <p:cNvPr id="4" name="Text Placeholder 3"/>
           <p:cNvSpPr>
             <a:spLocks noGrp="1"/>
           </p:cNvSpPr>
@@ -2611,8 +2283,8 @@
         </p:nvSpPr>
         <p:spPr>
           <a:xfrm>
-            <a:off x="839788" y="2057400"/>
-            <a:ext cx="3932237" cy="3811588"/>
+            <a:off x="629841" y="2057400"/>
+            <a:ext cx="2949178" cy="3811588"/>
           </a:xfrm>
         </p:spPr>
         <p:txBody>
@@ -2666,13 +2338,7 @@
       </p:sp>
       <p:sp>
         <p:nvSpPr>
-          <p:cNvPr id="5" name="Date Placeholder 4">
-            <a:extLst>
-              <a:ext uri="{FF2B5EF4-FFF2-40B4-BE49-F238E27FC236}">
-                <a16:creationId xmlns:a16="http://schemas.microsoft.com/office/drawing/2014/main" id="{F318E189-1332-3F4D-19B4-DE1A8177D552}"/>
-              </a:ext>
-            </a:extLst>
-          </p:cNvPr>
+          <p:cNvPr id="5" name="Date Placeholder 4"/>
           <p:cNvSpPr>
             <a:spLocks noGrp="1"/>
           </p:cNvSpPr>
@@ -2687,7 +2353,7 @@
           <a:p>
             <a:fld id="{C2D125DA-E291-458D-ABC4-9A2869F84746}" type="datetimeFigureOut">
               <a:rPr lang="en-GB" smtClean="0"/>
-              <a:t>23/11/2023</a:t>
+              <a:t>31/01/2024</a:t>
             </a:fld>
             <a:endParaRPr lang="en-GB"/>
           </a:p>
@@ -2695,13 +2361,7 @@
       </p:sp>
       <p:sp>
         <p:nvSpPr>
-          <p:cNvPr id="6" name="Footer Placeholder 5">
-            <a:extLst>
-              <a:ext uri="{FF2B5EF4-FFF2-40B4-BE49-F238E27FC236}">
-                <a16:creationId xmlns:a16="http://schemas.microsoft.com/office/drawing/2014/main" id="{DE6D8F19-E2B4-1372-8F35-9116A159A211}"/>
-              </a:ext>
-            </a:extLst>
-          </p:cNvPr>
+          <p:cNvPr id="6" name="Footer Placeholder 5"/>
           <p:cNvSpPr>
             <a:spLocks noGrp="1"/>
           </p:cNvSpPr>
@@ -2720,13 +2380,7 @@
       </p:sp>
       <p:sp>
         <p:nvSpPr>
-          <p:cNvPr id="7" name="Slide Number Placeholder 6">
-            <a:extLst>
-              <a:ext uri="{FF2B5EF4-FFF2-40B4-BE49-F238E27FC236}">
-                <a16:creationId xmlns:a16="http://schemas.microsoft.com/office/drawing/2014/main" id="{EE730934-80D8-A5AE-2DE1-0783ED662D3A}"/>
-              </a:ext>
-            </a:extLst>
-          </p:cNvPr>
+          <p:cNvPr id="7" name="Slide Number Placeholder 6"/>
           <p:cNvSpPr>
             <a:spLocks noGrp="1"/>
           </p:cNvSpPr>
@@ -2750,7 +2404,7 @@
     </p:spTree>
     <p:extLst>
       <p:ext uri="{BB962C8B-B14F-4D97-AF65-F5344CB8AC3E}">
-        <p14:creationId xmlns:p14="http://schemas.microsoft.com/office/powerpoint/2010/main" val="1120371586"/>
+        <p14:creationId xmlns:p14="http://schemas.microsoft.com/office/powerpoint/2010/main" val="2377779852"/>
       </p:ext>
     </p:extLst>
   </p:cSld>
@@ -2784,13 +2438,7 @@
       </p:grpSpPr>
       <p:sp>
         <p:nvSpPr>
-          <p:cNvPr id="2" name="Title Placeholder 1">
-            <a:extLst>
-              <a:ext uri="{FF2B5EF4-FFF2-40B4-BE49-F238E27FC236}">
-                <a16:creationId xmlns:a16="http://schemas.microsoft.com/office/drawing/2014/main" id="{7BF01F33-B238-1089-5A55-EEC3B5A41D30}"/>
-              </a:ext>
-            </a:extLst>
-          </p:cNvPr>
+          <p:cNvPr id="2" name="Title Placeholder 1"/>
           <p:cNvSpPr>
             <a:spLocks noGrp="1"/>
           </p:cNvSpPr>
@@ -2800,8 +2448,8 @@
         </p:nvSpPr>
         <p:spPr>
           <a:xfrm>
-            <a:off x="838200" y="365125"/>
-            <a:ext cx="10515600" cy="1325563"/>
+            <a:off x="628650" y="365126"/>
+            <a:ext cx="7886700" cy="1325563"/>
           </a:xfrm>
           <a:prstGeom prst="rect">
             <a:avLst/>
@@ -2817,19 +2465,13 @@
               <a:rPr lang="en-US"/>
               <a:t>Click to edit Master title style</a:t>
             </a:r>
-            <a:endParaRPr lang="en-GB"/>
+            <a:endParaRPr lang="en-US" dirty="0"/>
           </a:p>
         </p:txBody>
       </p:sp>
       <p:sp>
         <p:nvSpPr>
-          <p:cNvPr id="3" name="Text Placeholder 2">
-            <a:extLst>
-              <a:ext uri="{FF2B5EF4-FFF2-40B4-BE49-F238E27FC236}">
-                <a16:creationId xmlns:a16="http://schemas.microsoft.com/office/drawing/2014/main" id="{1BEBA6B7-021B-C5B7-47DE-EF0C9D39DD12}"/>
-              </a:ext>
-            </a:extLst>
-          </p:cNvPr>
+          <p:cNvPr id="3" name="Text Placeholder 2"/>
           <p:cNvSpPr>
             <a:spLocks noGrp="1"/>
           </p:cNvSpPr>
@@ -2839,8 +2481,8 @@
         </p:nvSpPr>
         <p:spPr>
           <a:xfrm>
-            <a:off x="838200" y="1825625"/>
-            <a:ext cx="10515600" cy="4351338"/>
+            <a:off x="628650" y="1825625"/>
+            <a:ext cx="7886700" cy="4351338"/>
           </a:xfrm>
           <a:prstGeom prst="rect">
             <a:avLst/>
@@ -2885,19 +2527,13 @@
               <a:rPr lang="en-US"/>
               <a:t>Fifth level</a:t>
             </a:r>
-            <a:endParaRPr lang="en-GB"/>
+            <a:endParaRPr lang="en-US" dirty="0"/>
           </a:p>
         </p:txBody>
       </p:sp>
       <p:sp>
         <p:nvSpPr>
-          <p:cNvPr id="4" name="Date Placeholder 3">
-            <a:extLst>
-              <a:ext uri="{FF2B5EF4-FFF2-40B4-BE49-F238E27FC236}">
-                <a16:creationId xmlns:a16="http://schemas.microsoft.com/office/drawing/2014/main" id="{F961106C-F155-988A-84D9-4F573C808EBE}"/>
-              </a:ext>
-            </a:extLst>
-          </p:cNvPr>
+          <p:cNvPr id="4" name="Date Placeholder 3"/>
           <p:cNvSpPr>
             <a:spLocks noGrp="1"/>
           </p:cNvSpPr>
@@ -2907,8 +2543,8 @@
         </p:nvSpPr>
         <p:spPr>
           <a:xfrm>
-            <a:off x="838200" y="6356350"/>
-            <a:ext cx="2743200" cy="365125"/>
+            <a:off x="628650" y="6356351"/>
+            <a:ext cx="2057400" cy="365125"/>
           </a:xfrm>
           <a:prstGeom prst="rect">
             <a:avLst/>
@@ -2930,7 +2566,7 @@
           <a:p>
             <a:fld id="{C2D125DA-E291-458D-ABC4-9A2869F84746}" type="datetimeFigureOut">
               <a:rPr lang="en-GB" smtClean="0"/>
-              <a:t>23/11/2023</a:t>
+              <a:t>31/01/2024</a:t>
             </a:fld>
             <a:endParaRPr lang="en-GB"/>
           </a:p>
@@ -2938,13 +2574,7 @@
       </p:sp>
       <p:sp>
         <p:nvSpPr>
-          <p:cNvPr id="5" name="Footer Placeholder 4">
-            <a:extLst>
-              <a:ext uri="{FF2B5EF4-FFF2-40B4-BE49-F238E27FC236}">
-                <a16:creationId xmlns:a16="http://schemas.microsoft.com/office/drawing/2014/main" id="{7EFA0606-3B73-686F-4163-EB4DFC726155}"/>
-              </a:ext>
-            </a:extLst>
-          </p:cNvPr>
+          <p:cNvPr id="5" name="Footer Placeholder 4"/>
           <p:cNvSpPr>
             <a:spLocks noGrp="1"/>
           </p:cNvSpPr>
@@ -2954,8 +2584,8 @@
         </p:nvSpPr>
         <p:spPr>
           <a:xfrm>
-            <a:off x="4038600" y="6356350"/>
-            <a:ext cx="4114800" cy="365125"/>
+            <a:off x="3028950" y="6356351"/>
+            <a:ext cx="3086100" cy="365125"/>
           </a:xfrm>
           <a:prstGeom prst="rect">
             <a:avLst/>
@@ -2981,13 +2611,7 @@
       </p:sp>
       <p:sp>
         <p:nvSpPr>
-          <p:cNvPr id="6" name="Slide Number Placeholder 5">
-            <a:extLst>
-              <a:ext uri="{FF2B5EF4-FFF2-40B4-BE49-F238E27FC236}">
-                <a16:creationId xmlns:a16="http://schemas.microsoft.com/office/drawing/2014/main" id="{C76A8C7E-4569-C49E-7487-AD167CA3D848}"/>
-              </a:ext>
-            </a:extLst>
-          </p:cNvPr>
+          <p:cNvPr id="6" name="Slide Number Placeholder 5"/>
           <p:cNvSpPr>
             <a:spLocks noGrp="1"/>
           </p:cNvSpPr>
@@ -2997,8 +2621,8 @@
         </p:nvSpPr>
         <p:spPr>
           <a:xfrm>
-            <a:off x="8610600" y="6356350"/>
-            <a:ext cx="2743200" cy="365125"/>
+            <a:off x="6457950" y="6356351"/>
+            <a:ext cx="2057400" cy="365125"/>
           </a:xfrm>
           <a:prstGeom prst="rect">
             <a:avLst/>
@@ -3029,23 +2653,23 @@
     </p:spTree>
     <p:extLst>
       <p:ext uri="{BB962C8B-B14F-4D97-AF65-F5344CB8AC3E}">
-        <p14:creationId xmlns:p14="http://schemas.microsoft.com/office/powerpoint/2010/main" val="18309749"/>
+        <p14:creationId xmlns:p14="http://schemas.microsoft.com/office/powerpoint/2010/main" val="2075191726"/>
       </p:ext>
     </p:extLst>
   </p:cSld>
   <p:clrMap bg1="lt1" tx1="dk1" bg2="lt2" tx2="dk2" accent1="accent1" accent2="accent2" accent3="accent3" accent4="accent4" accent5="accent5" accent6="accent6" hlink="hlink" folHlink="folHlink"/>
   <p:sldLayoutIdLst>
-    <p:sldLayoutId id="2147483649" r:id="rId1"/>
-    <p:sldLayoutId id="2147483650" r:id="rId2"/>
-    <p:sldLayoutId id="2147483651" r:id="rId3"/>
-    <p:sldLayoutId id="2147483652" r:id="rId4"/>
-    <p:sldLayoutId id="2147483653" r:id="rId5"/>
-    <p:sldLayoutId id="2147483654" r:id="rId6"/>
-    <p:sldLayoutId id="2147483655" r:id="rId7"/>
-    <p:sldLayoutId id="2147483656" r:id="rId8"/>
-    <p:sldLayoutId id="2147483657" r:id="rId9"/>
-    <p:sldLayoutId id="2147483658" r:id="rId10"/>
-    <p:sldLayoutId id="2147483659" r:id="rId11"/>
+    <p:sldLayoutId id="2147483661" r:id="rId1"/>
+    <p:sldLayoutId id="2147483662" r:id="rId2"/>
+    <p:sldLayoutId id="2147483663" r:id="rId3"/>
+    <p:sldLayoutId id="2147483664" r:id="rId4"/>
+    <p:sldLayoutId id="2147483665" r:id="rId5"/>
+    <p:sldLayoutId id="2147483666" r:id="rId6"/>
+    <p:sldLayoutId id="2147483667" r:id="rId7"/>
+    <p:sldLayoutId id="2147483668" r:id="rId8"/>
+    <p:sldLayoutId id="2147483669" r:id="rId9"/>
+    <p:sldLayoutId id="2147483670" r:id="rId10"/>
+    <p:sldLayoutId id="2147483671" r:id="rId11"/>
   </p:sldLayoutIdLst>
   <p:txStyles>
     <p:titleStyle>
@@ -3361,10 +2985,10 @@
         </p:nvGrpSpPr>
         <p:grpSpPr>
           <a:xfrm>
-            <a:off x="1856775" y="823611"/>
-            <a:ext cx="7546350" cy="5102997"/>
-            <a:chOff x="1856775" y="823611"/>
-            <a:chExt cx="7546350" cy="5102997"/>
+            <a:off x="0" y="0"/>
+            <a:ext cx="9091232" cy="6773333"/>
+            <a:chOff x="1891247" y="823611"/>
+            <a:chExt cx="7468530" cy="5102997"/>
           </a:xfrm>
         </p:grpSpPr>
         <p:sp>
@@ -3381,11 +3005,14 @@
           </p:nvSpPr>
           <p:spPr>
             <a:xfrm>
-              <a:off x="6047049" y="3425964"/>
-              <a:ext cx="436902" cy="324512"/>
+              <a:off x="6015680" y="3425964"/>
+              <a:ext cx="199149" cy="221834"/>
             </a:xfrm>
             <a:prstGeom prst="rightArrow">
-              <a:avLst/>
+              <a:avLst>
+                <a:gd name="adj1" fmla="val 50000"/>
+                <a:gd name="adj2" fmla="val 47936"/>
+              </a:avLst>
             </a:prstGeom>
             <a:solidFill>
               <a:schemeClr val="bg1"/>
@@ -3417,7 +3044,7 @@
             <a:lstStyle/>
             <a:p>
               <a:pPr algn="ctr"/>
-              <a:endParaRPr lang="en-GB"/>
+              <a:endParaRPr lang="en-GB" sz="1350"/>
             </a:p>
           </p:txBody>
         </p:sp>
@@ -3435,8 +3062,8 @@
           </p:nvSpPr>
           <p:spPr>
             <a:xfrm>
-              <a:off x="6564968" y="1235926"/>
-              <a:ext cx="2760927" cy="4690681"/>
+              <a:off x="6275819" y="1235926"/>
+              <a:ext cx="3050078" cy="4690681"/>
             </a:xfrm>
             <a:prstGeom prst="rect">
               <a:avLst/>
@@ -3472,7 +3099,7 @@
             <a:lstStyle/>
             <a:p>
               <a:pPr algn="ctr"/>
-              <a:endParaRPr lang="en-GB" dirty="0"/>
+              <a:endParaRPr lang="en-GB" sz="1350" dirty="0"/>
             </a:p>
           </p:txBody>
         </p:sp>
@@ -3490,8 +3117,8 @@
           </p:nvSpPr>
           <p:spPr>
             <a:xfrm>
-              <a:off x="7110444" y="830996"/>
-              <a:ext cx="1190329" cy="487490"/>
+              <a:off x="7310259" y="831252"/>
+              <a:ext cx="1270344" cy="365161"/>
             </a:xfrm>
             <a:prstGeom prst="rect">
               <a:avLst/>
@@ -3505,9 +3132,10 @@
             <a:lstStyle/>
             <a:p>
               <a:r>
-                <a:rPr lang="en-GB" b="1" dirty="0"/>
+                <a:rPr lang="en-GB" sz="2400" b="1" dirty="0"/>
                 <a:t>Validation</a:t>
               </a:r>
+              <a:endParaRPr lang="en-GB" sz="1350" b="1" dirty="0"/>
             </a:p>
           </p:txBody>
         </p:sp>
@@ -3525,8 +3153,8 @@
           </p:nvSpPr>
           <p:spPr>
             <a:xfrm>
-              <a:off x="6674473" y="3862658"/>
-              <a:ext cx="2524246" cy="694547"/>
+              <a:off x="6336779" y="4363845"/>
+              <a:ext cx="2935536" cy="694547"/>
             </a:xfrm>
             <a:prstGeom prst="roundRect">
               <a:avLst/>
@@ -3562,7 +3190,7 @@
             <a:p>
               <a:pPr algn="ctr"/>
               <a:r>
-                <a:rPr lang="en-GB" sz="1600" dirty="0">
+                <a:rPr lang="en-GB" sz="2000" b="1" dirty="0">
                   <a:solidFill>
                     <a:schemeClr val="tx1"/>
                   </a:solidFill>
@@ -3570,26 +3198,26 @@
                 <a:t>Solar Induced Fluorescence</a:t>
               </a:r>
               <a:r>
-                <a:rPr lang="ja-JP" altLang="en-US" sz="1600" dirty="0">
+                <a:rPr lang="ja-JP" altLang="en-US" sz="2000" b="1" dirty="0">
                   <a:solidFill>
                     <a:schemeClr val="tx1"/>
                   </a:solidFill>
                 </a:rPr>
                 <a:t>　</a:t>
               </a:r>
-              <a:endParaRPr lang="en-GB" altLang="ja-JP" sz="1600" dirty="0">
+              <a:endParaRPr lang="en-GB" altLang="ja-JP" sz="2000" b="1" dirty="0">
                 <a:solidFill>
                   <a:schemeClr val="tx1"/>
                 </a:solidFill>
               </a:endParaRPr>
             </a:p>
             <a:p>
-              <a:pPr marL="285750" indent="-285750">
+              <a:pPr marL="214313" indent="-214313">
                 <a:buFont typeface="Arial" panose="020B0604020202020204" pitchFamily="34" charset="0"/>
                 <a:buChar char="•"/>
               </a:pPr>
               <a:r>
-                <a:rPr lang="en-GB" sz="1400" dirty="0">
+                <a:rPr lang="en-GB" sz="1600" dirty="0">
                   <a:solidFill>
                     <a:schemeClr val="tx1"/>
                   </a:solidFill>
@@ -3598,12 +3226,12 @@
               </a:r>
             </a:p>
             <a:p>
-              <a:pPr marL="285750" indent="-285750">
+              <a:pPr marL="214313" indent="-214313">
                 <a:buFont typeface="Arial" panose="020B0604020202020204" pitchFamily="34" charset="0"/>
                 <a:buChar char="•"/>
               </a:pPr>
               <a:r>
-                <a:rPr lang="en-GB" sz="1400" dirty="0">
+                <a:rPr lang="en-GB" sz="1600" dirty="0">
                   <a:solidFill>
                     <a:schemeClr val="tx1"/>
                   </a:solidFill>
@@ -3627,8 +3255,8 @@
           </p:nvSpPr>
           <p:spPr>
             <a:xfrm>
-              <a:off x="6674473" y="4663207"/>
-              <a:ext cx="2513661" cy="1132981"/>
+              <a:off x="6330774" y="5101639"/>
+              <a:ext cx="2935536" cy="694548"/>
             </a:xfrm>
             <a:prstGeom prst="roundRect">
               <a:avLst/>
@@ -3663,49 +3291,35 @@
             <a:lstStyle/>
             <a:p>
               <a:r>
+                <a:rPr lang="en-GB" sz="2000" b="1" dirty="0">
+                  <a:solidFill>
+                    <a:schemeClr val="tx1"/>
+                  </a:solidFill>
+                </a:rPr>
+                <a:t>Long-term trend and variations</a:t>
+              </a:r>
+            </a:p>
+            <a:p>
+              <a:pPr marL="214313" indent="-214313">
+                <a:buFont typeface="Arial" panose="020B0604020202020204" pitchFamily="34" charset="0"/>
+                <a:buChar char="•"/>
+              </a:pPr>
+              <a:r>
                 <a:rPr lang="en-GB" sz="1600" dirty="0">
                   <a:solidFill>
                     <a:schemeClr val="tx1"/>
                   </a:solidFill>
                 </a:rPr>
-                <a:t>Satellite-based products</a:t>
+                <a:t>Interannual trend</a:t>
               </a:r>
             </a:p>
             <a:p>
-              <a:pPr marL="285750" indent="-285750">
+              <a:pPr marL="214313" indent="-214313">
                 <a:buFont typeface="Arial" panose="020B0604020202020204" pitchFamily="34" charset="0"/>
                 <a:buChar char="•"/>
               </a:pPr>
               <a:r>
-                <a:rPr lang="en-GB" sz="1400" dirty="0">
-                  <a:solidFill>
-                    <a:schemeClr val="tx1"/>
-                  </a:solidFill>
-                </a:rPr>
-                <a:t>Annual trend</a:t>
-              </a:r>
-            </a:p>
-            <a:p>
-              <a:pPr marL="285750" indent="-285750">
-                <a:buFont typeface="Arial" panose="020B0604020202020204" pitchFamily="34" charset="0"/>
-                <a:buChar char="•"/>
-              </a:pPr>
-              <a:r>
-                <a:rPr lang="en-GB" sz="1400" dirty="0">
-                  <a:solidFill>
-                    <a:schemeClr val="tx1"/>
-                  </a:solidFill>
-                </a:rPr>
-                <a:t>Latitudinal variations</a:t>
-              </a:r>
-            </a:p>
-            <a:p>
-              <a:pPr marL="285750" indent="-285750">
-                <a:buFont typeface="Arial" panose="020B0604020202020204" pitchFamily="34" charset="0"/>
-                <a:buChar char="•"/>
-              </a:pPr>
-              <a:r>
-                <a:rPr lang="en-GB" sz="1400" dirty="0">
+                <a:rPr lang="en-GB" sz="1600" dirty="0">
                   <a:solidFill>
                     <a:schemeClr val="tx1"/>
                   </a:solidFill>
@@ -3729,8 +3343,8 @@
           </p:nvSpPr>
           <p:spPr>
             <a:xfrm>
-              <a:off x="6564968" y="1350725"/>
-              <a:ext cx="2838157" cy="1323439"/>
+              <a:off x="6398536" y="1244624"/>
+              <a:ext cx="2961241" cy="1182574"/>
             </a:xfrm>
             <a:prstGeom prst="rect">
               <a:avLst/>
@@ -3749,33 +3363,43 @@
               </a:r>
             </a:p>
             <a:p>
-              <a:pPr marL="285750" indent="-285750">
+              <a:pPr marL="214313" indent="-214313">
+                <a:buFont typeface="Arial" panose="020B0604020202020204" pitchFamily="34" charset="0"/>
+                <a:buChar char="•"/>
+              </a:pPr>
+              <a:r>
+                <a:rPr lang="en-GB" sz="1600" b="1" dirty="0"/>
+                <a:t>FluxFormer</a:t>
+              </a:r>
+            </a:p>
+            <a:p>
+              <a:pPr marL="214313" indent="-214313">
                 <a:buFont typeface="Arial" panose="020B0604020202020204" pitchFamily="34" charset="0"/>
                 <a:buChar char="•"/>
               </a:pPr>
               <a:r>
                 <a:rPr lang="en-GB" sz="1600" dirty="0"/>
-                <a:t>FLUXCOM</a:t>
+                <a:t>FluxCom</a:t>
               </a:r>
             </a:p>
             <a:p>
-              <a:pPr marL="285750" indent="-285750">
+              <a:pPr marL="214313" indent="-214313">
                 <a:buFont typeface="Arial" panose="020B0604020202020204" pitchFamily="34" charset="0"/>
                 <a:buChar char="•"/>
               </a:pPr>
               <a:r>
                 <a:rPr lang="en-GB" sz="1600" dirty="0"/>
-                <a:t>NIES</a:t>
+                <a:t>NIES dataset</a:t>
               </a:r>
             </a:p>
             <a:p>
-              <a:pPr marL="285750" indent="-285750">
+              <a:pPr marL="214313" indent="-214313">
                 <a:buFont typeface="Arial" panose="020B0604020202020204" pitchFamily="34" charset="0"/>
                 <a:buChar char="•"/>
               </a:pPr>
               <a:r>
                 <a:rPr lang="en-GB" sz="1600" dirty="0"/>
-                <a:t>METAFLUX</a:t>
+                <a:t>MetaFlux</a:t>
               </a:r>
             </a:p>
           </p:txBody>
@@ -3831,7 +3455,7 @@
             <a:lstStyle/>
             <a:p>
               <a:pPr algn="ctr"/>
-              <a:endParaRPr lang="en-GB" dirty="0"/>
+              <a:endParaRPr lang="en-GB" sz="1350" dirty="0"/>
             </a:p>
           </p:txBody>
         </p:sp>
@@ -3886,7 +3510,7 @@
             <a:p>
               <a:pPr algn="ctr"/>
               <a:r>
-                <a:rPr lang="en-GB" sz="1400" dirty="0">
+                <a:rPr lang="en-GB" dirty="0">
                   <a:solidFill>
                     <a:schemeClr val="tx1"/>
                   </a:solidFill>
@@ -3947,18 +3571,11 @@
             <a:p>
               <a:pPr algn="ctr"/>
               <a:r>
-                <a:rPr lang="en-GB" sz="1400" dirty="0">
+                <a:rPr lang="en-GB" dirty="0">
                   <a:ln w="0"/>
                   <a:solidFill>
                     <a:schemeClr val="tx1"/>
                   </a:solidFill>
-                  <a:effectLst>
-                    <a:outerShdw blurRad="38100" dist="19050" dir="2700000" algn="tl" rotWithShape="0">
-                      <a:schemeClr val="dk1">
-                        <a:alpha val="40000"/>
-                      </a:schemeClr>
-                    </a:outerShdw>
-                  </a:effectLst>
                 </a:rPr>
                 <a:t>Transformer Encoder</a:t>
               </a:r>
@@ -3979,8 +3596,8 @@
           </p:nvSpPr>
           <p:spPr>
             <a:xfrm>
-              <a:off x="1891247" y="2006169"/>
-              <a:ext cx="1831677" cy="338554"/>
+              <a:off x="1891247" y="2006170"/>
+              <a:ext cx="1831677" cy="292129"/>
             </a:xfrm>
             <a:prstGeom prst="rect">
               <a:avLst/>
@@ -3994,7 +3611,7 @@
             <a:lstStyle/>
             <a:p>
               <a:r>
-                <a:rPr lang="en-GB" sz="1600" dirty="0"/>
+                <a:rPr lang="en-GB" dirty="0"/>
                 <a:t>MVTS Transformer</a:t>
               </a:r>
             </a:p>
@@ -4051,7 +3668,7 @@
             <a:lstStyle/>
             <a:p>
               <a:pPr algn="ctr"/>
-              <a:endParaRPr lang="en-GB" dirty="0"/>
+              <a:endParaRPr lang="en-GB" sz="1350" dirty="0"/>
             </a:p>
           </p:txBody>
         </p:sp>
@@ -4069,8 +3686,8 @@
           </p:nvSpPr>
           <p:spPr>
             <a:xfrm>
-              <a:off x="3266847" y="3613358"/>
-              <a:ext cx="566181" cy="1169551"/>
+              <a:off x="3261712" y="3613357"/>
+              <a:ext cx="576454" cy="1168517"/>
             </a:xfrm>
             <a:prstGeom prst="rect">
               <a:avLst/>
@@ -4085,35 +3702,35 @@
             <a:p>
               <a:pPr algn="ctr"/>
               <a:r>
-                <a:rPr lang="en-GB" sz="1400" dirty="0"/>
+                <a:rPr lang="en-GB" dirty="0"/>
                 <a:t>RS </a:t>
               </a:r>
             </a:p>
             <a:p>
               <a:pPr algn="ctr"/>
               <a:r>
-                <a:rPr lang="en-GB" sz="1400" dirty="0"/>
+                <a:rPr lang="en-GB" dirty="0"/>
                 <a:t>+</a:t>
               </a:r>
             </a:p>
             <a:p>
               <a:pPr algn="ctr"/>
               <a:r>
-                <a:rPr lang="en-GB" sz="1400" dirty="0"/>
+                <a:rPr lang="en-GB" dirty="0"/>
                 <a:t>ERA5</a:t>
               </a:r>
             </a:p>
             <a:p>
               <a:pPr algn="ctr"/>
               <a:r>
-                <a:rPr lang="en-GB" sz="1400" dirty="0"/>
+                <a:rPr lang="en-GB" dirty="0"/>
                 <a:t>+</a:t>
               </a:r>
             </a:p>
             <a:p>
               <a:pPr algn="ctr"/>
               <a:r>
-                <a:rPr lang="en-GB" sz="1400" dirty="0"/>
+                <a:rPr lang="en-GB" dirty="0"/>
                 <a:t>PFTs</a:t>
               </a:r>
             </a:p>
@@ -4164,7 +3781,7 @@
             <a:lstStyle/>
             <a:p>
               <a:pPr algn="ctr"/>
-              <a:endParaRPr lang="en-GB"/>
+              <a:endParaRPr lang="en-GB" sz="1350"/>
             </a:p>
           </p:txBody>
         </p:sp>
@@ -4213,7 +3830,7 @@
             <a:lstStyle/>
             <a:p>
               <a:pPr algn="ctr"/>
-              <a:endParaRPr lang="en-GB" dirty="0"/>
+              <a:endParaRPr lang="en-GB" sz="1350" dirty="0"/>
             </a:p>
           </p:txBody>
         </p:sp>
@@ -4233,8 +3850,8 @@
               </p:nvSpPr>
               <p:spPr>
                 <a:xfrm>
-                  <a:off x="3584184" y="4654441"/>
-                  <a:ext cx="663767" cy="446781"/>
+                  <a:off x="3765277" y="4662521"/>
+                  <a:ext cx="524382" cy="347816"/>
                 </a:xfrm>
                 <a:prstGeom prst="rect">
                   <a:avLst/>
@@ -4257,14 +3874,14 @@
                         <m:sSub>
                           <m:sSubPr>
                             <m:ctrlPr>
-                              <a:rPr lang="en-GB" sz="1050" i="1" smtClean="0">
+                              <a:rPr lang="en-GB" sz="1200" i="1">
                                 <a:latin typeface="Cambria Math" panose="02040503050406030204" pitchFamily="18" charset="0"/>
                               </a:rPr>
                             </m:ctrlPr>
                           </m:sSubPr>
                           <m:e>
                             <m:r>
-                              <a:rPr lang="en-GB" sz="1050" b="0" i="1" smtClean="0">
+                              <a:rPr lang="en-GB" sz="1200" i="1">
                                 <a:latin typeface="Cambria Math" panose="02040503050406030204" pitchFamily="18" charset="0"/>
                               </a:rPr>
                               <m:t>𝑡</m:t>
@@ -4272,7 +3889,7 @@
                           </m:e>
                           <m:sub>
                             <m:r>
-                              <a:rPr lang="en-GB" sz="1050" b="0" i="1" smtClean="0">
+                              <a:rPr lang="en-GB" sz="1200" i="1">
                                 <a:latin typeface="Cambria Math" panose="02040503050406030204" pitchFamily="18" charset="0"/>
                               </a:rPr>
                               <m:t>1</m:t>
@@ -4282,7 +3899,7 @@
                       </m:oMath>
                     </m:oMathPara>
                   </a14:m>
-                  <a:endParaRPr lang="en-GB" sz="1050" i="1" dirty="0">
+                  <a:endParaRPr lang="en-GB" sz="1200" i="1" dirty="0">
                     <a:latin typeface="Cambria Math" panose="02040503050406030204" pitchFamily="18" charset="0"/>
                   </a:endParaRPr>
                 </a:p>
@@ -4295,21 +3912,15 @@
                       </m:oMathParaPr>
                       <m:oMath xmlns:m="http://schemas.openxmlformats.org/officeDocument/2006/math">
                         <m:r>
-                          <a:rPr lang="en-GB" sz="1050" i="1" smtClean="0">
+                          <a:rPr lang="en-GB" sz="1200" i="1">
                             <a:latin typeface="Cambria Math" panose="02040503050406030204" pitchFamily="18" charset="0"/>
                           </a:rPr>
-                          <m:t>0</m:t>
-                        </m:r>
-                        <m:r>
-                          <a:rPr lang="en-GB" sz="1050" b="0" i="1" smtClean="0">
-                            <a:latin typeface="Cambria Math" panose="02040503050406030204" pitchFamily="18" charset="0"/>
-                          </a:rPr>
-                          <m:t>1/01</m:t>
+                          <m:t>01/01</m:t>
                         </m:r>
                       </m:oMath>
                     </m:oMathPara>
                   </a14:m>
-                  <a:endParaRPr lang="en-GB" sz="1050" dirty="0">
+                  <a:endParaRPr lang="en-GB" sz="1200" dirty="0">
                     <a:latin typeface="Symbol" panose="05050102010706020507" pitchFamily="18" charset="2"/>
                   </a:endParaRPr>
                 </a:p>
@@ -4333,8 +3944,8 @@
               </p:nvSpPr>
               <p:spPr>
                 <a:xfrm>
-                  <a:off x="3584184" y="4654441"/>
-                  <a:ext cx="663767" cy="446781"/>
+                  <a:off x="3765277" y="4662521"/>
+                  <a:ext cx="524382" cy="347816"/>
                 </a:xfrm>
                 <a:prstGeom prst="rect">
                   <a:avLst/>
@@ -4342,7 +3953,7 @@
                 <a:blipFill>
                   <a:blip r:embed="rId2"/>
                   <a:stretch>
-                    <a:fillRect/>
+                    <a:fillRect b="-2632"/>
                   </a:stretch>
                 </a:blipFill>
               </p:spPr>
@@ -4377,8 +3988,8 @@
               </p:nvSpPr>
               <p:spPr>
                 <a:xfrm>
-                  <a:off x="4139918" y="4674853"/>
-                  <a:ext cx="617894" cy="414869"/>
+                  <a:off x="4212328" y="4667316"/>
+                  <a:ext cx="524382" cy="347816"/>
                 </a:xfrm>
                 <a:prstGeom prst="rect">
                   <a:avLst/>
@@ -4401,14 +4012,14 @@
                         <m:sSub>
                           <m:sSubPr>
                             <m:ctrlPr>
-                              <a:rPr lang="en-GB" sz="1000" i="1" smtClean="0">
+                              <a:rPr lang="en-GB" sz="1200" i="1">
                                 <a:latin typeface="Cambria Math" panose="02040503050406030204" pitchFamily="18" charset="0"/>
                               </a:rPr>
                             </m:ctrlPr>
                           </m:sSubPr>
                           <m:e>
                             <m:r>
-                              <a:rPr lang="en-GB" sz="1000" b="0" i="1" smtClean="0">
+                              <a:rPr lang="en-GB" sz="1200" i="1">
                                 <a:latin typeface="Cambria Math" panose="02040503050406030204" pitchFamily="18" charset="0"/>
                               </a:rPr>
                               <m:t>𝑡</m:t>
@@ -4416,7 +4027,7 @@
                           </m:e>
                           <m:sub>
                             <m:r>
-                              <a:rPr lang="en-GB" sz="1000" b="0" i="1" smtClean="0">
+                              <a:rPr lang="en-GB" sz="1200" i="1">
                                 <a:latin typeface="Cambria Math" panose="02040503050406030204" pitchFamily="18" charset="0"/>
                               </a:rPr>
                               <m:t>2</m:t>
@@ -4426,7 +4037,7 @@
                       </m:oMath>
                     </m:oMathPara>
                   </a14:m>
-                  <a:endParaRPr lang="en-GB" sz="1000" i="1" dirty="0">
+                  <a:endParaRPr lang="en-GB" sz="1200" i="1" dirty="0">
                     <a:latin typeface="Cambria Math" panose="02040503050406030204" pitchFamily="18" charset="0"/>
                   </a:endParaRPr>
                 </a:p>
@@ -4439,7 +4050,7 @@
                       </m:oMathParaPr>
                       <m:oMath xmlns:m="http://schemas.openxmlformats.org/officeDocument/2006/math">
                         <m:r>
-                          <a:rPr lang="en-GB" sz="1000" b="0" i="1" smtClean="0">
+                          <a:rPr lang="en-GB" sz="1200" i="1">
                             <a:latin typeface="Cambria Math" panose="02040503050406030204" pitchFamily="18" charset="0"/>
                           </a:rPr>
                           <m:t>01/10</m:t>
@@ -4447,7 +4058,7 @@
                       </m:oMath>
                     </m:oMathPara>
                   </a14:m>
-                  <a:endParaRPr lang="en-GB" sz="1000" dirty="0">
+                  <a:endParaRPr lang="en-GB" sz="1200" dirty="0">
                     <a:latin typeface="Symbol" panose="05050102010706020507" pitchFamily="18" charset="2"/>
                   </a:endParaRPr>
                 </a:p>
@@ -4471,8 +4082,8 @@
               </p:nvSpPr>
               <p:spPr>
                 <a:xfrm>
-                  <a:off x="4139918" y="4674853"/>
-                  <a:ext cx="617894" cy="414869"/>
+                  <a:off x="4212328" y="4667316"/>
+                  <a:ext cx="524382" cy="347816"/>
                 </a:xfrm>
                 <a:prstGeom prst="rect">
                   <a:avLst/>
@@ -4480,7 +4091,7 @@
                 <a:blipFill>
                   <a:blip r:embed="rId3"/>
                   <a:stretch>
-                    <a:fillRect/>
+                    <a:fillRect b="-2632"/>
                   </a:stretch>
                 </a:blipFill>
               </p:spPr>
@@ -4515,8 +4126,8 @@
               </p:nvSpPr>
               <p:spPr>
                 <a:xfrm>
-                  <a:off x="4756851" y="4641186"/>
-                  <a:ext cx="1248279" cy="414869"/>
+                  <a:off x="4817271" y="4646524"/>
+                  <a:ext cx="1089535" cy="347816"/>
                 </a:xfrm>
                 <a:prstGeom prst="rect">
                   <a:avLst/>
@@ -4539,14 +4150,14 @@
                         <m:sSub>
                           <m:sSubPr>
                             <m:ctrlPr>
-                              <a:rPr lang="en-GB" sz="1000" i="1" smtClean="0">
+                              <a:rPr lang="en-GB" sz="1200" i="1">
                                 <a:latin typeface="Cambria Math" panose="02040503050406030204" pitchFamily="18" charset="0"/>
                               </a:rPr>
                             </m:ctrlPr>
                           </m:sSubPr>
                           <m:e>
                             <m:r>
-                              <a:rPr lang="en-GB" sz="1000" b="0" i="1" smtClean="0">
+                              <a:rPr lang="en-GB" sz="1200" i="1">
                                 <a:latin typeface="Cambria Math" panose="02040503050406030204" pitchFamily="18" charset="0"/>
                               </a:rPr>
                               <m:t>𝑡</m:t>
@@ -4554,7 +4165,7 @@
                           </m:e>
                           <m:sub>
                             <m:r>
-                              <a:rPr lang="en-GB" sz="1000" b="0" i="1" smtClean="0">
+                              <a:rPr lang="en-GB" sz="1200" i="1">
                                 <a:latin typeface="Cambria Math" panose="02040503050406030204" pitchFamily="18" charset="0"/>
                               </a:rPr>
                               <m:t>𝑤</m:t>
@@ -4564,7 +4175,7 @@
                       </m:oMath>
                     </m:oMathPara>
                   </a14:m>
-                  <a:endParaRPr lang="en-GB" sz="1000" i="1" dirty="0">
+                  <a:endParaRPr lang="en-GB" sz="1200" i="1" dirty="0">
                     <a:latin typeface="Cambria Math" panose="02040503050406030204" pitchFamily="18" charset="0"/>
                   </a:endParaRPr>
                 </a:p>
@@ -4577,7 +4188,7 @@
                       </m:oMathParaPr>
                       <m:oMath xmlns:m="http://schemas.openxmlformats.org/officeDocument/2006/math">
                         <m:r>
-                          <a:rPr lang="en-GB" sz="1000" b="1" i="0" smtClean="0">
+                          <a:rPr lang="en-GB" sz="1200" b="1">
                             <a:solidFill>
                               <a:srgbClr val="FF0000"/>
                             </a:solidFill>
@@ -4586,37 +4197,37 @@
                           <m:t>𝐌</m:t>
                         </m:r>
                         <m:r>
-                          <a:rPr lang="en-GB" sz="1000" b="0" i="1" smtClean="0">
+                          <a:rPr lang="en-GB" sz="1200" i="1">
                             <a:latin typeface="Cambria Math" panose="02040503050406030204" pitchFamily="18" charset="0"/>
                           </a:rPr>
                           <m:t>/</m:t>
                         </m:r>
                         <m:r>
-                          <a:rPr lang="en-GB" sz="1000" b="0" i="1" smtClean="0">
+                          <a:rPr lang="en-GB" sz="1200" i="1">
                             <a:latin typeface="Cambria Math" panose="02040503050406030204" pitchFamily="18" charset="0"/>
                           </a:rPr>
                           <m:t>𝑒𝑛𝑑</m:t>
                         </m:r>
                         <m:r>
-                          <a:rPr lang="en-GB" sz="1000" b="0" i="1" smtClean="0">
+                          <a:rPr lang="en-GB" sz="1200" i="1">
                             <a:latin typeface="Cambria Math" panose="02040503050406030204" pitchFamily="18" charset="0"/>
                           </a:rPr>
                           <m:t>_</m:t>
                         </m:r>
                         <m:r>
-                          <a:rPr lang="en-GB" sz="1000" b="0" i="1" smtClean="0">
+                          <a:rPr lang="en-GB" sz="1200" i="1">
                             <a:latin typeface="Cambria Math" panose="02040503050406030204" pitchFamily="18" charset="0"/>
                           </a:rPr>
                           <m:t>𝑑𝑎𝑡𝑒</m:t>
                         </m:r>
                         <m:r>
-                          <a:rPr lang="en-GB" sz="1000" b="0" i="1" smtClean="0">
+                          <a:rPr lang="en-GB" sz="1200" i="1">
                             <a:latin typeface="Cambria Math" panose="02040503050406030204" pitchFamily="18" charset="0"/>
                           </a:rPr>
                           <m:t>(</m:t>
                         </m:r>
                         <m:r>
-                          <a:rPr lang="en-GB" sz="1000" b="1" i="0" smtClean="0">
+                          <a:rPr lang="en-GB" sz="1200" b="1">
                             <a:solidFill>
                               <a:srgbClr val="FF0000"/>
                             </a:solidFill>
@@ -4625,7 +4236,7 @@
                           <m:t>𝐌</m:t>
                         </m:r>
                         <m:r>
-                          <a:rPr lang="en-GB" sz="1000" b="0" i="1" smtClean="0">
+                          <a:rPr lang="en-GB" sz="1200" i="1">
                             <a:latin typeface="Cambria Math" panose="02040503050406030204" pitchFamily="18" charset="0"/>
                           </a:rPr>
                           <m:t>)</m:t>
@@ -4633,7 +4244,7 @@
                       </m:oMath>
                     </m:oMathPara>
                   </a14:m>
-                  <a:endParaRPr lang="en-GB" sz="1000" dirty="0">
+                  <a:endParaRPr lang="en-GB" sz="1200" dirty="0">
                     <a:latin typeface="Symbol" panose="05050102010706020507" pitchFamily="18" charset="2"/>
                   </a:endParaRPr>
                 </a:p>
@@ -4657,8 +4268,8 @@
               </p:nvSpPr>
               <p:spPr>
                 <a:xfrm>
-                  <a:off x="4756851" y="4641186"/>
-                  <a:ext cx="1248279" cy="414869"/>
+                  <a:off x="4817271" y="4646524"/>
+                  <a:ext cx="1089535" cy="347816"/>
                 </a:xfrm>
                 <a:prstGeom prst="rect">
                   <a:avLst/>
@@ -4666,7 +4277,7 @@
                 <a:blipFill>
                   <a:blip r:embed="rId4"/>
                   <a:stretch>
-                    <a:fillRect/>
+                    <a:fillRect b="-5263"/>
                   </a:stretch>
                 </a:blipFill>
               </p:spPr>
@@ -4701,8 +4312,8 @@
               </p:nvSpPr>
               <p:spPr>
                 <a:xfrm>
-                  <a:off x="3751090" y="3526521"/>
-                  <a:ext cx="1851563" cy="287217"/>
+                  <a:off x="3864243" y="3587959"/>
+                  <a:ext cx="1589521" cy="231878"/>
                 </a:xfrm>
                 <a:prstGeom prst="rect">
                   <a:avLst/>
@@ -4710,7 +4321,7 @@
                 <a:noFill/>
               </p:spPr>
               <p:txBody>
-                <a:bodyPr wrap="none" lIns="0" tIns="0" rIns="0" bIns="0" rtlCol="0">
+                <a:bodyPr wrap="square" lIns="0" tIns="0" rIns="0" bIns="0" rtlCol="0">
                   <a:spAutoFit/>
                 </a:bodyPr>
                 <a:lstStyle/>
@@ -4725,14 +4336,14 @@
                         <m:sSub>
                           <m:sSubPr>
                             <m:ctrlPr>
-                              <a:rPr lang="en-GB" i="1" smtClean="0">
+                              <a:rPr lang="en-GB" sz="2000" i="1" smtClean="0">
                                 <a:latin typeface="Cambria Math" panose="02040503050406030204" pitchFamily="18" charset="0"/>
                               </a:rPr>
                             </m:ctrlPr>
                           </m:sSubPr>
                           <m:e>
                             <m:r>
-                              <a:rPr lang="en-GB" b="0" i="1" smtClean="0">
+                              <a:rPr lang="en-GB" sz="2000" i="1">
                                 <a:latin typeface="Cambria Math" panose="02040503050406030204" pitchFamily="18" charset="0"/>
                               </a:rPr>
                               <m:t>𝑥</m:t>
@@ -4740,7 +4351,7 @@
                           </m:e>
                           <m:sub>
                             <m:r>
-                              <a:rPr lang="en-GB" b="0" i="1" smtClean="0">
+                              <a:rPr lang="en-GB" sz="2000" i="1">
                                 <a:latin typeface="Cambria Math" panose="02040503050406030204" pitchFamily="18" charset="0"/>
                               </a:rPr>
                               <m:t>11</m:t>
@@ -4750,20 +4361,20 @@
                         <m:sSub>
                           <m:sSubPr>
                             <m:ctrlPr>
-                              <a:rPr lang="en-GB" i="1" smtClean="0">
+                              <a:rPr lang="en-GB" sz="2000" i="1">
                                 <a:latin typeface="Cambria Math" panose="02040503050406030204" pitchFamily="18" charset="0"/>
                               </a:rPr>
                             </m:ctrlPr>
                           </m:sSubPr>
                           <m:e>
                             <m:r>
-                              <a:rPr lang="en-GB" b="0" i="1" smtClean="0">
+                              <a:rPr lang="en-GB" sz="2000" i="1">
                                 <a:latin typeface="Cambria Math" panose="02040503050406030204" pitchFamily="18" charset="0"/>
                               </a:rPr>
                               <m:t>  </m:t>
                             </m:r>
                             <m:r>
-                              <a:rPr lang="en-GB" b="0" i="1" smtClean="0">
+                              <a:rPr lang="en-GB" sz="2000" i="1">
                                 <a:latin typeface="Cambria Math" panose="02040503050406030204" pitchFamily="18" charset="0"/>
                               </a:rPr>
                               <m:t>𝑥</m:t>
@@ -4771,7 +4382,7 @@
                           </m:e>
                           <m:sub>
                             <m:r>
-                              <a:rPr lang="en-GB" b="0" i="1" smtClean="0">
+                              <a:rPr lang="en-GB" sz="2000" i="1">
                                 <a:latin typeface="Cambria Math" panose="02040503050406030204" pitchFamily="18" charset="0"/>
                               </a:rPr>
                               <m:t>12</m:t>
@@ -4779,34 +4390,40 @@
                           </m:sub>
                         </m:sSub>
                         <m:r>
-                          <a:rPr lang="en-GB" b="0" i="1" smtClean="0">
+                          <a:rPr lang="en-GB" sz="2000" b="0" i="1" smtClean="0">
                             <a:latin typeface="Cambria Math" panose="02040503050406030204" pitchFamily="18" charset="0"/>
                           </a:rPr>
-                          <m:t>  </m:t>
+                          <m:t>   </m:t>
                         </m:r>
                         <m:r>
-                          <a:rPr lang="en-GB" i="1" smtClean="0">
+                          <a:rPr lang="en-GB" sz="2000" i="1">
                             <a:latin typeface="Cambria Math" panose="02040503050406030204" pitchFamily="18" charset="0"/>
                           </a:rPr>
                           <m:t>…</m:t>
                         </m:r>
+                        <m:r>
+                          <a:rPr lang="en-GB" sz="2000" b="0" i="1" smtClean="0">
+                            <a:latin typeface="Cambria Math" panose="02040503050406030204" pitchFamily="18" charset="0"/>
+                          </a:rPr>
+                          <m:t> </m:t>
+                        </m:r>
                         <m:sSub>
                           <m:sSubPr>
                             <m:ctrlPr>
-                              <a:rPr lang="en-GB" i="1" smtClean="0">
+                              <a:rPr lang="en-GB" sz="2000" i="1">
                                 <a:latin typeface="Cambria Math" panose="02040503050406030204" pitchFamily="18" charset="0"/>
                               </a:rPr>
                             </m:ctrlPr>
                           </m:sSubPr>
                           <m:e>
                             <m:r>
-                              <a:rPr lang="en-GB" b="0" i="1" smtClean="0">
+                              <a:rPr lang="en-GB" sz="2000" i="1">
                                 <a:latin typeface="Cambria Math" panose="02040503050406030204" pitchFamily="18" charset="0"/>
                               </a:rPr>
                               <m:t>    </m:t>
                             </m:r>
                             <m:r>
-                              <a:rPr lang="en-GB" b="0" i="1" smtClean="0">
+                              <a:rPr lang="en-GB" sz="2000" i="1">
                                 <a:latin typeface="Cambria Math" panose="02040503050406030204" pitchFamily="18" charset="0"/>
                               </a:rPr>
                               <m:t>𝑥</m:t>
@@ -4814,13 +4431,13 @@
                           </m:e>
                           <m:sub>
                             <m:r>
-                              <a:rPr lang="en-GB" b="0" i="1" smtClean="0">
+                              <a:rPr lang="en-GB" sz="2000" i="1">
                                 <a:latin typeface="Cambria Math" panose="02040503050406030204" pitchFamily="18" charset="0"/>
                               </a:rPr>
                               <m:t>1</m:t>
                             </m:r>
                             <m:r>
-                              <a:rPr lang="en-GB" b="0" i="1" smtClean="0">
+                              <a:rPr lang="en-GB" sz="2000" i="1">
                                 <a:latin typeface="Cambria Math" panose="02040503050406030204" pitchFamily="18" charset="0"/>
                               </a:rPr>
                               <m:t>𝑤</m:t>
@@ -4830,7 +4447,7 @@
                       </m:oMath>
                     </m:oMathPara>
                   </a14:m>
-                  <a:endParaRPr lang="en-GB" dirty="0"/>
+                  <a:endParaRPr lang="en-GB" sz="2000" dirty="0"/>
                 </a:p>
               </p:txBody>
             </p:sp>
@@ -4852,8 +4469,8 @@
               </p:nvSpPr>
               <p:spPr>
                 <a:xfrm>
-                  <a:off x="3751090" y="3526521"/>
-                  <a:ext cx="1851563" cy="287217"/>
+                  <a:off x="3864243" y="3587959"/>
+                  <a:ext cx="1589521" cy="231878"/>
                 </a:xfrm>
                 <a:prstGeom prst="rect">
                   <a:avLst/>
@@ -4861,7 +4478,7 @@
                 <a:blipFill>
                   <a:blip r:embed="rId5"/>
                   <a:stretch>
-                    <a:fillRect b="-10417"/>
+                    <a:fillRect l="-2524" r="-1577" b="-16000"/>
                   </a:stretch>
                 </a:blipFill>
               </p:spPr>
@@ -4895,7 +4512,7 @@
           <p:spPr>
             <a:xfrm>
               <a:off x="3890812" y="4209932"/>
-              <a:ext cx="97050" cy="287217"/>
+              <a:ext cx="97051" cy="276999"/>
             </a:xfrm>
             <a:prstGeom prst="rect">
               <a:avLst/>
@@ -4908,12 +4525,12 @@
             </a:bodyPr>
             <a:lstStyle/>
             <a:p>
-              <a:endParaRPr lang="en-GB" dirty="0"/>
+              <a:endParaRPr lang="en-GB" sz="1350" dirty="0"/>
             </a:p>
           </p:txBody>
         </p:sp>
-        <mc:AlternateContent xmlns:mc="http://schemas.openxmlformats.org/markup-compatibility/2006" xmlns:a14="http://schemas.microsoft.com/office/drawing/2010/main">
-          <mc:Choice Requires="a14">
+        <mc:AlternateContent xmlns:mc="http://schemas.openxmlformats.org/markup-compatibility/2006">
+          <mc:Choice xmlns:a14="http://schemas.microsoft.com/office/drawing/2010/main" Requires="a14">
             <p:sp>
               <p:nvSpPr>
                 <p:cNvPr id="137" name="TextBox 136">
@@ -4928,8 +4545,8 @@
               </p:nvSpPr>
               <p:spPr>
                 <a:xfrm>
-                  <a:off x="1899077" y="4864782"/>
-                  <a:ext cx="1284607" cy="236440"/>
+                  <a:off x="2029685" y="4856628"/>
+                  <a:ext cx="797661" cy="231878"/>
                 </a:xfrm>
                 <a:prstGeom prst="rect">
                   <a:avLst/>
@@ -4952,7 +4569,7 @@
                         <m:sSub>
                           <m:sSubPr>
                             <m:ctrlPr>
-                              <a:rPr lang="en-GB" sz="2000" i="1" smtClean="0">
+                              <a:rPr lang="en-GB" sz="2000" i="1">
                                 <a:solidFill>
                                   <a:srgbClr val="FF0000"/>
                                 </a:solidFill>
@@ -4962,7 +4579,7 @@
                           </m:sSubPr>
                           <m:e>
                             <m:r>
-                              <a:rPr lang="en-GB" sz="2000" i="1" smtClean="0">
+                              <a:rPr lang="en-GB" sz="2000" i="1">
                                 <a:solidFill>
                                   <a:srgbClr val="FF0000"/>
                                 </a:solidFill>
@@ -4984,7 +4601,7 @@
                           </m:sub>
                         </m:sSub>
                         <m:r>
-                          <a:rPr lang="en-GB" sz="2000" i="0">
+                          <a:rPr lang="en-GB" sz="2000">
                             <a:solidFill>
                               <a:srgbClr val="FF0000"/>
                             </a:solidFill>
@@ -5005,13 +4622,13 @@
                           </m:sSupPr>
                           <m:e>
                             <m:r>
-                              <a:rPr lang="en-GB" sz="2000" i="1">
+                              <a:rPr lang="en-GB" sz="2000" i="1" smtClean="0">
                                 <a:solidFill>
                                   <a:srgbClr val="FF0000"/>
                                 </a:solidFill>
                                 <a:latin typeface="Cambria Math" panose="02040503050406030204" pitchFamily="18" charset="0"/>
                               </a:rPr>
-                              <m:t>𝑅</m:t>
+                              <m:t>ℝ</m:t>
                             </m:r>
                           </m:e>
                           <m:sup>
@@ -5038,7 +4655,7 @@
               </p:txBody>
             </p:sp>
           </mc:Choice>
-          <mc:Fallback xmlns="">
+          <mc:Fallback>
             <p:sp>
               <p:nvSpPr>
                 <p:cNvPr id="137" name="TextBox 136">
@@ -5055,8 +4672,8 @@
               </p:nvSpPr>
               <p:spPr>
                 <a:xfrm>
-                  <a:off x="1899077" y="4864782"/>
-                  <a:ext cx="1284607" cy="236440"/>
+                  <a:off x="2029685" y="4856628"/>
+                  <a:ext cx="797661" cy="231878"/>
                 </a:xfrm>
                 <a:prstGeom prst="rect">
                   <a:avLst/>
@@ -5064,7 +4681,7 @@
                 <a:blipFill>
                   <a:blip r:embed="rId6"/>
                   <a:stretch>
-                    <a:fillRect b="-48718"/>
+                    <a:fillRect l="-3774" r="-629" b="-13725"/>
                   </a:stretch>
                 </a:blipFill>
               </p:spPr>
@@ -5097,8 +4714,8 @@
           </p:nvSpPr>
           <p:spPr>
             <a:xfrm>
-              <a:off x="4384854" y="4974816"/>
-              <a:ext cx="816718" cy="287217"/>
+              <a:off x="4384853" y="4974816"/>
+              <a:ext cx="816719" cy="267785"/>
             </a:xfrm>
             <a:prstGeom prst="rect">
               <a:avLst/>
@@ -5112,7 +4729,7 @@
             <a:lstStyle/>
             <a:p>
               <a:r>
-                <a:rPr lang="en-GB" sz="1200" i="1" dirty="0"/>
+                <a:rPr lang="en-GB" sz="1600" i="1" dirty="0"/>
                 <a:t>(mm/dd)</a:t>
               </a:r>
             </a:p>
@@ -5134,8 +4751,8 @@
               </p:nvSpPr>
               <p:spPr>
                 <a:xfrm>
-                  <a:off x="3786693" y="3795504"/>
-                  <a:ext cx="1812675" cy="287217"/>
+                  <a:off x="3865089" y="3841827"/>
+                  <a:ext cx="1584443" cy="231878"/>
                 </a:xfrm>
                 <a:prstGeom prst="rect">
                   <a:avLst/>
@@ -5143,7 +4760,7 @@
                 <a:noFill/>
               </p:spPr>
               <p:txBody>
-                <a:bodyPr wrap="none" lIns="0" tIns="0" rIns="0" bIns="0" rtlCol="0">
+                <a:bodyPr wrap="square" lIns="0" tIns="0" rIns="0" bIns="0" rtlCol="0">
                   <a:spAutoFit/>
                 </a:bodyPr>
                 <a:lstStyle/>
@@ -5158,14 +4775,14 @@
                         <m:sSub>
                           <m:sSubPr>
                             <m:ctrlPr>
-                              <a:rPr lang="en-GB" i="1" smtClean="0">
+                              <a:rPr lang="en-GB" sz="2000" i="1" smtClean="0">
                                 <a:latin typeface="Cambria Math" panose="02040503050406030204" pitchFamily="18" charset="0"/>
                               </a:rPr>
                             </m:ctrlPr>
                           </m:sSubPr>
                           <m:e>
                             <m:r>
-                              <a:rPr lang="en-GB" b="0" i="1" smtClean="0">
+                              <a:rPr lang="en-GB" sz="2000" i="1">
                                 <a:latin typeface="Cambria Math" panose="02040503050406030204" pitchFamily="18" charset="0"/>
                               </a:rPr>
                               <m:t>𝑥</m:t>
@@ -5173,7 +4790,7 @@
                           </m:e>
                           <m:sub>
                             <m:r>
-                              <a:rPr lang="en-GB" b="0" i="1" smtClean="0">
+                              <a:rPr lang="en-GB" sz="2000" i="1">
                                 <a:latin typeface="Cambria Math" panose="02040503050406030204" pitchFamily="18" charset="0"/>
                               </a:rPr>
                               <m:t>21</m:t>
@@ -5183,20 +4800,20 @@
                         <m:sSub>
                           <m:sSubPr>
                             <m:ctrlPr>
-                              <a:rPr lang="en-GB" i="1" smtClean="0">
+                              <a:rPr lang="en-GB" sz="2000" i="1">
                                 <a:latin typeface="Cambria Math" panose="02040503050406030204" pitchFamily="18" charset="0"/>
                               </a:rPr>
                             </m:ctrlPr>
                           </m:sSubPr>
                           <m:e>
                             <m:r>
-                              <a:rPr lang="en-GB" b="0" i="1" smtClean="0">
+                              <a:rPr lang="en-GB" sz="2000" i="1">
                                 <a:latin typeface="Cambria Math" panose="02040503050406030204" pitchFamily="18" charset="0"/>
                               </a:rPr>
                               <m:t>  </m:t>
                             </m:r>
                             <m:r>
-                              <a:rPr lang="en-GB" b="0" i="1" smtClean="0">
+                              <a:rPr lang="en-GB" sz="2000" i="1">
                                 <a:latin typeface="Cambria Math" panose="02040503050406030204" pitchFamily="18" charset="0"/>
                               </a:rPr>
                               <m:t>𝑥</m:t>
@@ -5204,7 +4821,7 @@
                           </m:e>
                           <m:sub>
                             <m:r>
-                              <a:rPr lang="en-GB" b="0" i="1" smtClean="0">
+                              <a:rPr lang="en-GB" sz="2000" i="1">
                                 <a:latin typeface="Cambria Math" panose="02040503050406030204" pitchFamily="18" charset="0"/>
                               </a:rPr>
                               <m:t>21</m:t>
@@ -5212,34 +4829,46 @@
                           </m:sub>
                         </m:sSub>
                         <m:r>
-                          <a:rPr lang="en-GB" b="0" i="1" smtClean="0">
+                          <a:rPr lang="en-GB" sz="2000" i="1">
                             <a:latin typeface="Cambria Math" panose="02040503050406030204" pitchFamily="18" charset="0"/>
                           </a:rPr>
                           <m:t> </m:t>
                         </m:r>
                         <m:r>
-                          <a:rPr lang="en-GB" i="1" smtClean="0">
+                          <a:rPr lang="en-GB" sz="2000" b="0" i="1" smtClean="0">
+                            <a:latin typeface="Cambria Math" panose="02040503050406030204" pitchFamily="18" charset="0"/>
+                          </a:rPr>
+                          <m:t>  </m:t>
+                        </m:r>
+                        <m:r>
+                          <a:rPr lang="en-GB" sz="2000" i="1">
                             <a:latin typeface="Cambria Math" panose="02040503050406030204" pitchFamily="18" charset="0"/>
                           </a:rPr>
                           <m:t>…</m:t>
                         </m:r>
+                        <m:r>
+                          <a:rPr lang="en-GB" sz="2000" b="0" i="1" smtClean="0">
+                            <a:latin typeface="Cambria Math" panose="02040503050406030204" pitchFamily="18" charset="0"/>
+                          </a:rPr>
+                          <m:t> </m:t>
+                        </m:r>
                         <m:sSub>
                           <m:sSubPr>
                             <m:ctrlPr>
-                              <a:rPr lang="en-GB" i="1" smtClean="0">
+                              <a:rPr lang="en-GB" sz="2000" i="1">
                                 <a:latin typeface="Cambria Math" panose="02040503050406030204" pitchFamily="18" charset="0"/>
                               </a:rPr>
                             </m:ctrlPr>
                           </m:sSubPr>
                           <m:e>
                             <m:r>
-                              <a:rPr lang="en-GB" b="0" i="1" smtClean="0">
+                              <a:rPr lang="en-GB" sz="2000" i="1">
                                 <a:latin typeface="Cambria Math" panose="02040503050406030204" pitchFamily="18" charset="0"/>
                               </a:rPr>
                               <m:t>    </m:t>
                             </m:r>
                             <m:r>
-                              <a:rPr lang="en-GB" b="0" i="1" smtClean="0">
+                              <a:rPr lang="en-GB" sz="2000" i="1">
                                 <a:latin typeface="Cambria Math" panose="02040503050406030204" pitchFamily="18" charset="0"/>
                               </a:rPr>
                               <m:t>𝑥</m:t>
@@ -5247,13 +4876,13 @@
                           </m:e>
                           <m:sub>
                             <m:r>
-                              <a:rPr lang="en-GB" b="0" i="1" smtClean="0">
+                              <a:rPr lang="en-GB" sz="2000" i="1">
                                 <a:latin typeface="Cambria Math" panose="02040503050406030204" pitchFamily="18" charset="0"/>
                               </a:rPr>
                               <m:t>2</m:t>
                             </m:r>
                             <m:r>
-                              <a:rPr lang="en-GB" b="0" i="1" smtClean="0">
+                              <a:rPr lang="en-GB" sz="2000" i="1">
                                 <a:latin typeface="Cambria Math" panose="02040503050406030204" pitchFamily="18" charset="0"/>
                               </a:rPr>
                               <m:t>𝑤</m:t>
@@ -5263,7 +4892,7 @@
                       </m:oMath>
                     </m:oMathPara>
                   </a14:m>
-                  <a:endParaRPr lang="en-GB" dirty="0"/>
+                  <a:endParaRPr lang="en-GB" sz="2000" dirty="0"/>
                 </a:p>
               </p:txBody>
             </p:sp>
@@ -5285,8 +4914,8 @@
               </p:nvSpPr>
               <p:spPr>
                 <a:xfrm>
-                  <a:off x="3786693" y="3795504"/>
-                  <a:ext cx="1812675" cy="287217"/>
+                  <a:off x="3865089" y="3841827"/>
+                  <a:ext cx="1584443" cy="231878"/>
                 </a:xfrm>
                 <a:prstGeom prst="rect">
                   <a:avLst/>
@@ -5294,7 +4923,7 @@
                 <a:blipFill>
                   <a:blip r:embed="rId7"/>
                   <a:stretch>
-                    <a:fillRect b="-10638"/>
+                    <a:fillRect l="-2839" r="-2208" b="-15686"/>
                   </a:stretch>
                 </a:blipFill>
               </p:spPr>
@@ -5329,8 +4958,8 @@
               </p:nvSpPr>
               <p:spPr>
                 <a:xfrm>
-                  <a:off x="3885594" y="4119133"/>
-                  <a:ext cx="195048" cy="299297"/>
+                  <a:off x="3936712" y="4131213"/>
+                  <a:ext cx="195048" cy="243441"/>
                 </a:xfrm>
                 <a:prstGeom prst="rect">
                   <a:avLst/>
@@ -5351,7 +4980,7 @@
                       </m:oMathParaPr>
                       <m:oMath xmlns:m="http://schemas.openxmlformats.org/officeDocument/2006/math">
                         <m:r>
-                          <a:rPr lang="en-GB" i="1" smtClean="0">
+                          <a:rPr lang="en-GB" sz="2000" i="1">
                             <a:latin typeface="Cambria Math" panose="02040503050406030204" pitchFamily="18" charset="0"/>
                           </a:rPr>
                           <m:t>⋮</m:t>
@@ -5381,8 +5010,8 @@
               </p:nvSpPr>
               <p:spPr>
                 <a:xfrm>
-                  <a:off x="3885594" y="4119133"/>
-                  <a:ext cx="195048" cy="299297"/>
+                  <a:off x="3936712" y="4131213"/>
+                  <a:ext cx="195048" cy="243441"/>
                 </a:xfrm>
                 <a:prstGeom prst="rect">
                   <a:avLst/>
@@ -5390,7 +5019,7 @@
                 <a:blipFill>
                   <a:blip r:embed="rId8"/>
                   <a:stretch>
-                    <a:fillRect l="-9375" r="-9375"/>
+                    <a:fillRect l="-2564" r="-2564"/>
                   </a:stretch>
                 </a:blipFill>
               </p:spPr>
@@ -5425,8 +5054,8 @@
               </p:nvSpPr>
               <p:spPr>
                 <a:xfrm>
-                  <a:off x="3710632" y="4334177"/>
-                  <a:ext cx="1920303" cy="287217"/>
+                  <a:off x="3796873" y="4360358"/>
+                  <a:ext cx="1727591" cy="231878"/>
                 </a:xfrm>
                 <a:prstGeom prst="rect">
                   <a:avLst/>
@@ -5449,14 +5078,14 @@
                         <m:sSub>
                           <m:sSubPr>
                             <m:ctrlPr>
-                              <a:rPr lang="en-GB" i="1" smtClean="0">
+                              <a:rPr lang="en-GB" sz="2000" i="1" smtClean="0">
                                 <a:latin typeface="Cambria Math" panose="02040503050406030204" pitchFamily="18" charset="0"/>
                               </a:rPr>
                             </m:ctrlPr>
                           </m:sSubPr>
                           <m:e>
                             <m:r>
-                              <a:rPr lang="en-GB" b="0" i="1" smtClean="0">
+                              <a:rPr lang="en-GB" sz="2000" i="1">
                                 <a:latin typeface="Cambria Math" panose="02040503050406030204" pitchFamily="18" charset="0"/>
                               </a:rPr>
                               <m:t>𝑥</m:t>
@@ -5464,13 +5093,13 @@
                           </m:e>
                           <m:sub>
                             <m:r>
-                              <a:rPr lang="en-GB" b="0" i="1" smtClean="0">
+                              <a:rPr lang="en-GB" sz="2000" i="1">
                                 <a:latin typeface="Cambria Math" panose="02040503050406030204" pitchFamily="18" charset="0"/>
                               </a:rPr>
                               <m:t>𝑚</m:t>
                             </m:r>
                             <m:r>
-                              <a:rPr lang="en-GB" b="0" i="1" smtClean="0">
+                              <a:rPr lang="en-GB" sz="2000" i="1">
                                 <a:latin typeface="Cambria Math" panose="02040503050406030204" pitchFamily="18" charset="0"/>
                               </a:rPr>
                               <m:t>1  </m:t>
@@ -5480,14 +5109,14 @@
                         <m:sSub>
                           <m:sSubPr>
                             <m:ctrlPr>
-                              <a:rPr lang="en-GB" i="1" smtClean="0">
+                              <a:rPr lang="en-GB" sz="2000" i="1">
                                 <a:latin typeface="Cambria Math" panose="02040503050406030204" pitchFamily="18" charset="0"/>
                               </a:rPr>
                             </m:ctrlPr>
                           </m:sSubPr>
                           <m:e>
                             <m:r>
-                              <a:rPr lang="en-GB" b="0" i="1" smtClean="0">
+                              <a:rPr lang="en-GB" sz="2000" i="1">
                                 <a:latin typeface="Cambria Math" panose="02040503050406030204" pitchFamily="18" charset="0"/>
                               </a:rPr>
                               <m:t>𝑥</m:t>
@@ -5495,13 +5124,13 @@
                           </m:e>
                           <m:sub>
                             <m:r>
-                              <a:rPr lang="en-GB" b="0" i="1" smtClean="0">
+                              <a:rPr lang="en-GB" sz="2000" i="1">
                                 <a:latin typeface="Cambria Math" panose="02040503050406030204" pitchFamily="18" charset="0"/>
                               </a:rPr>
                               <m:t>𝑚</m:t>
                             </m:r>
                             <m:r>
-                              <a:rPr lang="en-GB" b="0" i="1" smtClean="0">
+                              <a:rPr lang="en-GB" sz="2000" i="1">
                                 <a:latin typeface="Cambria Math" panose="02040503050406030204" pitchFamily="18" charset="0"/>
                               </a:rPr>
                               <m:t>2</m:t>
@@ -5509,34 +5138,52 @@
                           </m:sub>
                         </m:sSub>
                         <m:r>
-                          <a:rPr lang="en-GB" b="0" i="1" smtClean="0">
+                          <a:rPr lang="en-GB" sz="2000" i="1">
                             <a:latin typeface="Cambria Math" panose="02040503050406030204" pitchFamily="18" charset="0"/>
                           </a:rPr>
                           <m:t> </m:t>
                         </m:r>
                         <m:r>
-                          <a:rPr lang="en-GB" i="1" smtClean="0">
+                          <a:rPr lang="en-GB" sz="2000" b="0" i="1" smtClean="0">
+                            <a:latin typeface="Cambria Math" panose="02040503050406030204" pitchFamily="18" charset="0"/>
+                          </a:rPr>
+                          <m:t> </m:t>
+                        </m:r>
+                        <m:r>
+                          <a:rPr lang="en-GB" sz="2000" i="1">
                             <a:latin typeface="Cambria Math" panose="02040503050406030204" pitchFamily="18" charset="0"/>
                           </a:rPr>
                           <m:t>…</m:t>
                         </m:r>
+                        <m:r>
+                          <a:rPr lang="en-GB" sz="2000" b="0" i="1" smtClean="0">
+                            <a:latin typeface="Cambria Math" panose="02040503050406030204" pitchFamily="18" charset="0"/>
+                          </a:rPr>
+                          <m:t> </m:t>
+                        </m:r>
                         <m:sSub>
                           <m:sSubPr>
                             <m:ctrlPr>
-                              <a:rPr lang="en-GB" i="1" smtClean="0">
+                              <a:rPr lang="en-GB" sz="2000" i="1">
                                 <a:latin typeface="Cambria Math" panose="02040503050406030204" pitchFamily="18" charset="0"/>
                               </a:rPr>
                             </m:ctrlPr>
                           </m:sSubPr>
                           <m:e>
                             <m:r>
-                              <a:rPr lang="en-GB" b="0" i="1" smtClean="0">
+                              <a:rPr lang="en-GB" sz="2000" i="1">
                                 <a:latin typeface="Cambria Math" panose="02040503050406030204" pitchFamily="18" charset="0"/>
                               </a:rPr>
                               <m:t>   </m:t>
                             </m:r>
                             <m:r>
-                              <a:rPr lang="en-GB" b="0" i="1" smtClean="0">
+                              <a:rPr lang="en-GB" sz="2000" b="0" i="1" smtClean="0">
+                                <a:latin typeface="Cambria Math" panose="02040503050406030204" pitchFamily="18" charset="0"/>
+                              </a:rPr>
+                              <m:t> </m:t>
+                            </m:r>
+                            <m:r>
+                              <a:rPr lang="en-GB" sz="2000" i="1">
                                 <a:latin typeface="Cambria Math" panose="02040503050406030204" pitchFamily="18" charset="0"/>
                               </a:rPr>
                               <m:t>𝑥</m:t>
@@ -5544,7 +5191,7 @@
                           </m:e>
                           <m:sub>
                             <m:r>
-                              <a:rPr lang="en-GB" b="0" i="1" smtClean="0">
+                              <a:rPr lang="en-GB" sz="2000" i="1">
                                 <a:latin typeface="Cambria Math" panose="02040503050406030204" pitchFamily="18" charset="0"/>
                               </a:rPr>
                               <m:t>𝑚𝑤</m:t>
@@ -5554,7 +5201,7 @@
                       </m:oMath>
                     </m:oMathPara>
                   </a14:m>
-                  <a:endParaRPr lang="en-GB" dirty="0"/>
+                  <a:endParaRPr lang="en-GB" sz="2000" dirty="0"/>
                 </a:p>
               </p:txBody>
             </p:sp>
@@ -5576,8 +5223,8 @@
               </p:nvSpPr>
               <p:spPr>
                 <a:xfrm>
-                  <a:off x="3710632" y="4334177"/>
-                  <a:ext cx="1920303" cy="287217"/>
+                  <a:off x="3796873" y="4360358"/>
+                  <a:ext cx="1727591" cy="231878"/>
                 </a:xfrm>
                 <a:prstGeom prst="rect">
                   <a:avLst/>
@@ -5585,7 +5232,7 @@
                 <a:blipFill>
                   <a:blip r:embed="rId9"/>
                   <a:stretch>
-                    <a:fillRect b="-10638"/>
+                    <a:fillRect l="-1453" r="-291" b="-15686"/>
                   </a:stretch>
                 </a:blipFill>
               </p:spPr>
@@ -5620,8 +5267,8 @@
               </p:nvSpPr>
               <p:spPr>
                 <a:xfrm>
-                  <a:off x="4690150" y="4093370"/>
-                  <a:ext cx="237145" cy="287217"/>
+                  <a:off x="4654648" y="4080769"/>
+                  <a:ext cx="237145" cy="243441"/>
                 </a:xfrm>
                 <a:prstGeom prst="rect">
                   <a:avLst/>
@@ -5642,13 +5289,13 @@
                       </m:oMathParaPr>
                       <m:oMath xmlns:m="http://schemas.openxmlformats.org/officeDocument/2006/math">
                         <m:r>
-                          <a:rPr lang="en-GB" b="0" i="1" smtClean="0">
+                          <a:rPr lang="en-GB" sz="2000" i="1" smtClean="0">
                             <a:latin typeface="Cambria Math" panose="02040503050406030204" pitchFamily="18" charset="0"/>
                           </a:rPr>
                           <m:t> </m:t>
                         </m:r>
                         <m:r>
-                          <a:rPr lang="en-GB" i="1" smtClean="0">
+                          <a:rPr lang="en-GB" sz="2000" i="1">
                             <a:latin typeface="Cambria Math" panose="02040503050406030204" pitchFamily="18" charset="0"/>
                           </a:rPr>
                           <m:t>…</m:t>
@@ -5678,8 +5325,8 @@
               </p:nvSpPr>
               <p:spPr>
                 <a:xfrm>
-                  <a:off x="4690150" y="4093370"/>
-                  <a:ext cx="237145" cy="287217"/>
+                  <a:off x="4654648" y="4080769"/>
+                  <a:ext cx="237145" cy="243441"/>
                 </a:xfrm>
                 <a:prstGeom prst="rect">
                   <a:avLst/>
@@ -5687,7 +5334,7 @@
                 <a:blipFill>
                   <a:blip r:embed="rId10"/>
                   <a:stretch>
-                    <a:fillRect r="-7692"/>
+                    <a:fillRect r="-2128"/>
                   </a:stretch>
                 </a:blipFill>
               </p:spPr>
@@ -5722,8 +5369,8 @@
               </p:nvSpPr>
               <p:spPr>
                 <a:xfrm>
-                  <a:off x="5208279" y="4166597"/>
-                  <a:ext cx="237145" cy="299297"/>
+                  <a:off x="5177305" y="4134100"/>
+                  <a:ext cx="237145" cy="243441"/>
                 </a:xfrm>
                 <a:prstGeom prst="rect">
                   <a:avLst/>
@@ -5744,7 +5391,7 @@
                       </m:oMathParaPr>
                       <m:oMath xmlns:m="http://schemas.openxmlformats.org/officeDocument/2006/math">
                         <m:r>
-                          <a:rPr lang="en-GB" i="1" smtClean="0">
+                          <a:rPr lang="en-GB" sz="2000" i="1">
                             <a:latin typeface="Cambria Math" panose="02040503050406030204" pitchFamily="18" charset="0"/>
                           </a:rPr>
                           <m:t>⋮</m:t>
@@ -5752,7 +5399,7 @@
                       </m:oMath>
                     </m:oMathPara>
                   </a14:m>
-                  <a:endParaRPr lang="en-GB" dirty="0"/>
+                  <a:endParaRPr lang="en-GB" sz="2000" dirty="0"/>
                 </a:p>
               </p:txBody>
             </p:sp>
@@ -5774,8 +5421,8 @@
               </p:nvSpPr>
               <p:spPr>
                 <a:xfrm>
-                  <a:off x="5208279" y="4166597"/>
-                  <a:ext cx="237145" cy="299297"/>
+                  <a:off x="5177305" y="4134100"/>
+                  <a:ext cx="237145" cy="243441"/>
                 </a:xfrm>
                 <a:prstGeom prst="rect">
                   <a:avLst/>
@@ -5818,8 +5465,8 @@
               </p:nvSpPr>
               <p:spPr>
                 <a:xfrm>
-                  <a:off x="4350117" y="4119133"/>
-                  <a:ext cx="195048" cy="299297"/>
+                  <a:off x="4356523" y="4131213"/>
+                  <a:ext cx="195048" cy="243441"/>
                 </a:xfrm>
                 <a:prstGeom prst="rect">
                   <a:avLst/>
@@ -5840,7 +5487,7 @@
                       </m:oMathParaPr>
                       <m:oMath xmlns:m="http://schemas.openxmlformats.org/officeDocument/2006/math">
                         <m:r>
-                          <a:rPr lang="en-GB" i="1" smtClean="0">
+                          <a:rPr lang="en-GB" sz="2000" i="1">
                             <a:latin typeface="Cambria Math" panose="02040503050406030204" pitchFamily="18" charset="0"/>
                           </a:rPr>
                           <m:t>⋮</m:t>
@@ -5870,8 +5517,8 @@
               </p:nvSpPr>
               <p:spPr>
                 <a:xfrm>
-                  <a:off x="4350117" y="4119133"/>
-                  <a:ext cx="195048" cy="299297"/>
+                  <a:off x="4356523" y="4131213"/>
+                  <a:ext cx="195048" cy="243441"/>
                 </a:xfrm>
                 <a:prstGeom prst="rect">
                   <a:avLst/>
@@ -5879,7 +5526,7 @@
                 <a:blipFill>
                   <a:blip r:embed="rId12"/>
                   <a:stretch>
-                    <a:fillRect l="-9375" r="-9375"/>
+                    <a:fillRect l="-2564" r="-2564"/>
                   </a:stretch>
                 </a:blipFill>
               </p:spPr>
@@ -5914,8 +5561,8 @@
               </p:nvSpPr>
               <p:spPr>
                 <a:xfrm>
-                  <a:off x="4704744" y="4584302"/>
-                  <a:ext cx="237145" cy="287217"/>
+                  <a:off x="4651326" y="4628384"/>
+                  <a:ext cx="237145" cy="243441"/>
                 </a:xfrm>
                 <a:prstGeom prst="rect">
                   <a:avLst/>
@@ -5936,21 +5583,15 @@
                       </m:oMathParaPr>
                       <m:oMath xmlns:m="http://schemas.openxmlformats.org/officeDocument/2006/math">
                         <m:r>
-                          <a:rPr lang="en-GB" b="0" i="1" smtClean="0">
+                          <a:rPr lang="en-GB" sz="2000" i="1">
                             <a:latin typeface="Cambria Math" panose="02040503050406030204" pitchFamily="18" charset="0"/>
                           </a:rPr>
-                          <m:t> </m:t>
-                        </m:r>
-                        <m:r>
-                          <a:rPr lang="en-GB" i="1" smtClean="0">
-                            <a:latin typeface="Cambria Math" panose="02040503050406030204" pitchFamily="18" charset="0"/>
-                          </a:rPr>
-                          <m:t>…</m:t>
+                          <m:t> …</m:t>
                         </m:r>
                       </m:oMath>
                     </m:oMathPara>
                   </a14:m>
-                  <a:endParaRPr lang="en-GB" dirty="0"/>
+                  <a:endParaRPr lang="en-GB" sz="2000" dirty="0"/>
                 </a:p>
               </p:txBody>
             </p:sp>
@@ -5972,8 +5613,8 @@
               </p:nvSpPr>
               <p:spPr>
                 <a:xfrm>
-                  <a:off x="4704744" y="4584302"/>
-                  <a:ext cx="237145" cy="287217"/>
+                  <a:off x="4651326" y="4628384"/>
+                  <a:ext cx="237145" cy="243441"/>
                 </a:xfrm>
                 <a:prstGeom prst="rect">
                   <a:avLst/>
@@ -5981,7 +5622,7 @@
                 <a:blipFill>
                   <a:blip r:embed="rId13"/>
                   <a:stretch>
-                    <a:fillRect r="-5128"/>
+                    <a:fillRect r="-2128"/>
                   </a:stretch>
                 </a:blipFill>
               </p:spPr>
@@ -6050,7 +5691,7 @@
             <a:lstStyle/>
             <a:p>
               <a:pPr algn="ctr"/>
-              <a:endParaRPr lang="en-GB"/>
+              <a:endParaRPr lang="en-GB" sz="1350"/>
             </a:p>
           </p:txBody>
         </p:sp>
@@ -6104,7 +5745,7 @@
             <a:lstStyle/>
             <a:p>
               <a:pPr algn="ctr"/>
-              <a:endParaRPr lang="en-GB"/>
+              <a:endParaRPr lang="en-GB" sz="1350"/>
             </a:p>
           </p:txBody>
         </p:sp>
@@ -6158,7 +5799,7 @@
             <a:lstStyle/>
             <a:p>
               <a:pPr algn="ctr"/>
-              <a:endParaRPr lang="en-GB"/>
+              <a:endParaRPr lang="en-GB" sz="1350"/>
             </a:p>
           </p:txBody>
         </p:sp>
@@ -6176,8 +5817,8 @@
           </p:nvSpPr>
           <p:spPr>
             <a:xfrm>
-              <a:off x="1856775" y="3371545"/>
-              <a:ext cx="1757276" cy="584775"/>
+              <a:off x="1922670" y="3382767"/>
+              <a:ext cx="1676556" cy="511226"/>
             </a:xfrm>
             <a:prstGeom prst="rect">
               <a:avLst/>
@@ -6191,21 +5832,21 @@
             <a:lstStyle/>
             <a:p>
               <a:r>
-                <a:rPr lang="en-GB" sz="1600" dirty="0"/>
+                <a:rPr lang="en-GB" dirty="0"/>
                 <a:t>Feature extraction </a:t>
               </a:r>
             </a:p>
             <a:p>
               <a:r>
-                <a:rPr lang="en-GB" sz="1600" dirty="0"/>
+                <a:rPr lang="en-GB" dirty="0"/>
                 <a:t>for </a:t>
               </a:r>
               <a:r>
-                <a:rPr lang="en-GB" sz="1600" b="1" dirty="0"/>
+                <a:rPr lang="en-GB" b="1" dirty="0"/>
                 <a:t>month </a:t>
               </a:r>
               <a:r>
-                <a:rPr lang="en-GB" sz="1600" b="1" dirty="0">
+                <a:rPr lang="en-GB" b="1" dirty="0">
                   <a:solidFill>
                     <a:srgbClr val="FF0000"/>
                   </a:solidFill>
@@ -6265,7 +5906,7 @@
             <a:lstStyle/>
             <a:p>
               <a:pPr algn="ctr"/>
-              <a:endParaRPr lang="en-GB"/>
+              <a:endParaRPr lang="en-GB" sz="1350"/>
             </a:p>
           </p:txBody>
         </p:sp>
@@ -6319,7 +5960,7 @@
             <a:lstStyle/>
             <a:p>
               <a:pPr algn="ctr"/>
-              <a:endParaRPr lang="en-GB"/>
+              <a:endParaRPr lang="en-GB" sz="1350"/>
             </a:p>
           </p:txBody>
         </p:sp>
@@ -6373,7 +6014,7 @@
             <a:lstStyle/>
             <a:p>
               <a:pPr algn="ctr"/>
-              <a:endParaRPr lang="en-GB"/>
+              <a:endParaRPr lang="en-GB" sz="1350"/>
             </a:p>
           </p:txBody>
         </p:sp>
@@ -6392,7 +6033,7 @@
           <p:spPr>
             <a:xfrm>
               <a:off x="2764372" y="823611"/>
-              <a:ext cx="2443907" cy="382956"/>
+              <a:ext cx="2842335" cy="365161"/>
             </a:xfrm>
             <a:prstGeom prst="rect">
               <a:avLst/>
@@ -6406,18 +6047,9 @@
             <a:lstStyle/>
             <a:p>
               <a:r>
-                <a:rPr lang="en-GB" b="1" dirty="0"/>
-                <a:t>Upscaling GPP and </a:t>
+                <a:rPr lang="en-GB" sz="2400" b="1" dirty="0"/>
+                <a:t>Upscaling GPP and RECO</a:t>
               </a:r>
-              <a:r>
-                <a:rPr lang="en-GB" b="1" dirty="0" err="1"/>
-                <a:t>R</a:t>
-              </a:r>
-              <a:r>
-                <a:rPr lang="en-GB" b="1" baseline="-25000" dirty="0" err="1"/>
-                <a:t>eco</a:t>
-              </a:r>
-              <a:endParaRPr lang="en-GB" b="1" dirty="0"/>
             </a:p>
           </p:txBody>
         </p:sp>
@@ -6435,8 +6067,8 @@
           </p:nvSpPr>
           <p:spPr>
             <a:xfrm rot="16200000">
-              <a:off x="7739969" y="2750112"/>
-              <a:ext cx="284000" cy="259634"/>
+              <a:off x="7722438" y="2345976"/>
+              <a:ext cx="186352" cy="259634"/>
             </a:xfrm>
             <a:prstGeom prst="rightArrow">
               <a:avLst/>
@@ -6471,7 +6103,7 @@
             <a:lstStyle/>
             <a:p>
               <a:pPr algn="ctr"/>
-              <a:endParaRPr lang="en-GB"/>
+              <a:endParaRPr lang="en-GB" sz="1350"/>
             </a:p>
           </p:txBody>
         </p:sp>
@@ -6527,7 +6159,7 @@
             <a:p>
               <a:pPr algn="ctr"/>
               <a:r>
-                <a:rPr lang="en-GB" sz="1600" dirty="0">
+                <a:rPr lang="en-GB" dirty="0">
                   <a:solidFill>
                     <a:schemeClr val="tx1"/>
                   </a:solidFill>
@@ -6589,7 +6221,7 @@
             <a:p>
               <a:pPr algn="ctr"/>
               <a:r>
-                <a:rPr lang="en-GB" sz="1600" dirty="0">
+                <a:rPr lang="en-GB" dirty="0">
                   <a:solidFill>
                     <a:schemeClr val="tx1"/>
                   </a:solidFill>
@@ -6649,7 +6281,7 @@
             <a:lstStyle/>
             <a:p>
               <a:pPr algn="ctr"/>
-              <a:endParaRPr lang="en-GB"/>
+              <a:endParaRPr lang="en-GB" sz="1350"/>
             </a:p>
           </p:txBody>
         </p:sp>
@@ -6703,7 +6335,7 @@
             <a:lstStyle/>
             <a:p>
               <a:pPr algn="ctr"/>
-              <a:endParaRPr lang="en-GB"/>
+              <a:endParaRPr lang="en-GB" sz="1350"/>
             </a:p>
           </p:txBody>
         </p:sp>
@@ -6758,7 +6390,7 @@
             <a:lstStyle/>
             <a:p>
               <a:pPr algn="ctr"/>
-              <a:endParaRPr lang="en-GB" dirty="0"/>
+              <a:endParaRPr lang="en-GB" sz="1350" dirty="0"/>
             </a:p>
           </p:txBody>
         </p:sp>
@@ -6776,8 +6408,8 @@
           </p:nvSpPr>
           <p:spPr>
             <a:xfrm>
-              <a:off x="3796909" y="1304683"/>
-              <a:ext cx="866352" cy="339832"/>
+              <a:off x="3826558" y="1303485"/>
+              <a:ext cx="866352" cy="281280"/>
             </a:xfrm>
             <a:prstGeom prst="roundRect">
               <a:avLst/>
@@ -6813,14 +6445,14 @@
             <a:p>
               <a:pPr algn="ctr"/>
               <a:r>
-                <a:rPr lang="en-GB" sz="1400" dirty="0">
+                <a:rPr lang="en-GB" dirty="0">
                   <a:solidFill>
                     <a:schemeClr val="tx1"/>
                   </a:solidFill>
                 </a:rPr>
                 <a:t>GPP</a:t>
               </a:r>
-              <a:endParaRPr lang="en-GB" sz="1400" dirty="0">
+              <a:endParaRPr lang="en-GB" sz="1050" dirty="0">
                 <a:ln w="0"/>
                 <a:solidFill>
                   <a:schemeClr val="tx1"/>
@@ -6850,8 +6482,8 @@
           </p:nvSpPr>
           <p:spPr>
             <a:xfrm>
-              <a:off x="4893675" y="1289058"/>
-              <a:ext cx="866352" cy="339832"/>
+              <a:off x="4889728" y="1308409"/>
+              <a:ext cx="866352" cy="271468"/>
             </a:xfrm>
             <a:prstGeom prst="roundRect">
               <a:avLst/>
@@ -6887,22 +6519,14 @@
             <a:p>
               <a:pPr algn="ctr"/>
               <a:r>
-                <a:rPr lang="en-GB" sz="1400" dirty="0" err="1">
+                <a:rPr lang="en-GB" dirty="0">
                   <a:solidFill>
                     <a:schemeClr val="tx1"/>
                   </a:solidFill>
                 </a:rPr>
-                <a:t>R</a:t>
+                <a:t>RECO</a:t>
               </a:r>
-              <a:r>
-                <a:rPr lang="en-GB" sz="1400" baseline="-25000" dirty="0" err="1">
-                  <a:solidFill>
-                    <a:schemeClr val="tx1"/>
-                  </a:solidFill>
-                </a:rPr>
-                <a:t>eco</a:t>
-              </a:r>
-              <a:endParaRPr lang="en-GB" sz="1400" dirty="0">
+              <a:endParaRPr lang="en-GB" sz="1000" dirty="0">
                 <a:ln w="0"/>
                 <a:solidFill>
                   <a:schemeClr val="tx1"/>
@@ -6932,8 +6556,8 @@
           </p:nvSpPr>
           <p:spPr>
             <a:xfrm>
-              <a:off x="1909439" y="1181257"/>
-              <a:ext cx="1831677" cy="584775"/>
+              <a:off x="1909439" y="1181258"/>
+              <a:ext cx="1917119" cy="486943"/>
             </a:xfrm>
             <a:prstGeom prst="rect">
               <a:avLst/>
@@ -6947,28 +6571,32 @@
             <a:lstStyle/>
             <a:p>
               <a:r>
-                <a:rPr lang="en-GB" sz="1600" dirty="0"/>
-                <a:t>Monthly global 0.25</a:t>
+                <a:rPr lang="en-GB" b="1" dirty="0"/>
+                <a:t>FluxFormer</a:t>
               </a:r>
               <a:r>
-                <a:rPr lang="en-GB" sz="1600" dirty="0">
+                <a:rPr lang="en-GB" dirty="0"/>
+                <a:t>: Monthly global 0.25</a:t>
+              </a:r>
+              <a:r>
+                <a:rPr lang="en-GB" dirty="0">
                   <a:latin typeface="Times" panose="02020603050405020304" pitchFamily="18" charset="0"/>
                   <a:cs typeface="Times" panose="02020603050405020304" pitchFamily="18" charset="0"/>
                 </a:rPr>
                 <a:t>°×</a:t>
               </a:r>
               <a:r>
-                <a:rPr lang="en-GB" sz="1600" dirty="0"/>
+                <a:rPr lang="en-GB" dirty="0"/>
                 <a:t>0.25</a:t>
               </a:r>
               <a:r>
-                <a:rPr lang="en-GB" sz="1600" dirty="0">
+                <a:rPr lang="en-GB" dirty="0">
                   <a:latin typeface="Times" panose="02020603050405020304" pitchFamily="18" charset="0"/>
                   <a:cs typeface="Times" panose="02020603050405020304" pitchFamily="18" charset="0"/>
                 </a:rPr>
                 <a:t>°</a:t>
               </a:r>
-              <a:endParaRPr lang="en-GB" sz="1600" dirty="0"/>
+              <a:endParaRPr lang="en-GB" dirty="0"/>
             </a:p>
           </p:txBody>
         </p:sp>
@@ -7022,7 +6650,7 @@
             <a:lstStyle/>
             <a:p>
               <a:pPr algn="ctr"/>
-              <a:endParaRPr lang="en-GB"/>
+              <a:endParaRPr lang="en-GB" sz="1350"/>
             </a:p>
           </p:txBody>
         </p:sp>
@@ -7040,8 +6668,8 @@
           </p:nvSpPr>
           <p:spPr>
             <a:xfrm>
-              <a:off x="6674473" y="3100956"/>
-              <a:ext cx="2524246" cy="694548"/>
+              <a:off x="6336779" y="3590310"/>
+              <a:ext cx="2929117" cy="694548"/>
             </a:xfrm>
             <a:prstGeom prst="roundRect">
               <a:avLst/>
@@ -7076,7 +6704,7 @@
             <a:lstStyle/>
             <a:p>
               <a:r>
-                <a:rPr lang="en-GB" sz="1600" dirty="0">
+                <a:rPr lang="en-GB" sz="2000" b="1" dirty="0">
                   <a:solidFill>
                     <a:schemeClr val="tx1"/>
                   </a:solidFill>
@@ -7085,12 +6713,12 @@
               </a:r>
             </a:p>
             <a:p>
-              <a:pPr marL="285750" indent="-285750">
+              <a:pPr marL="214313" indent="-214313">
                 <a:buFont typeface="Arial" panose="020B0604020202020204" pitchFamily="34" charset="0"/>
                 <a:buChar char="•"/>
               </a:pPr>
               <a:r>
-                <a:rPr lang="en-GB" sz="1400" dirty="0">
+                <a:rPr lang="en-GB" sz="1600" dirty="0">
                   <a:solidFill>
                     <a:schemeClr val="tx1"/>
                   </a:solidFill>
@@ -7099,12 +6727,12 @@
               </a:r>
             </a:p>
             <a:p>
-              <a:pPr marL="285750" indent="-285750">
+              <a:pPr marL="214313" indent="-214313">
                 <a:buFont typeface="Arial" panose="020B0604020202020204" pitchFamily="34" charset="0"/>
                 <a:buChar char="•"/>
               </a:pPr>
               <a:r>
-                <a:rPr lang="en-GB" sz="1400" dirty="0">
+                <a:rPr lang="en-GB" sz="1600" dirty="0">
                   <a:solidFill>
                     <a:schemeClr val="tx1"/>
                   </a:solidFill>
@@ -7115,6 +6743,108 @@
           </p:txBody>
         </p:sp>
       </p:grpSp>
+      <p:sp>
+        <p:nvSpPr>
+          <p:cNvPr id="53" name="Rectangle: Rounded Corners 52">
+            <a:extLst>
+              <a:ext uri="{FF2B5EF4-FFF2-40B4-BE49-F238E27FC236}">
+                <a16:creationId xmlns:a16="http://schemas.microsoft.com/office/drawing/2014/main" id="{F2A62D5D-BCD9-4991-B34B-D8101CC12A02}"/>
+              </a:ext>
+            </a:extLst>
+          </p:cNvPr>
+          <p:cNvSpPr/>
+          <p:nvPr/>
+        </p:nvSpPr>
+        <p:spPr>
+          <a:xfrm>
+            <a:off x="5404112" y="2388340"/>
+            <a:ext cx="3580657" cy="1193399"/>
+          </a:xfrm>
+          <a:prstGeom prst="roundRect">
+            <a:avLst/>
+          </a:prstGeom>
+          <a:solidFill>
+            <a:schemeClr val="bg1"/>
+          </a:solidFill>
+          <a:ln>
+            <a:solidFill>
+              <a:schemeClr val="tx1"/>
+            </a:solidFill>
+          </a:ln>
+        </p:spPr>
+        <p:style>
+          <a:lnRef idx="2">
+            <a:schemeClr val="accent1">
+              <a:shade val="15000"/>
+            </a:schemeClr>
+          </a:lnRef>
+          <a:fillRef idx="1">
+            <a:schemeClr val="accent1"/>
+          </a:fillRef>
+          <a:effectRef idx="0">
+            <a:schemeClr val="accent1"/>
+          </a:effectRef>
+          <a:fontRef idx="minor">
+            <a:schemeClr val="lt1"/>
+          </a:fontRef>
+        </p:style>
+        <p:txBody>
+          <a:bodyPr rtlCol="0" anchor="ctr"/>
+          <a:lstStyle/>
+          <a:p>
+            <a:r>
+              <a:rPr lang="en-GB" sz="2000" b="1" dirty="0">
+                <a:solidFill>
+                  <a:schemeClr val="tx1"/>
+                </a:solidFill>
+              </a:rPr>
+              <a:t>Data inspection</a:t>
+            </a:r>
+          </a:p>
+          <a:p>
+            <a:pPr marL="214313" indent="-214313">
+              <a:buFont typeface="Arial" panose="020B0604020202020204" pitchFamily="34" charset="0"/>
+              <a:buChar char="•"/>
+            </a:pPr>
+            <a:r>
+              <a:rPr lang="en-GB" sz="1600" dirty="0">
+                <a:solidFill>
+                  <a:schemeClr val="tx1"/>
+                </a:solidFill>
+              </a:rPr>
+              <a:t>Annual mean distribution</a:t>
+            </a:r>
+          </a:p>
+          <a:p>
+            <a:pPr marL="214313" indent="-214313">
+              <a:buFont typeface="Arial" panose="020B0604020202020204" pitchFamily="34" charset="0"/>
+              <a:buChar char="•"/>
+            </a:pPr>
+            <a:r>
+              <a:rPr lang="en-GB" sz="1600" dirty="0">
+                <a:solidFill>
+                  <a:schemeClr val="tx1"/>
+                </a:solidFill>
+              </a:rPr>
+              <a:t>Latitudinal variations</a:t>
+            </a:r>
+          </a:p>
+          <a:p>
+            <a:pPr marL="214313" indent="-214313">
+              <a:buFont typeface="Arial" panose="020B0604020202020204" pitchFamily="34" charset="0"/>
+              <a:buChar char="•"/>
+            </a:pPr>
+            <a:r>
+              <a:rPr lang="en-GB" sz="1600" dirty="0">
+                <a:solidFill>
+                  <a:schemeClr val="tx1"/>
+                </a:solidFill>
+              </a:rPr>
+              <a:t>Uncertainty</a:t>
+            </a:r>
+          </a:p>
+        </p:txBody>
+      </p:sp>
     </p:spTree>
     <p:extLst>
       <p:ext uri="{BB962C8B-B14F-4D97-AF65-F5344CB8AC3E}">
@@ -7131,7 +6861,7 @@
 <file path=ppt/theme/theme1.xml><?xml version="1.0" encoding="utf-8"?>
 <a:theme xmlns:a="http://schemas.openxmlformats.org/drawingml/2006/main" name="Office Theme">
   <a:themeElements>
-    <a:clrScheme name="Office">
+    <a:clrScheme name="Office Theme">
       <a:dk1>
         <a:sysClr val="windowText" lastClr="000000"/>
       </a:dk1>
@@ -7169,7 +6899,7 @@
         <a:srgbClr val="954F72"/>
       </a:folHlink>
     </a:clrScheme>
-    <a:fontScheme name="Office">
+    <a:fontScheme name="Office Theme">
       <a:majorFont>
         <a:latin typeface="Calibri Light" panose="020F0302020204030204"/>
         <a:ea typeface=""/>
@@ -7204,23 +6934,6 @@
         <a:font script="Viet" typeface="Times New Roman"/>
         <a:font script="Uigh" typeface="Microsoft Uighur"/>
         <a:font script="Geor" typeface="Sylfaen"/>
-        <a:font script="Armn" typeface="Arial"/>
-        <a:font script="Bugi" typeface="Leelawadee UI"/>
-        <a:font script="Bopo" typeface="Microsoft JhengHei"/>
-        <a:font script="Java" typeface="Javanese Text"/>
-        <a:font script="Lisu" typeface="Segoe UI"/>
-        <a:font script="Mymr" typeface="Myanmar Text"/>
-        <a:font script="Nkoo" typeface="Ebrima"/>
-        <a:font script="Olck" typeface="Nirmala UI"/>
-        <a:font script="Osma" typeface="Ebrima"/>
-        <a:font script="Phag" typeface="Phagspa"/>
-        <a:font script="Syrn" typeface="Estrangelo Edessa"/>
-        <a:font script="Syrj" typeface="Estrangelo Edessa"/>
-        <a:font script="Syre" typeface="Estrangelo Edessa"/>
-        <a:font script="Sora" typeface="Nirmala UI"/>
-        <a:font script="Tale" typeface="Microsoft Tai Le"/>
-        <a:font script="Talu" typeface="Microsoft New Tai Lue"/>
-        <a:font script="Tfng" typeface="Ebrima"/>
       </a:majorFont>
       <a:minorFont>
         <a:latin typeface="Calibri" panose="020F0502020204030204"/>
@@ -7256,26 +6969,9 @@
         <a:font script="Viet" typeface="Arial"/>
         <a:font script="Uigh" typeface="Microsoft Uighur"/>
         <a:font script="Geor" typeface="Sylfaen"/>
-        <a:font script="Armn" typeface="Arial"/>
-        <a:font script="Bugi" typeface="Leelawadee UI"/>
-        <a:font script="Bopo" typeface="Microsoft JhengHei"/>
-        <a:font script="Java" typeface="Javanese Text"/>
-        <a:font script="Lisu" typeface="Segoe UI"/>
-        <a:font script="Mymr" typeface="Myanmar Text"/>
-        <a:font script="Nkoo" typeface="Ebrima"/>
-        <a:font script="Olck" typeface="Nirmala UI"/>
-        <a:font script="Osma" typeface="Ebrima"/>
-        <a:font script="Phag" typeface="Phagspa"/>
-        <a:font script="Syrn" typeface="Estrangelo Edessa"/>
-        <a:font script="Syrj" typeface="Estrangelo Edessa"/>
-        <a:font script="Syre" typeface="Estrangelo Edessa"/>
-        <a:font script="Sora" typeface="Nirmala UI"/>
-        <a:font script="Tale" typeface="Microsoft Tai Le"/>
-        <a:font script="Talu" typeface="Microsoft New Tai Lue"/>
-        <a:font script="Tfng" typeface="Ebrima"/>
       </a:minorFont>
     </a:fontScheme>
-    <a:fmtScheme name="Office">
+    <a:fmtScheme name="Office Theme">
       <a:fillStyleLst>
         <a:solidFill>
           <a:schemeClr val="phClr"/>
